--- a/Презентация.pptx
+++ b/Презентация.pptx
@@ -1,46 +1,46 @@
 
 <file path=ppt/presentation.xml><?xml version="1.0" encoding="utf-8"?>
-<p:presentation xmlns:a="http://schemas.openxmlformats.org/drawingml/2006/main" xmlns:r="http://schemas.openxmlformats.org/officeDocument/2006/relationships" xmlns:mc="http://schemas.openxmlformats.org/markup-compatibility/2006" xmlns:mv="urn:schemas-microsoft-com:mac:vml" xmlns:p="http://schemas.openxmlformats.org/presentationml/2006/main" xmlns:c="http://schemas.openxmlformats.org/drawingml/2006/chart" xmlns:dgm="http://schemas.openxmlformats.org/drawingml/2006/diagram" xmlns:o="urn:schemas-microsoft-com:office:office" xmlns:v="urn:schemas-microsoft-com:vml" xmlns:pvml="urn:schemas-microsoft-com:office:powerpoint" xmlns:com="http://schemas.openxmlformats.org/drawingml/2006/compatibility" xmlns:p14="http://schemas.microsoft.com/office/powerpoint/2010/main" xmlns:p15="http://schemas.microsoft.com/office/powerpoint/2012/main" xmlns:ahyp="http://schemas.microsoft.com/office/drawing/2018/hyperlinkcolor" autoCompressPictures="0" embedTrueTypeFonts="1" strictFirstAndLastChars="0" saveSubsetFonts="1">
+<p:presentation xmlns:a="http://schemas.openxmlformats.org/drawingml/2006/main" xmlns:r="http://schemas.openxmlformats.org/officeDocument/2006/relationships" xmlns:p="http://schemas.openxmlformats.org/presentationml/2006/main" strictFirstAndLastChars="0" embedTrueTypeFonts="1" saveSubsetFonts="1" autoCompressPictures="0">
   <p:sldMasterIdLst>
-    <p:sldMasterId id="2147483659" r:id="rId4"/>
+    <p:sldMasterId id="2147483659" r:id="rId1"/>
   </p:sldMasterIdLst>
   <p:notesMasterIdLst>
-    <p:notesMasterId r:id="rId5"/>
+    <p:notesMasterId r:id="rId8"/>
   </p:notesMasterIdLst>
   <p:sldIdLst>
-    <p:sldId id="256" r:id="rId6"/>
-    <p:sldId id="257" r:id="rId7"/>
-    <p:sldId id="258" r:id="rId8"/>
-    <p:sldId id="259" r:id="rId9"/>
-    <p:sldId id="260" r:id="rId10"/>
-    <p:sldId id="261" r:id="rId11"/>
+    <p:sldId id="256" r:id="rId2"/>
+    <p:sldId id="257" r:id="rId3"/>
+    <p:sldId id="258" r:id="rId4"/>
+    <p:sldId id="259" r:id="rId5"/>
+    <p:sldId id="260" r:id="rId6"/>
+    <p:sldId id="261" r:id="rId7"/>
   </p:sldIdLst>
-  <p:sldSz cy="5143500" cx="9144000"/>
+  <p:sldSz cx="9144000" cy="5143500" type="screen16x9"/>
   <p:notesSz cx="6858000" cy="9144000"/>
   <p:embeddedFontLst>
     <p:embeddedFont>
-      <p:font typeface="Roboto"/>
-      <p:regular r:id="rId12"/>
-      <p:bold r:id="rId13"/>
-      <p:italic r:id="rId14"/>
-      <p:boldItalic r:id="rId15"/>
+      <p:font typeface="Lora" charset="-52"/>
+      <p:regular r:id="rId9"/>
+      <p:bold r:id="rId10"/>
+      <p:italic r:id="rId11"/>
+      <p:boldItalic r:id="rId12"/>
     </p:embeddedFont>
     <p:embeddedFont>
-      <p:font typeface="Lora"/>
-      <p:regular r:id="rId16"/>
-      <p:bold r:id="rId17"/>
-      <p:italic r:id="rId18"/>
-      <p:boldItalic r:id="rId19"/>
+      <p:font typeface="Roboto" charset="0"/>
+      <p:regular r:id="rId13"/>
+      <p:bold r:id="rId14"/>
+      <p:italic r:id="rId15"/>
+      <p:boldItalic r:id="rId16"/>
     </p:embeddedFont>
     <p:embeddedFont>
-      <p:font typeface="Old Standard TT"/>
-      <p:regular r:id="rId20"/>
-      <p:bold r:id="rId21"/>
-      <p:italic r:id="rId22"/>
+      <p:font typeface="Old Standard TT" charset="-52"/>
+      <p:regular r:id="rId17"/>
+      <p:bold r:id="rId18"/>
+      <p:italic r:id="rId19"/>
     </p:embeddedFont>
   </p:embeddedFontLst>
   <p:defaultTextStyle>
-    <a:defPPr lvl="0" marR="0" rtl="0" algn="l">
+    <a:defPPr marR="0" lvl="0" algn="l" rtl="0">
       <a:lnSpc>
         <a:spcPct val="100000"/>
       </a:lnSpc>
@@ -51,7 +51,7 @@
         <a:spcPts val="0"/>
       </a:spcAft>
     </a:defPPr>
-    <a:lvl1pPr lvl="0" marR="0" rtl="0" algn="l">
+    <a:lvl1pPr marR="0" lvl="0" algn="l" rtl="0">
       <a:lnSpc>
         <a:spcPct val="100000"/>
       </a:lnSpc>
@@ -65,7 +65,7 @@
         <a:srgbClr val="000000"/>
       </a:buClr>
       <a:buFont typeface="Arial"/>
-      <a:defRPr b="0" i="0" sz="1400" u="none" cap="none" strike="noStrike">
+      <a:defRPr sz="1400" b="0" i="0" u="none" strike="noStrike" cap="none">
         <a:solidFill>
           <a:srgbClr val="000000"/>
         </a:solidFill>
@@ -75,7 +75,7 @@
         <a:sym typeface="Arial"/>
       </a:defRPr>
     </a:lvl1pPr>
-    <a:lvl2pPr lvl="1" marR="0" rtl="0" algn="l">
+    <a:lvl2pPr marR="0" lvl="1" algn="l" rtl="0">
       <a:lnSpc>
         <a:spcPct val="100000"/>
       </a:lnSpc>
@@ -89,7 +89,7 @@
         <a:srgbClr val="000000"/>
       </a:buClr>
       <a:buFont typeface="Arial"/>
-      <a:defRPr b="0" i="0" sz="1400" u="none" cap="none" strike="noStrike">
+      <a:defRPr sz="1400" b="0" i="0" u="none" strike="noStrike" cap="none">
         <a:solidFill>
           <a:srgbClr val="000000"/>
         </a:solidFill>
@@ -99,7 +99,7 @@
         <a:sym typeface="Arial"/>
       </a:defRPr>
     </a:lvl2pPr>
-    <a:lvl3pPr lvl="2" marR="0" rtl="0" algn="l">
+    <a:lvl3pPr marR="0" lvl="2" algn="l" rtl="0">
       <a:lnSpc>
         <a:spcPct val="100000"/>
       </a:lnSpc>
@@ -113,7 +113,7 @@
         <a:srgbClr val="000000"/>
       </a:buClr>
       <a:buFont typeface="Arial"/>
-      <a:defRPr b="0" i="0" sz="1400" u="none" cap="none" strike="noStrike">
+      <a:defRPr sz="1400" b="0" i="0" u="none" strike="noStrike" cap="none">
         <a:solidFill>
           <a:srgbClr val="000000"/>
         </a:solidFill>
@@ -123,7 +123,7 @@
         <a:sym typeface="Arial"/>
       </a:defRPr>
     </a:lvl3pPr>
-    <a:lvl4pPr lvl="3" marR="0" rtl="0" algn="l">
+    <a:lvl4pPr marR="0" lvl="3" algn="l" rtl="0">
       <a:lnSpc>
         <a:spcPct val="100000"/>
       </a:lnSpc>
@@ -137,7 +137,7 @@
         <a:srgbClr val="000000"/>
       </a:buClr>
       <a:buFont typeface="Arial"/>
-      <a:defRPr b="0" i="0" sz="1400" u="none" cap="none" strike="noStrike">
+      <a:defRPr sz="1400" b="0" i="0" u="none" strike="noStrike" cap="none">
         <a:solidFill>
           <a:srgbClr val="000000"/>
         </a:solidFill>
@@ -147,7 +147,7 @@
         <a:sym typeface="Arial"/>
       </a:defRPr>
     </a:lvl4pPr>
-    <a:lvl5pPr lvl="4" marR="0" rtl="0" algn="l">
+    <a:lvl5pPr marR="0" lvl="4" algn="l" rtl="0">
       <a:lnSpc>
         <a:spcPct val="100000"/>
       </a:lnSpc>
@@ -161,7 +161,7 @@
         <a:srgbClr val="000000"/>
       </a:buClr>
       <a:buFont typeface="Arial"/>
-      <a:defRPr b="0" i="0" sz="1400" u="none" cap="none" strike="noStrike">
+      <a:defRPr sz="1400" b="0" i="0" u="none" strike="noStrike" cap="none">
         <a:solidFill>
           <a:srgbClr val="000000"/>
         </a:solidFill>
@@ -171,7 +171,7 @@
         <a:sym typeface="Arial"/>
       </a:defRPr>
     </a:lvl5pPr>
-    <a:lvl6pPr lvl="5" marR="0" rtl="0" algn="l">
+    <a:lvl6pPr marR="0" lvl="5" algn="l" rtl="0">
       <a:lnSpc>
         <a:spcPct val="100000"/>
       </a:lnSpc>
@@ -185,7 +185,7 @@
         <a:srgbClr val="000000"/>
       </a:buClr>
       <a:buFont typeface="Arial"/>
-      <a:defRPr b="0" i="0" sz="1400" u="none" cap="none" strike="noStrike">
+      <a:defRPr sz="1400" b="0" i="0" u="none" strike="noStrike" cap="none">
         <a:solidFill>
           <a:srgbClr val="000000"/>
         </a:solidFill>
@@ -195,7 +195,7 @@
         <a:sym typeface="Arial"/>
       </a:defRPr>
     </a:lvl6pPr>
-    <a:lvl7pPr lvl="6" marR="0" rtl="0" algn="l">
+    <a:lvl7pPr marR="0" lvl="6" algn="l" rtl="0">
       <a:lnSpc>
         <a:spcPct val="100000"/>
       </a:lnSpc>
@@ -209,7 +209,7 @@
         <a:srgbClr val="000000"/>
       </a:buClr>
       <a:buFont typeface="Arial"/>
-      <a:defRPr b="0" i="0" sz="1400" u="none" cap="none" strike="noStrike">
+      <a:defRPr sz="1400" b="0" i="0" u="none" strike="noStrike" cap="none">
         <a:solidFill>
           <a:srgbClr val="000000"/>
         </a:solidFill>
@@ -219,7 +219,7 @@
         <a:sym typeface="Arial"/>
       </a:defRPr>
     </a:lvl7pPr>
-    <a:lvl8pPr lvl="7" marR="0" rtl="0" algn="l">
+    <a:lvl8pPr marR="0" lvl="7" algn="l" rtl="0">
       <a:lnSpc>
         <a:spcPct val="100000"/>
       </a:lnSpc>
@@ -233,7 +233,7 @@
         <a:srgbClr val="000000"/>
       </a:buClr>
       <a:buFont typeface="Arial"/>
-      <a:defRPr b="0" i="0" sz="1400" u="none" cap="none" strike="noStrike">
+      <a:defRPr sz="1400" b="0" i="0" u="none" strike="noStrike" cap="none">
         <a:solidFill>
           <a:srgbClr val="000000"/>
         </a:solidFill>
@@ -243,7 +243,7 @@
         <a:sym typeface="Arial"/>
       </a:defRPr>
     </a:lvl8pPr>
-    <a:lvl9pPr lvl="8" marR="0" rtl="0" algn="l">
+    <a:lvl9pPr marR="0" lvl="8" algn="l" rtl="0">
       <a:lnSpc>
         <a:spcPct val="100000"/>
       </a:lnSpc>
@@ -257,7 +257,7 @@
         <a:srgbClr val="000000"/>
       </a:buClr>
       <a:buFont typeface="Arial"/>
-      <a:defRPr b="0" i="0" sz="1400" u="none" cap="none" strike="noStrike">
+      <a:defRPr sz="1400" b="0" i="0" u="none" strike="noStrike" cap="none">
         <a:solidFill>
           <a:srgbClr val="000000"/>
         </a:solidFill>
@@ -270,7 +270,7 @@
   </p:defaultTextStyle>
   <p:extLst>
     <p:ext uri="{EFAFB233-063F-42B5-8137-9DF3F51BA10A}">
-      <p15:sldGuideLst>
+      <p15:sldGuideLst xmlns:ahyp="http://schemas.microsoft.com/office/drawing/2018/hyperlinkcolor" xmlns:p15="http://schemas.microsoft.com/office/powerpoint/2012/main" xmlns:p14="http://schemas.microsoft.com/office/powerpoint/2010/main" xmlns:com="http://schemas.openxmlformats.org/drawingml/2006/compatibility" xmlns:pvml="urn:schemas-microsoft-com:office:powerpoint" xmlns:v="urn:schemas-microsoft-com:vml" xmlns:o="urn:schemas-microsoft-com:office:office" xmlns:dgm="http://schemas.openxmlformats.org/drawingml/2006/diagram" xmlns:c="http://schemas.openxmlformats.org/drawingml/2006/chart" xmlns:mv="urn:schemas-microsoft-com:mac:vml" xmlns:mc="http://schemas.openxmlformats.org/markup-compatibility/2006" xmlns="">
         <p15:guide id="1" orient="horz" pos="1620">
           <p15:clr>
             <a:srgbClr val="747775"/>
@@ -288,11 +288,16 @@
 </file>
 
 <file path=ppt/notesMasters/notesMaster1.xml><?xml version="1.0" encoding="utf-8"?>
-<p:notesMaster xmlns:a="http://schemas.openxmlformats.org/drawingml/2006/main" xmlns:r="http://schemas.openxmlformats.org/officeDocument/2006/relationships" xmlns:mc="http://schemas.openxmlformats.org/markup-compatibility/2006" xmlns:mv="urn:schemas-microsoft-com:mac:vml" xmlns:p="http://schemas.openxmlformats.org/presentationml/2006/main" xmlns:c="http://schemas.openxmlformats.org/drawingml/2006/chart" xmlns:dgm="http://schemas.openxmlformats.org/drawingml/2006/diagram" xmlns:o="urn:schemas-microsoft-com:office:office" xmlns:v="urn:schemas-microsoft-com:vml" xmlns:pvml="urn:schemas-microsoft-com:office:powerpoint" xmlns:com="http://schemas.openxmlformats.org/drawingml/2006/compatibility" xmlns:p14="http://schemas.microsoft.com/office/powerpoint/2010/main" xmlns:p15="http://schemas.microsoft.com/office/powerpoint/2012/main" xmlns:ahyp="http://schemas.microsoft.com/office/drawing/2018/hyperlinkcolor">
+<p:notesMaster xmlns:a="http://schemas.openxmlformats.org/drawingml/2006/main" xmlns:r="http://schemas.openxmlformats.org/officeDocument/2006/relationships" xmlns:p="http://schemas.openxmlformats.org/presentationml/2006/main">
   <p:cSld>
+    <p:bg>
+      <p:bgRef idx="1001">
+        <a:schemeClr val="bg1"/>
+      </p:bgRef>
+    </p:bg>
     <p:spTree>
       <p:nvGrpSpPr>
-        <p:cNvPr id="2" name="Shape 2"/>
+        <p:cNvPr id="1" name="Shape 2"/>
         <p:cNvGrpSpPr/>
         <p:nvPr/>
       </p:nvGrpSpPr>
@@ -307,9 +312,11 @@
       <p:sp>
         <p:nvSpPr>
           <p:cNvPr id="3" name="Google Shape;3;n"/>
-          <p:cNvSpPr/>
+          <p:cNvSpPr>
+            <a:spLocks noGrp="1" noRot="1" noChangeAspect="1"/>
+          </p:cNvSpPr>
           <p:nvPr>
-            <p:ph idx="2" type="sldImg"/>
+            <p:ph type="sldImg" idx="2"/>
           </p:nvPr>
         </p:nvSpPr>
         <p:spPr>
@@ -318,9 +325,13 @@
             <a:ext cx="6096075" cy="3429000"/>
           </a:xfrm>
           <a:custGeom>
-            <a:rect b="b" l="l" r="r" t="t"/>
+            <a:avLst/>
+            <a:gdLst/>
+            <a:ahLst/>
+            <a:cxnLst/>
+            <a:rect l="l" t="t" r="r" b="b"/>
             <a:pathLst>
-              <a:path extrusionOk="0" h="120000" w="120000">
+              <a:path w="120000" h="120000" extrusionOk="0">
                 <a:moveTo>
                   <a:pt x="0" y="0"/>
                 </a:moveTo>
@@ -338,23 +349,25 @@
             </a:pathLst>
           </a:custGeom>
           <a:noFill/>
-          <a:ln cap="flat" cmpd="sng" w="9525">
+          <a:ln w="9525" cap="flat" cmpd="sng">
             <a:solidFill>
               <a:srgbClr val="000000"/>
             </a:solidFill>
             <a:prstDash val="solid"/>
             <a:round/>
-            <a:headEnd len="sm" w="sm" type="none"/>
-            <a:tailEnd len="sm" w="sm" type="none"/>
+            <a:headEnd type="none" w="sm" len="sm"/>
+            <a:tailEnd type="none" w="sm" len="sm"/>
           </a:ln>
         </p:spPr>
       </p:sp>
       <p:sp>
         <p:nvSpPr>
           <p:cNvPr id="4" name="Google Shape;4;n"/>
-          <p:cNvSpPr txBox="1"/>
+          <p:cNvSpPr txBox="1">
+            <a:spLocks noGrp="1"/>
+          </p:cNvSpPr>
           <p:nvPr>
-            <p:ph idx="1" type="body"/>
+            <p:ph type="body" idx="1"/>
           </p:nvPr>
         </p:nvSpPr>
         <p:spPr>
@@ -371,11 +384,11 @@
           </a:ln>
         </p:spPr>
         <p:txBody>
-          <a:bodyPr anchorCtr="0" anchor="t" bIns="91425" lIns="91425" spcFirstLastPara="1" rIns="91425" wrap="square" tIns="91425">
+          <a:bodyPr spcFirstLastPara="1" wrap="square" lIns="91425" tIns="91425" rIns="91425" bIns="91425" anchor="t" anchorCtr="0">
             <a:noAutofit/>
           </a:bodyPr>
           <a:lstStyle>
-            <a:lvl1pPr indent="-298450" lvl="0" marL="457200">
+            <a:lvl1pPr marL="457200" lvl="0" indent="-298450">
               <a:spcBef>
                 <a:spcPts val="0"/>
               </a:spcBef>
@@ -386,7 +399,7 @@
               <a:buChar char="●"/>
               <a:defRPr sz="1100"/>
             </a:lvl1pPr>
-            <a:lvl2pPr indent="-298450" lvl="1" marL="914400">
+            <a:lvl2pPr marL="914400" lvl="1" indent="-298450">
               <a:spcBef>
                 <a:spcPts val="0"/>
               </a:spcBef>
@@ -397,7 +410,7 @@
               <a:buChar char="○"/>
               <a:defRPr sz="1100"/>
             </a:lvl2pPr>
-            <a:lvl3pPr indent="-298450" lvl="2" marL="1371600">
+            <a:lvl3pPr marL="1371600" lvl="2" indent="-298450">
               <a:spcBef>
                 <a:spcPts val="0"/>
               </a:spcBef>
@@ -408,7 +421,7 @@
               <a:buChar char="■"/>
               <a:defRPr sz="1100"/>
             </a:lvl3pPr>
-            <a:lvl4pPr indent="-298450" lvl="3" marL="1828800">
+            <a:lvl4pPr marL="1828800" lvl="3" indent="-298450">
               <a:spcBef>
                 <a:spcPts val="0"/>
               </a:spcBef>
@@ -419,7 +432,7 @@
               <a:buChar char="●"/>
               <a:defRPr sz="1100"/>
             </a:lvl4pPr>
-            <a:lvl5pPr indent="-298450" lvl="4" marL="2286000">
+            <a:lvl5pPr marL="2286000" lvl="4" indent="-298450">
               <a:spcBef>
                 <a:spcPts val="0"/>
               </a:spcBef>
@@ -430,7 +443,7 @@
               <a:buChar char="○"/>
               <a:defRPr sz="1100"/>
             </a:lvl5pPr>
-            <a:lvl6pPr indent="-298450" lvl="5" marL="2743200">
+            <a:lvl6pPr marL="2743200" lvl="5" indent="-298450">
               <a:spcBef>
                 <a:spcPts val="0"/>
               </a:spcBef>
@@ -441,7 +454,7 @@
               <a:buChar char="■"/>
               <a:defRPr sz="1100"/>
             </a:lvl6pPr>
-            <a:lvl7pPr indent="-298450" lvl="6" marL="3200400">
+            <a:lvl7pPr marL="3200400" lvl="6" indent="-298450">
               <a:spcBef>
                 <a:spcPts val="0"/>
               </a:spcBef>
@@ -452,7 +465,7 @@
               <a:buChar char="●"/>
               <a:defRPr sz="1100"/>
             </a:lvl7pPr>
-            <a:lvl8pPr indent="-298450" lvl="7" marL="3657600">
+            <a:lvl8pPr marL="3657600" lvl="7" indent="-298450">
               <a:spcBef>
                 <a:spcPts val="0"/>
               </a:spcBef>
@@ -463,7 +476,7 @@
               <a:buChar char="○"/>
               <a:defRPr sz="1100"/>
             </a:lvl8pPr>
-            <a:lvl9pPr indent="-298450" lvl="8" marL="4114800">
+            <a:lvl9pPr marL="4114800" lvl="8" indent="-298450">
               <a:spcBef>
                 <a:spcPts val="0"/>
               </a:spcBef>
@@ -475,14 +488,16 @@
               <a:defRPr sz="1100"/>
             </a:lvl9pPr>
           </a:lstStyle>
-          <a:p/>
+          <a:p>
+            <a:endParaRPr/>
+          </a:p>
         </p:txBody>
       </p:sp>
     </p:spTree>
   </p:cSld>
-  <p:clrMap accent1="accent1" accent2="accent2" accent3="accent3" accent4="accent4" accent5="accent5" accent6="accent6" bg1="lt1" bg2="dk2" tx1="dk1" tx2="lt2" folHlink="folHlink" hlink="hlink"/>
+  <p:clrMap bg1="lt1" tx1="dk1" bg2="dk2" tx2="lt2" accent1="accent1" accent2="accent2" accent3="accent3" accent4="accent4" accent5="accent5" accent6="accent6" hlink="hlink" folHlink="folHlink"/>
   <p:notesStyle>
-    <a:defPPr lvl="0" marR="0" rtl="0" algn="l">
+    <a:defPPr marR="0" lvl="0" algn="l" rtl="0">
       <a:lnSpc>
         <a:spcPct val="100000"/>
       </a:lnSpc>
@@ -493,7 +508,7 @@
         <a:spcPts val="0"/>
       </a:spcAft>
     </a:defPPr>
-    <a:lvl1pPr lvl="0" marR="0" rtl="0" algn="l">
+    <a:lvl1pPr marR="0" lvl="0" algn="l" rtl="0">
       <a:lnSpc>
         <a:spcPct val="100000"/>
       </a:lnSpc>
@@ -507,7 +522,7 @@
         <a:srgbClr val="000000"/>
       </a:buClr>
       <a:buFont typeface="Arial"/>
-      <a:defRPr b="0" i="0" sz="1400" u="none" cap="none" strike="noStrike">
+      <a:defRPr sz="1400" b="0" i="0" u="none" strike="noStrike" cap="none">
         <a:solidFill>
           <a:srgbClr val="000000"/>
         </a:solidFill>
@@ -517,7 +532,7 @@
         <a:sym typeface="Arial"/>
       </a:defRPr>
     </a:lvl1pPr>
-    <a:lvl2pPr lvl="1" marR="0" rtl="0" algn="l">
+    <a:lvl2pPr marR="0" lvl="1" algn="l" rtl="0">
       <a:lnSpc>
         <a:spcPct val="100000"/>
       </a:lnSpc>
@@ -531,7 +546,7 @@
         <a:srgbClr val="000000"/>
       </a:buClr>
       <a:buFont typeface="Arial"/>
-      <a:defRPr b="0" i="0" sz="1400" u="none" cap="none" strike="noStrike">
+      <a:defRPr sz="1400" b="0" i="0" u="none" strike="noStrike" cap="none">
         <a:solidFill>
           <a:srgbClr val="000000"/>
         </a:solidFill>
@@ -541,7 +556,7 @@
         <a:sym typeface="Arial"/>
       </a:defRPr>
     </a:lvl2pPr>
-    <a:lvl3pPr lvl="2" marR="0" rtl="0" algn="l">
+    <a:lvl3pPr marR="0" lvl="2" algn="l" rtl="0">
       <a:lnSpc>
         <a:spcPct val="100000"/>
       </a:lnSpc>
@@ -555,7 +570,7 @@
         <a:srgbClr val="000000"/>
       </a:buClr>
       <a:buFont typeface="Arial"/>
-      <a:defRPr b="0" i="0" sz="1400" u="none" cap="none" strike="noStrike">
+      <a:defRPr sz="1400" b="0" i="0" u="none" strike="noStrike" cap="none">
         <a:solidFill>
           <a:srgbClr val="000000"/>
         </a:solidFill>
@@ -565,7 +580,7 @@
         <a:sym typeface="Arial"/>
       </a:defRPr>
     </a:lvl3pPr>
-    <a:lvl4pPr lvl="3" marR="0" rtl="0" algn="l">
+    <a:lvl4pPr marR="0" lvl="3" algn="l" rtl="0">
       <a:lnSpc>
         <a:spcPct val="100000"/>
       </a:lnSpc>
@@ -579,7 +594,7 @@
         <a:srgbClr val="000000"/>
       </a:buClr>
       <a:buFont typeface="Arial"/>
-      <a:defRPr b="0" i="0" sz="1400" u="none" cap="none" strike="noStrike">
+      <a:defRPr sz="1400" b="0" i="0" u="none" strike="noStrike" cap="none">
         <a:solidFill>
           <a:srgbClr val="000000"/>
         </a:solidFill>
@@ -589,7 +604,7 @@
         <a:sym typeface="Arial"/>
       </a:defRPr>
     </a:lvl4pPr>
-    <a:lvl5pPr lvl="4" marR="0" rtl="0" algn="l">
+    <a:lvl5pPr marR="0" lvl="4" algn="l" rtl="0">
       <a:lnSpc>
         <a:spcPct val="100000"/>
       </a:lnSpc>
@@ -603,7 +618,7 @@
         <a:srgbClr val="000000"/>
       </a:buClr>
       <a:buFont typeface="Arial"/>
-      <a:defRPr b="0" i="0" sz="1400" u="none" cap="none" strike="noStrike">
+      <a:defRPr sz="1400" b="0" i="0" u="none" strike="noStrike" cap="none">
         <a:solidFill>
           <a:srgbClr val="000000"/>
         </a:solidFill>
@@ -613,7 +628,7 @@
         <a:sym typeface="Arial"/>
       </a:defRPr>
     </a:lvl5pPr>
-    <a:lvl6pPr lvl="5" marR="0" rtl="0" algn="l">
+    <a:lvl6pPr marR="0" lvl="5" algn="l" rtl="0">
       <a:lnSpc>
         <a:spcPct val="100000"/>
       </a:lnSpc>
@@ -627,7 +642,7 @@
         <a:srgbClr val="000000"/>
       </a:buClr>
       <a:buFont typeface="Arial"/>
-      <a:defRPr b="0" i="0" sz="1400" u="none" cap="none" strike="noStrike">
+      <a:defRPr sz="1400" b="0" i="0" u="none" strike="noStrike" cap="none">
         <a:solidFill>
           <a:srgbClr val="000000"/>
         </a:solidFill>
@@ -637,7 +652,7 @@
         <a:sym typeface="Arial"/>
       </a:defRPr>
     </a:lvl6pPr>
-    <a:lvl7pPr lvl="6" marR="0" rtl="0" algn="l">
+    <a:lvl7pPr marR="0" lvl="6" algn="l" rtl="0">
       <a:lnSpc>
         <a:spcPct val="100000"/>
       </a:lnSpc>
@@ -651,7 +666,7 @@
         <a:srgbClr val="000000"/>
       </a:buClr>
       <a:buFont typeface="Arial"/>
-      <a:defRPr b="0" i="0" sz="1400" u="none" cap="none" strike="noStrike">
+      <a:defRPr sz="1400" b="0" i="0" u="none" strike="noStrike" cap="none">
         <a:solidFill>
           <a:srgbClr val="000000"/>
         </a:solidFill>
@@ -661,7 +676,7 @@
         <a:sym typeface="Arial"/>
       </a:defRPr>
     </a:lvl7pPr>
-    <a:lvl8pPr lvl="7" marR="0" rtl="0" algn="l">
+    <a:lvl8pPr marR="0" lvl="7" algn="l" rtl="0">
       <a:lnSpc>
         <a:spcPct val="100000"/>
       </a:lnSpc>
@@ -675,7 +690,7 @@
         <a:srgbClr val="000000"/>
       </a:buClr>
       <a:buFont typeface="Arial"/>
-      <a:defRPr b="0" i="0" sz="1400" u="none" cap="none" strike="noStrike">
+      <a:defRPr sz="1400" b="0" i="0" u="none" strike="noStrike" cap="none">
         <a:solidFill>
           <a:srgbClr val="000000"/>
         </a:solidFill>
@@ -685,7 +700,7 @@
         <a:sym typeface="Arial"/>
       </a:defRPr>
     </a:lvl8pPr>
-    <a:lvl9pPr lvl="8" marR="0" rtl="0" algn="l">
+    <a:lvl9pPr marR="0" lvl="8" algn="l" rtl="0">
       <a:lnSpc>
         <a:spcPct val="100000"/>
       </a:lnSpc>
@@ -699,7 +714,7 @@
         <a:srgbClr val="000000"/>
       </a:buClr>
       <a:buFont typeface="Arial"/>
-      <a:defRPr b="0" i="0" sz="1400" u="none" cap="none" strike="noStrike">
+      <a:defRPr sz="1400" b="0" i="0" u="none" strike="noStrike" cap="none">
         <a:solidFill>
           <a:srgbClr val="000000"/>
         </a:solidFill>
@@ -714,11 +729,11 @@
 </file>
 
 <file path=ppt/notesSlides/notesSlide1.xml><?xml version="1.0" encoding="utf-8"?>
-<p:notes xmlns:a="http://schemas.openxmlformats.org/drawingml/2006/main" xmlns:r="http://schemas.openxmlformats.org/officeDocument/2006/relationships" xmlns:mc="http://schemas.openxmlformats.org/markup-compatibility/2006" xmlns:mv="urn:schemas-microsoft-com:mac:vml" xmlns:p="http://schemas.openxmlformats.org/presentationml/2006/main" xmlns:c="http://schemas.openxmlformats.org/drawingml/2006/chart" xmlns:dgm="http://schemas.openxmlformats.org/drawingml/2006/diagram" xmlns:o="urn:schemas-microsoft-com:office:office" xmlns:v="urn:schemas-microsoft-com:vml" xmlns:pvml="urn:schemas-microsoft-com:office:powerpoint" xmlns:com="http://schemas.openxmlformats.org/drawingml/2006/compatibility" xmlns:p14="http://schemas.microsoft.com/office/powerpoint/2010/main" xmlns:p15="http://schemas.microsoft.com/office/powerpoint/2012/main" xmlns:ahyp="http://schemas.microsoft.com/office/drawing/2018/hyperlinkcolor" showMasterPhAnim="0" showMasterSp="0">
+<p:notes xmlns:a="http://schemas.openxmlformats.org/drawingml/2006/main" xmlns:r="http://schemas.openxmlformats.org/officeDocument/2006/relationships" xmlns:p="http://schemas.openxmlformats.org/presentationml/2006/main" showMasterSp="0" showMasterPhAnim="0">
   <p:cSld>
     <p:spTree>
       <p:nvGrpSpPr>
-        <p:cNvPr id="63" name="Shape 63"/>
+        <p:cNvPr id="1" name="Shape 63"/>
         <p:cNvGrpSpPr/>
         <p:nvPr/>
       </p:nvGrpSpPr>
@@ -733,20 +748,26 @@
       <p:sp>
         <p:nvSpPr>
           <p:cNvPr id="64" name="Google Shape;64;p:notes"/>
-          <p:cNvSpPr/>
+          <p:cNvSpPr>
+            <a:spLocks noGrp="1" noRot="1" noChangeAspect="1"/>
+          </p:cNvSpPr>
           <p:nvPr>
-            <p:ph idx="2" type="sldImg"/>
+            <p:ph type="sldImg" idx="2"/>
           </p:nvPr>
         </p:nvSpPr>
         <p:spPr>
           <a:xfrm>
-            <a:off x="381300" y="685800"/>
-            <a:ext cx="6096075" cy="3429000"/>
+            <a:off x="381000" y="685800"/>
+            <a:ext cx="6096000" cy="3429000"/>
           </a:xfrm>
           <a:custGeom>
-            <a:rect b="b" l="l" r="r" t="t"/>
+            <a:avLst/>
+            <a:gdLst/>
+            <a:ahLst/>
+            <a:cxnLst/>
+            <a:rect l="l" t="t" r="r" b="b"/>
             <a:pathLst>
-              <a:path extrusionOk="0" h="120000" w="120000">
+              <a:path w="120000" h="120000" extrusionOk="0">
                 <a:moveTo>
                   <a:pt x="0" y="0"/>
                 </a:moveTo>
@@ -768,9 +789,11 @@
       <p:sp>
         <p:nvSpPr>
           <p:cNvPr id="65" name="Google Shape;65;p:notes"/>
-          <p:cNvSpPr txBox="1"/>
+          <p:cNvSpPr txBox="1">
+            <a:spLocks noGrp="1"/>
+          </p:cNvSpPr>
           <p:nvPr>
-            <p:ph idx="1" type="body"/>
+            <p:ph type="body" idx="1"/>
           </p:nvPr>
         </p:nvSpPr>
         <p:spPr>
@@ -783,12 +806,12 @@
           </a:prstGeom>
         </p:spPr>
         <p:txBody>
-          <a:bodyPr anchorCtr="0" anchor="t" bIns="91425" lIns="91425" spcFirstLastPara="1" rIns="91425" wrap="square" tIns="91425">
+          <a:bodyPr spcFirstLastPara="1" wrap="square" lIns="91425" tIns="91425" rIns="91425" bIns="91425" anchor="t" anchorCtr="0">
             <a:noAutofit/>
           </a:bodyPr>
           <a:lstStyle/>
           <a:p>
-            <a:pPr indent="0" lvl="0" marL="0" rtl="0" algn="l">
+            <a:pPr marL="0" lvl="0" indent="0" algn="l" rtl="0">
               <a:spcBef>
                 <a:spcPts val="0"/>
               </a:spcBef>
@@ -797,9 +820,6 @@
               </a:spcAft>
               <a:buNone/>
             </a:pPr>
-            <a:r>
-              <a:t/>
-            </a:r>
             <a:endParaRPr/>
           </a:p>
         </p:txBody>
@@ -813,11 +833,11 @@
 </file>
 
 <file path=ppt/notesSlides/notesSlide2.xml><?xml version="1.0" encoding="utf-8"?>
-<p:notes xmlns:a="http://schemas.openxmlformats.org/drawingml/2006/main" xmlns:r="http://schemas.openxmlformats.org/officeDocument/2006/relationships" xmlns:mc="http://schemas.openxmlformats.org/markup-compatibility/2006" xmlns:mv="urn:schemas-microsoft-com:mac:vml" xmlns:p="http://schemas.openxmlformats.org/presentationml/2006/main" xmlns:c="http://schemas.openxmlformats.org/drawingml/2006/chart" xmlns:dgm="http://schemas.openxmlformats.org/drawingml/2006/diagram" xmlns:o="urn:schemas-microsoft-com:office:office" xmlns:v="urn:schemas-microsoft-com:vml" xmlns:pvml="urn:schemas-microsoft-com:office:powerpoint" xmlns:com="http://schemas.openxmlformats.org/drawingml/2006/compatibility" xmlns:p14="http://schemas.microsoft.com/office/powerpoint/2010/main" xmlns:p15="http://schemas.microsoft.com/office/powerpoint/2012/main" xmlns:ahyp="http://schemas.microsoft.com/office/drawing/2018/hyperlinkcolor" showMasterPhAnim="0" showMasterSp="0">
+<p:notes xmlns:a="http://schemas.openxmlformats.org/drawingml/2006/main" xmlns:r="http://schemas.openxmlformats.org/officeDocument/2006/relationships" xmlns:p="http://schemas.openxmlformats.org/presentationml/2006/main" showMasterSp="0" showMasterPhAnim="0">
   <p:cSld>
     <p:spTree>
       <p:nvGrpSpPr>
-        <p:cNvPr id="70" name="Shape 70"/>
+        <p:cNvPr id="1" name="Shape 70"/>
         <p:cNvGrpSpPr/>
         <p:nvPr/>
       </p:nvGrpSpPr>
@@ -832,9 +852,11 @@
       <p:sp>
         <p:nvSpPr>
           <p:cNvPr id="71" name="Google Shape;71;g335e337cd88_0_58:notes"/>
-          <p:cNvSpPr/>
+          <p:cNvSpPr>
+            <a:spLocks noGrp="1" noRot="1" noChangeAspect="1"/>
+          </p:cNvSpPr>
           <p:nvPr>
-            <p:ph idx="2" type="sldImg"/>
+            <p:ph type="sldImg" idx="2"/>
           </p:nvPr>
         </p:nvSpPr>
         <p:spPr>
@@ -843,9 +865,13 @@
             <a:ext cx="6096000" cy="3429000"/>
           </a:xfrm>
           <a:custGeom>
-            <a:rect b="b" l="l" r="r" t="t"/>
+            <a:avLst/>
+            <a:gdLst/>
+            <a:ahLst/>
+            <a:cxnLst/>
+            <a:rect l="l" t="t" r="r" b="b"/>
             <a:pathLst>
-              <a:path extrusionOk="0" h="120000" w="120000">
+              <a:path w="120000" h="120000" extrusionOk="0">
                 <a:moveTo>
                   <a:pt x="0" y="0"/>
                 </a:moveTo>
@@ -867,9 +893,11 @@
       <p:sp>
         <p:nvSpPr>
           <p:cNvPr id="72" name="Google Shape;72;g335e337cd88_0_58:notes"/>
-          <p:cNvSpPr txBox="1"/>
+          <p:cNvSpPr txBox="1">
+            <a:spLocks noGrp="1"/>
+          </p:cNvSpPr>
           <p:nvPr>
-            <p:ph idx="1" type="body"/>
+            <p:ph type="body" idx="1"/>
           </p:nvPr>
         </p:nvSpPr>
         <p:spPr>
@@ -882,12 +910,12 @@
           </a:prstGeom>
         </p:spPr>
         <p:txBody>
-          <a:bodyPr anchorCtr="0" anchor="t" bIns="91425" lIns="91425" spcFirstLastPara="1" rIns="91425" wrap="square" tIns="91425">
+          <a:bodyPr spcFirstLastPara="1" wrap="square" lIns="91425" tIns="91425" rIns="91425" bIns="91425" anchor="t" anchorCtr="0">
             <a:noAutofit/>
           </a:bodyPr>
           <a:lstStyle/>
           <a:p>
-            <a:pPr indent="0" lvl="0" marL="0" rtl="0" algn="l">
+            <a:pPr marL="0" lvl="0" indent="0" algn="l" rtl="0">
               <a:spcBef>
                 <a:spcPts val="0"/>
               </a:spcBef>
@@ -896,9 +924,6 @@
               </a:spcAft>
               <a:buNone/>
             </a:pPr>
-            <a:r>
-              <a:t/>
-            </a:r>
             <a:endParaRPr/>
           </a:p>
         </p:txBody>
@@ -912,11 +937,11 @@
 </file>
 
 <file path=ppt/notesSlides/notesSlide3.xml><?xml version="1.0" encoding="utf-8"?>
-<p:notes xmlns:a="http://schemas.openxmlformats.org/drawingml/2006/main" xmlns:r="http://schemas.openxmlformats.org/officeDocument/2006/relationships" xmlns:mc="http://schemas.openxmlformats.org/markup-compatibility/2006" xmlns:mv="urn:schemas-microsoft-com:mac:vml" xmlns:p="http://schemas.openxmlformats.org/presentationml/2006/main" xmlns:c="http://schemas.openxmlformats.org/drawingml/2006/chart" xmlns:dgm="http://schemas.openxmlformats.org/drawingml/2006/diagram" xmlns:o="urn:schemas-microsoft-com:office:office" xmlns:v="urn:schemas-microsoft-com:vml" xmlns:pvml="urn:schemas-microsoft-com:office:powerpoint" xmlns:com="http://schemas.openxmlformats.org/drawingml/2006/compatibility" xmlns:p14="http://schemas.microsoft.com/office/powerpoint/2010/main" xmlns:p15="http://schemas.microsoft.com/office/powerpoint/2012/main" xmlns:ahyp="http://schemas.microsoft.com/office/drawing/2018/hyperlinkcolor" showMasterPhAnim="0" showMasterSp="0">
+<p:notes xmlns:a="http://schemas.openxmlformats.org/drawingml/2006/main" xmlns:r="http://schemas.openxmlformats.org/officeDocument/2006/relationships" xmlns:p="http://schemas.openxmlformats.org/presentationml/2006/main" showMasterSp="0" showMasterPhAnim="0">
   <p:cSld>
     <p:spTree>
       <p:nvGrpSpPr>
-        <p:cNvPr id="77" name="Shape 77"/>
+        <p:cNvPr id="1" name="Shape 77"/>
         <p:cNvGrpSpPr/>
         <p:nvPr/>
       </p:nvGrpSpPr>
@@ -931,9 +956,11 @@
       <p:sp>
         <p:nvSpPr>
           <p:cNvPr id="78" name="Google Shape;78;g335e337cd88_0_63:notes"/>
-          <p:cNvSpPr/>
+          <p:cNvSpPr>
+            <a:spLocks noGrp="1" noRot="1" noChangeAspect="1"/>
+          </p:cNvSpPr>
           <p:nvPr>
-            <p:ph idx="2" type="sldImg"/>
+            <p:ph type="sldImg" idx="2"/>
           </p:nvPr>
         </p:nvSpPr>
         <p:spPr>
@@ -942,9 +969,13 @@
             <a:ext cx="6096000" cy="3429000"/>
           </a:xfrm>
           <a:custGeom>
-            <a:rect b="b" l="l" r="r" t="t"/>
+            <a:avLst/>
+            <a:gdLst/>
+            <a:ahLst/>
+            <a:cxnLst/>
+            <a:rect l="l" t="t" r="r" b="b"/>
             <a:pathLst>
-              <a:path extrusionOk="0" h="120000" w="120000">
+              <a:path w="120000" h="120000" extrusionOk="0">
                 <a:moveTo>
                   <a:pt x="0" y="0"/>
                 </a:moveTo>
@@ -966,9 +997,11 @@
       <p:sp>
         <p:nvSpPr>
           <p:cNvPr id="79" name="Google Shape;79;g335e337cd88_0_63:notes"/>
-          <p:cNvSpPr txBox="1"/>
+          <p:cNvSpPr txBox="1">
+            <a:spLocks noGrp="1"/>
+          </p:cNvSpPr>
           <p:nvPr>
-            <p:ph idx="1" type="body"/>
+            <p:ph type="body" idx="1"/>
           </p:nvPr>
         </p:nvSpPr>
         <p:spPr>
@@ -981,12 +1014,12 @@
           </a:prstGeom>
         </p:spPr>
         <p:txBody>
-          <a:bodyPr anchorCtr="0" anchor="t" bIns="91425" lIns="91425" spcFirstLastPara="1" rIns="91425" wrap="square" tIns="91425">
+          <a:bodyPr spcFirstLastPara="1" wrap="square" lIns="91425" tIns="91425" rIns="91425" bIns="91425" anchor="t" anchorCtr="0">
             <a:noAutofit/>
           </a:bodyPr>
           <a:lstStyle/>
           <a:p>
-            <a:pPr indent="0" lvl="0" marL="0" rtl="0" algn="l">
+            <a:pPr marL="0" lvl="0" indent="0" algn="l" rtl="0">
               <a:spcBef>
                 <a:spcPts val="0"/>
               </a:spcBef>
@@ -995,9 +1028,6 @@
               </a:spcAft>
               <a:buNone/>
             </a:pPr>
-            <a:r>
-              <a:t/>
-            </a:r>
             <a:endParaRPr/>
           </a:p>
         </p:txBody>
@@ -1011,11 +1041,11 @@
 </file>
 
 <file path=ppt/notesSlides/notesSlide4.xml><?xml version="1.0" encoding="utf-8"?>
-<p:notes xmlns:a="http://schemas.openxmlformats.org/drawingml/2006/main" xmlns:r="http://schemas.openxmlformats.org/officeDocument/2006/relationships" xmlns:mc="http://schemas.openxmlformats.org/markup-compatibility/2006" xmlns:mv="urn:schemas-microsoft-com:mac:vml" xmlns:p="http://schemas.openxmlformats.org/presentationml/2006/main" xmlns:c="http://schemas.openxmlformats.org/drawingml/2006/chart" xmlns:dgm="http://schemas.openxmlformats.org/drawingml/2006/diagram" xmlns:o="urn:schemas-microsoft-com:office:office" xmlns:v="urn:schemas-microsoft-com:vml" xmlns:pvml="urn:schemas-microsoft-com:office:powerpoint" xmlns:com="http://schemas.openxmlformats.org/drawingml/2006/compatibility" xmlns:p14="http://schemas.microsoft.com/office/powerpoint/2010/main" xmlns:p15="http://schemas.microsoft.com/office/powerpoint/2012/main" xmlns:ahyp="http://schemas.microsoft.com/office/drawing/2018/hyperlinkcolor" showMasterPhAnim="0" showMasterSp="0">
+<p:notes xmlns:a="http://schemas.openxmlformats.org/drawingml/2006/main" xmlns:r="http://schemas.openxmlformats.org/officeDocument/2006/relationships" xmlns:p="http://schemas.openxmlformats.org/presentationml/2006/main" showMasterSp="0" showMasterPhAnim="0">
   <p:cSld>
     <p:spTree>
       <p:nvGrpSpPr>
-        <p:cNvPr id="84" name="Shape 84"/>
+        <p:cNvPr id="1" name="Shape 84"/>
         <p:cNvGrpSpPr/>
         <p:nvPr/>
       </p:nvGrpSpPr>
@@ -1030,9 +1060,11 @@
       <p:sp>
         <p:nvSpPr>
           <p:cNvPr id="85" name="Google Shape;85;g335e337cd88_0_68:notes"/>
-          <p:cNvSpPr/>
+          <p:cNvSpPr>
+            <a:spLocks noGrp="1" noRot="1" noChangeAspect="1"/>
+          </p:cNvSpPr>
           <p:nvPr>
-            <p:ph idx="2" type="sldImg"/>
+            <p:ph type="sldImg" idx="2"/>
           </p:nvPr>
         </p:nvSpPr>
         <p:spPr>
@@ -1041,9 +1073,13 @@
             <a:ext cx="6096000" cy="3429000"/>
           </a:xfrm>
           <a:custGeom>
-            <a:rect b="b" l="l" r="r" t="t"/>
+            <a:avLst/>
+            <a:gdLst/>
+            <a:ahLst/>
+            <a:cxnLst/>
+            <a:rect l="l" t="t" r="r" b="b"/>
             <a:pathLst>
-              <a:path extrusionOk="0" h="120000" w="120000">
+              <a:path w="120000" h="120000" extrusionOk="0">
                 <a:moveTo>
                   <a:pt x="0" y="0"/>
                 </a:moveTo>
@@ -1065,9 +1101,11 @@
       <p:sp>
         <p:nvSpPr>
           <p:cNvPr id="86" name="Google Shape;86;g335e337cd88_0_68:notes"/>
-          <p:cNvSpPr txBox="1"/>
+          <p:cNvSpPr txBox="1">
+            <a:spLocks noGrp="1"/>
+          </p:cNvSpPr>
           <p:nvPr>
-            <p:ph idx="1" type="body"/>
+            <p:ph type="body" idx="1"/>
           </p:nvPr>
         </p:nvSpPr>
         <p:spPr>
@@ -1080,12 +1118,12 @@
           </a:prstGeom>
         </p:spPr>
         <p:txBody>
-          <a:bodyPr anchorCtr="0" anchor="t" bIns="91425" lIns="91425" spcFirstLastPara="1" rIns="91425" wrap="square" tIns="91425">
+          <a:bodyPr spcFirstLastPara="1" wrap="square" lIns="91425" tIns="91425" rIns="91425" bIns="91425" anchor="t" anchorCtr="0">
             <a:noAutofit/>
           </a:bodyPr>
           <a:lstStyle/>
           <a:p>
-            <a:pPr indent="0" lvl="0" marL="0" rtl="0" algn="l">
+            <a:pPr marL="0" lvl="0" indent="0" algn="l" rtl="0">
               <a:spcBef>
                 <a:spcPts val="0"/>
               </a:spcBef>
@@ -1094,9 +1132,6 @@
               </a:spcAft>
               <a:buNone/>
             </a:pPr>
-            <a:r>
-              <a:t/>
-            </a:r>
             <a:endParaRPr/>
           </a:p>
         </p:txBody>
@@ -1110,11 +1145,11 @@
 </file>
 
 <file path=ppt/notesSlides/notesSlide5.xml><?xml version="1.0" encoding="utf-8"?>
-<p:notes xmlns:a="http://schemas.openxmlformats.org/drawingml/2006/main" xmlns:r="http://schemas.openxmlformats.org/officeDocument/2006/relationships" xmlns:mc="http://schemas.openxmlformats.org/markup-compatibility/2006" xmlns:mv="urn:schemas-microsoft-com:mac:vml" xmlns:p="http://schemas.openxmlformats.org/presentationml/2006/main" xmlns:c="http://schemas.openxmlformats.org/drawingml/2006/chart" xmlns:dgm="http://schemas.openxmlformats.org/drawingml/2006/diagram" xmlns:o="urn:schemas-microsoft-com:office:office" xmlns:v="urn:schemas-microsoft-com:vml" xmlns:pvml="urn:schemas-microsoft-com:office:powerpoint" xmlns:com="http://schemas.openxmlformats.org/drawingml/2006/compatibility" xmlns:p14="http://schemas.microsoft.com/office/powerpoint/2010/main" xmlns:p15="http://schemas.microsoft.com/office/powerpoint/2012/main" xmlns:ahyp="http://schemas.microsoft.com/office/drawing/2018/hyperlinkcolor" showMasterPhAnim="0" showMasterSp="0">
+<p:notes xmlns:a="http://schemas.openxmlformats.org/drawingml/2006/main" xmlns:r="http://schemas.openxmlformats.org/officeDocument/2006/relationships" xmlns:p="http://schemas.openxmlformats.org/presentationml/2006/main" showMasterSp="0" showMasterPhAnim="0">
   <p:cSld>
     <p:spTree>
       <p:nvGrpSpPr>
-        <p:cNvPr id="91" name="Shape 91"/>
+        <p:cNvPr id="1" name="Shape 91"/>
         <p:cNvGrpSpPr/>
         <p:nvPr/>
       </p:nvGrpSpPr>
@@ -1129,9 +1164,11 @@
       <p:sp>
         <p:nvSpPr>
           <p:cNvPr id="92" name="Google Shape;92;g335e337cd88_0_73:notes"/>
-          <p:cNvSpPr/>
+          <p:cNvSpPr>
+            <a:spLocks noGrp="1" noRot="1" noChangeAspect="1"/>
+          </p:cNvSpPr>
           <p:nvPr>
-            <p:ph idx="2" type="sldImg"/>
+            <p:ph type="sldImg" idx="2"/>
           </p:nvPr>
         </p:nvSpPr>
         <p:spPr>
@@ -1140,9 +1177,13 @@
             <a:ext cx="6096000" cy="3429000"/>
           </a:xfrm>
           <a:custGeom>
-            <a:rect b="b" l="l" r="r" t="t"/>
+            <a:avLst/>
+            <a:gdLst/>
+            <a:ahLst/>
+            <a:cxnLst/>
+            <a:rect l="l" t="t" r="r" b="b"/>
             <a:pathLst>
-              <a:path extrusionOk="0" h="120000" w="120000">
+              <a:path w="120000" h="120000" extrusionOk="0">
                 <a:moveTo>
                   <a:pt x="0" y="0"/>
                 </a:moveTo>
@@ -1164,9 +1205,11 @@
       <p:sp>
         <p:nvSpPr>
           <p:cNvPr id="93" name="Google Shape;93;g335e337cd88_0_73:notes"/>
-          <p:cNvSpPr txBox="1"/>
+          <p:cNvSpPr txBox="1">
+            <a:spLocks noGrp="1"/>
+          </p:cNvSpPr>
           <p:nvPr>
-            <p:ph idx="1" type="body"/>
+            <p:ph type="body" idx="1"/>
           </p:nvPr>
         </p:nvSpPr>
         <p:spPr>
@@ -1179,12 +1222,12 @@
           </a:prstGeom>
         </p:spPr>
         <p:txBody>
-          <a:bodyPr anchorCtr="0" anchor="t" bIns="91425" lIns="91425" spcFirstLastPara="1" rIns="91425" wrap="square" tIns="91425">
+          <a:bodyPr spcFirstLastPara="1" wrap="square" lIns="91425" tIns="91425" rIns="91425" bIns="91425" anchor="t" anchorCtr="0">
             <a:noAutofit/>
           </a:bodyPr>
           <a:lstStyle/>
           <a:p>
-            <a:pPr indent="0" lvl="0" marL="0" rtl="0" algn="l">
+            <a:pPr marL="0" lvl="0" indent="0" algn="l" rtl="0">
               <a:spcBef>
                 <a:spcPts val="0"/>
               </a:spcBef>
@@ -1193,9 +1236,6 @@
               </a:spcAft>
               <a:buNone/>
             </a:pPr>
-            <a:r>
-              <a:t/>
-            </a:r>
             <a:endParaRPr/>
           </a:p>
         </p:txBody>
@@ -1209,11 +1249,11 @@
 </file>
 
 <file path=ppt/notesSlides/notesSlide6.xml><?xml version="1.0" encoding="utf-8"?>
-<p:notes xmlns:a="http://schemas.openxmlformats.org/drawingml/2006/main" xmlns:r="http://schemas.openxmlformats.org/officeDocument/2006/relationships" xmlns:mc="http://schemas.openxmlformats.org/markup-compatibility/2006" xmlns:mv="urn:schemas-microsoft-com:mac:vml" xmlns:p="http://schemas.openxmlformats.org/presentationml/2006/main" xmlns:c="http://schemas.openxmlformats.org/drawingml/2006/chart" xmlns:dgm="http://schemas.openxmlformats.org/drawingml/2006/diagram" xmlns:o="urn:schemas-microsoft-com:office:office" xmlns:v="urn:schemas-microsoft-com:vml" xmlns:pvml="urn:schemas-microsoft-com:office:powerpoint" xmlns:com="http://schemas.openxmlformats.org/drawingml/2006/compatibility" xmlns:p14="http://schemas.microsoft.com/office/powerpoint/2010/main" xmlns:p15="http://schemas.microsoft.com/office/powerpoint/2012/main" xmlns:ahyp="http://schemas.microsoft.com/office/drawing/2018/hyperlinkcolor" showMasterPhAnim="0" showMasterSp="0">
+<p:notes xmlns:a="http://schemas.openxmlformats.org/drawingml/2006/main" xmlns:r="http://schemas.openxmlformats.org/officeDocument/2006/relationships" xmlns:p="http://schemas.openxmlformats.org/presentationml/2006/main" showMasterSp="0" showMasterPhAnim="0">
   <p:cSld>
     <p:spTree>
       <p:nvGrpSpPr>
-        <p:cNvPr id="97" name="Shape 97"/>
+        <p:cNvPr id="1" name="Shape 97"/>
         <p:cNvGrpSpPr/>
         <p:nvPr/>
       </p:nvGrpSpPr>
@@ -1228,9 +1268,11 @@
       <p:sp>
         <p:nvSpPr>
           <p:cNvPr id="98" name="Google Shape;98;g335e337cd88_0_139:notes"/>
-          <p:cNvSpPr/>
+          <p:cNvSpPr>
+            <a:spLocks noGrp="1" noRot="1" noChangeAspect="1"/>
+          </p:cNvSpPr>
           <p:nvPr>
-            <p:ph idx="2" type="sldImg"/>
+            <p:ph type="sldImg" idx="2"/>
           </p:nvPr>
         </p:nvSpPr>
         <p:spPr>
@@ -1239,9 +1281,13 @@
             <a:ext cx="6096000" cy="3429000"/>
           </a:xfrm>
           <a:custGeom>
-            <a:rect b="b" l="l" r="r" t="t"/>
+            <a:avLst/>
+            <a:gdLst/>
+            <a:ahLst/>
+            <a:cxnLst/>
+            <a:rect l="l" t="t" r="r" b="b"/>
             <a:pathLst>
-              <a:path extrusionOk="0" h="120000" w="120000">
+              <a:path w="120000" h="120000" extrusionOk="0">
                 <a:moveTo>
                   <a:pt x="0" y="0"/>
                 </a:moveTo>
@@ -1263,9 +1309,11 @@
       <p:sp>
         <p:nvSpPr>
           <p:cNvPr id="99" name="Google Shape;99;g335e337cd88_0_139:notes"/>
-          <p:cNvSpPr txBox="1"/>
+          <p:cNvSpPr txBox="1">
+            <a:spLocks noGrp="1"/>
+          </p:cNvSpPr>
           <p:nvPr>
-            <p:ph idx="1" type="body"/>
+            <p:ph type="body" idx="1"/>
           </p:nvPr>
         </p:nvSpPr>
         <p:spPr>
@@ -1278,12 +1326,12 @@
           </a:prstGeom>
         </p:spPr>
         <p:txBody>
-          <a:bodyPr anchorCtr="0" anchor="t" bIns="91425" lIns="91425" spcFirstLastPara="1" rIns="91425" wrap="square" tIns="91425">
+          <a:bodyPr spcFirstLastPara="1" wrap="square" lIns="91425" tIns="91425" rIns="91425" bIns="91425" anchor="t" anchorCtr="0">
             <a:noAutofit/>
           </a:bodyPr>
           <a:lstStyle/>
           <a:p>
-            <a:pPr indent="0" lvl="0" marL="0" rtl="0" algn="l">
+            <a:pPr marL="0" lvl="0" indent="0" algn="l" rtl="0">
               <a:spcBef>
                 <a:spcPts val="0"/>
               </a:spcBef>
@@ -1292,9 +1340,6 @@
               </a:spcAft>
               <a:buNone/>
             </a:pPr>
-            <a:r>
-              <a:t/>
-            </a:r>
             <a:endParaRPr/>
           </a:p>
         </p:txBody>
@@ -1308,11 +1353,11 @@
 </file>
 
 <file path=ppt/slideLayouts/slideLayout1.xml><?xml version="1.0" encoding="utf-8"?>
-<p:sldLayout xmlns:a="http://schemas.openxmlformats.org/drawingml/2006/main" xmlns:r="http://schemas.openxmlformats.org/officeDocument/2006/relationships" xmlns:mc="http://schemas.openxmlformats.org/markup-compatibility/2006" xmlns:mv="urn:schemas-microsoft-com:mac:vml" xmlns:p="http://schemas.openxmlformats.org/presentationml/2006/main" xmlns:c="http://schemas.openxmlformats.org/drawingml/2006/chart" xmlns:dgm="http://schemas.openxmlformats.org/drawingml/2006/diagram" xmlns:o="urn:schemas-microsoft-com:office:office" xmlns:v="urn:schemas-microsoft-com:vml" xmlns:pvml="urn:schemas-microsoft-com:office:powerpoint" xmlns:com="http://schemas.openxmlformats.org/drawingml/2006/compatibility" xmlns:p14="http://schemas.microsoft.com/office/powerpoint/2010/main" xmlns:p15="http://schemas.microsoft.com/office/powerpoint/2012/main" xmlns:ahyp="http://schemas.microsoft.com/office/drawing/2018/hyperlinkcolor" matchingName="Title slide" type="title">
+<p:sldLayout xmlns:a="http://schemas.openxmlformats.org/drawingml/2006/main" xmlns:r="http://schemas.openxmlformats.org/officeDocument/2006/relationships" xmlns:p="http://schemas.openxmlformats.org/presentationml/2006/main" matchingName="Title slide" type="title">
   <p:cSld name="TITLE">
     <p:spTree>
       <p:nvGrpSpPr>
-        <p:cNvPr id="9" name="Shape 9"/>
+        <p:cNvPr id="1" name="Shape 9"/>
         <p:cNvGrpSpPr/>
         <p:nvPr/>
       </p:nvGrpSpPr>
@@ -1346,12 +1391,12 @@
           </a:ln>
         </p:spPr>
         <p:txBody>
-          <a:bodyPr anchorCtr="0" anchor="ctr" bIns="91425" lIns="91425" spcFirstLastPara="1" rIns="91425" wrap="square" tIns="91425">
+          <a:bodyPr spcFirstLastPara="1" wrap="square" lIns="91425" tIns="91425" rIns="91425" bIns="91425" anchor="ctr" anchorCtr="0">
             <a:noAutofit/>
           </a:bodyPr>
           <a:lstStyle/>
           <a:p>
-            <a:pPr indent="0" lvl="0" marL="0" rtl="0" algn="l">
+            <a:pPr marL="0" lvl="0" indent="0" algn="l" rtl="0">
               <a:spcBef>
                 <a:spcPts val="0"/>
               </a:spcBef>
@@ -1360,9 +1405,6 @@
               </a:spcAft>
               <a:buNone/>
             </a:pPr>
-            <a:r>
-              <a:t/>
-            </a:r>
             <a:endParaRPr/>
           </a:p>
         </p:txBody>
@@ -1380,7 +1422,7 @@
           </a:xfrm>
           <a:prstGeom prst="round1Rect">
             <a:avLst>
-              <a:gd fmla="val 16667" name="adj"/>
+              <a:gd name="adj" fmla="val 16667"/>
             </a:avLst>
           </a:prstGeom>
           <a:solidFill>
@@ -1393,12 +1435,12 @@
           </a:ln>
         </p:spPr>
         <p:txBody>
-          <a:bodyPr anchorCtr="0" anchor="ctr" bIns="91425" lIns="91425" spcFirstLastPara="1" rIns="91425" wrap="square" tIns="91425">
+          <a:bodyPr spcFirstLastPara="1" wrap="square" lIns="91425" tIns="91425" rIns="91425" bIns="91425" anchor="ctr" anchorCtr="0">
             <a:noAutofit/>
           </a:bodyPr>
           <a:lstStyle/>
           <a:p>
-            <a:pPr indent="0" lvl="0" marL="0" rtl="0" algn="l">
+            <a:pPr marL="0" lvl="0" indent="0" algn="l" rtl="0">
               <a:spcBef>
                 <a:spcPts val="0"/>
               </a:spcBef>
@@ -1407,9 +1449,6 @@
               </a:spcAft>
               <a:buNone/>
             </a:pPr>
-            <a:r>
-              <a:t/>
-            </a:r>
             <a:endParaRPr/>
           </a:p>
         </p:txBody>
@@ -1417,7 +1456,9 @@
       <p:sp>
         <p:nvSpPr>
           <p:cNvPr id="12" name="Google Shape;12;p2"/>
-          <p:cNvSpPr txBox="1"/>
+          <p:cNvSpPr txBox="1">
+            <a:spLocks noGrp="1"/>
+          </p:cNvSpPr>
           <p:nvPr>
             <p:ph type="ctrTitle"/>
           </p:nvPr>
@@ -1432,7 +1473,7 @@
           </a:prstGeom>
         </p:spPr>
         <p:txBody>
-          <a:bodyPr anchorCtr="0" anchor="b" bIns="91425" lIns="91425" spcFirstLastPara="1" rIns="91425" wrap="square" tIns="91425">
+          <a:bodyPr spcFirstLastPara="1" wrap="square" lIns="91425" tIns="91425" rIns="91425" bIns="91425" anchor="b" anchorCtr="0">
             <a:normAutofit/>
           </a:bodyPr>
           <a:lstStyle>
@@ -1536,15 +1577,19 @@
               <a:defRPr sz="4800"/>
             </a:lvl9pPr>
           </a:lstStyle>
-          <a:p/>
+          <a:p>
+            <a:endParaRPr/>
+          </a:p>
         </p:txBody>
       </p:sp>
       <p:sp>
         <p:nvSpPr>
           <p:cNvPr id="13" name="Google Shape;13;p2"/>
-          <p:cNvSpPr txBox="1"/>
+          <p:cNvSpPr txBox="1">
+            <a:spLocks noGrp="1"/>
+          </p:cNvSpPr>
           <p:nvPr>
-            <p:ph idx="1" type="subTitle"/>
+            <p:ph type="subTitle" idx="1"/>
           </p:nvPr>
         </p:nvSpPr>
         <p:spPr>
@@ -1557,7 +1602,7 @@
           </a:prstGeom>
         </p:spPr>
         <p:txBody>
-          <a:bodyPr anchorCtr="0" anchor="t" bIns="91425" lIns="91425" spcFirstLastPara="1" rIns="91425" wrap="square" tIns="91425">
+          <a:bodyPr spcFirstLastPara="1" wrap="square" lIns="91425" tIns="91425" rIns="91425" bIns="91425" anchor="t" anchorCtr="0">
             <a:normAutofit/>
           </a:bodyPr>
           <a:lstStyle>
@@ -1751,15 +1796,19 @@
               </a:defRPr>
             </a:lvl9pPr>
           </a:lstStyle>
-          <a:p/>
+          <a:p>
+            <a:endParaRPr/>
+          </a:p>
         </p:txBody>
       </p:sp>
       <p:sp>
         <p:nvSpPr>
           <p:cNvPr id="14" name="Google Shape;14;p2"/>
-          <p:cNvSpPr txBox="1"/>
+          <p:cNvSpPr txBox="1">
+            <a:spLocks noGrp="1"/>
+          </p:cNvSpPr>
           <p:nvPr>
-            <p:ph idx="12" type="sldNum"/>
+            <p:ph type="sldNum" idx="12"/>
           </p:nvPr>
         </p:nvSpPr>
         <p:spPr>
@@ -1772,7 +1821,7 @@
           </a:prstGeom>
         </p:spPr>
         <p:txBody>
-          <a:bodyPr anchorCtr="0" anchor="ctr" bIns="91425" lIns="91425" spcFirstLastPara="1" rIns="91425" wrap="square" tIns="91425">
+          <a:bodyPr spcFirstLastPara="1" wrap="square" lIns="91425" tIns="91425" rIns="91425" bIns="91425" anchor="ctr" anchorCtr="0">
             <a:normAutofit/>
           </a:bodyPr>
           <a:lstStyle>
@@ -1814,7 +1863,7 @@
             </a:lvl9pPr>
           </a:lstStyle>
           <a:p>
-            <a:pPr indent="0" lvl="0" marL="0" rtl="0" algn="r">
+            <a:pPr marL="0" lvl="0" indent="0" algn="r" rtl="0">
               <a:spcBef>
                 <a:spcPts val="0"/>
               </a:spcBef>
@@ -1825,6 +1874,15 @@
             </a:pPr>
             <a:fld id="{00000000-1234-1234-1234-123412341234}" type="slidenum">
               <a:rPr lang="ru"/>
+              <a:pPr marL="0" lvl="0" indent="0" algn="r" rtl="0">
+                <a:spcBef>
+                  <a:spcPts val="0"/>
+                </a:spcBef>
+                <a:spcAft>
+                  <a:spcPts val="0"/>
+                </a:spcAft>
+                <a:buNone/>
+              </a:pPr>
               <a:t>‹#›</a:t>
             </a:fld>
             <a:endParaRPr/>
@@ -1840,18 +1898,19 @@
 </file>
 
 <file path=ppt/slideLayouts/slideLayout10.xml><?xml version="1.0" encoding="utf-8"?>
-<p:sldLayout xmlns:a="http://schemas.openxmlformats.org/drawingml/2006/main" xmlns:r="http://schemas.openxmlformats.org/officeDocument/2006/relationships" xmlns:mc="http://schemas.openxmlformats.org/markup-compatibility/2006" xmlns:mv="urn:schemas-microsoft-com:mac:vml" xmlns:p="http://schemas.openxmlformats.org/presentationml/2006/main" xmlns:c="http://schemas.openxmlformats.org/drawingml/2006/chart" xmlns:dgm="http://schemas.openxmlformats.org/drawingml/2006/diagram" xmlns:o="urn:schemas-microsoft-com:office:office" xmlns:v="urn:schemas-microsoft-com:vml" xmlns:pvml="urn:schemas-microsoft-com:office:powerpoint" xmlns:com="http://schemas.openxmlformats.org/drawingml/2006/compatibility" xmlns:p14="http://schemas.microsoft.com/office/powerpoint/2010/main" xmlns:p15="http://schemas.microsoft.com/office/powerpoint/2012/main" xmlns:ahyp="http://schemas.microsoft.com/office/drawing/2018/hyperlinkcolor" matchingName="Big number">
+<p:sldLayout xmlns:a="http://schemas.openxmlformats.org/drawingml/2006/main" xmlns:r="http://schemas.openxmlformats.org/officeDocument/2006/relationships" xmlns:p="http://schemas.openxmlformats.org/presentationml/2006/main" matchingName="Big number">
   <p:cSld name="BIG_NUMBER">
     <p:bg>
       <p:bgPr>
         <a:solidFill>
           <a:schemeClr val="accent4"/>
         </a:solidFill>
+        <a:effectLst/>
       </p:bgPr>
     </p:bg>
     <p:spTree>
       <p:nvGrpSpPr>
-        <p:cNvPr id="57" name="Shape 57"/>
+        <p:cNvPr id="1" name="Shape 57"/>
         <p:cNvGrpSpPr/>
         <p:nvPr/>
       </p:nvGrpSpPr>
@@ -1866,9 +1925,11 @@
       <p:sp>
         <p:nvSpPr>
           <p:cNvPr id="58" name="Google Shape;58;p11"/>
-          <p:cNvSpPr txBox="1"/>
+          <p:cNvSpPr txBox="1">
+            <a:spLocks noGrp="1"/>
+          </p:cNvSpPr>
           <p:nvPr>
-            <p:ph hasCustomPrompt="1" type="title"/>
+            <p:ph type="title" hasCustomPrompt="1"/>
           </p:nvPr>
         </p:nvSpPr>
         <p:spPr>
@@ -1881,7 +1942,7 @@
           </a:prstGeom>
         </p:spPr>
         <p:txBody>
-          <a:bodyPr anchorCtr="0" anchor="b" bIns="91425" lIns="91425" spcFirstLastPara="1" rIns="91425" wrap="square" tIns="91425">
+          <a:bodyPr spcFirstLastPara="1" wrap="square" lIns="91425" tIns="91425" rIns="91425" bIns="91425" anchor="b" anchorCtr="0">
             <a:normAutofit/>
           </a:bodyPr>
           <a:lstStyle>
@@ -2058,9 +2119,11 @@
       <p:sp>
         <p:nvSpPr>
           <p:cNvPr id="59" name="Google Shape;59;p11"/>
-          <p:cNvSpPr txBox="1"/>
+          <p:cNvSpPr txBox="1">
+            <a:spLocks noGrp="1"/>
+          </p:cNvSpPr>
           <p:nvPr>
-            <p:ph idx="1" type="body"/>
+            <p:ph type="body" idx="1"/>
           </p:nvPr>
         </p:nvSpPr>
         <p:spPr>
@@ -2073,11 +2136,11 @@
           </a:prstGeom>
         </p:spPr>
         <p:txBody>
-          <a:bodyPr anchorCtr="0" anchor="t" bIns="91425" lIns="91425" spcFirstLastPara="1" rIns="91425" wrap="square" tIns="91425">
+          <a:bodyPr spcFirstLastPara="1" wrap="square" lIns="91425" tIns="91425" rIns="91425" bIns="91425" anchor="t" anchorCtr="0">
             <a:normAutofit/>
           </a:bodyPr>
           <a:lstStyle>
-            <a:lvl1pPr indent="-342900" lvl="0" marL="457200" algn="ctr">
+            <a:lvl1pPr marL="457200" lvl="0" indent="-342900" algn="ctr">
               <a:spcBef>
                 <a:spcPts val="0"/>
               </a:spcBef>
@@ -2088,7 +2151,7 @@
               <a:buChar char="●"/>
               <a:defRPr/>
             </a:lvl1pPr>
-            <a:lvl2pPr indent="-317500" lvl="1" marL="914400" algn="ctr">
+            <a:lvl2pPr marL="914400" lvl="1" indent="-317500" algn="ctr">
               <a:spcBef>
                 <a:spcPts val="0"/>
               </a:spcBef>
@@ -2099,7 +2162,7 @@
               <a:buChar char="○"/>
               <a:defRPr/>
             </a:lvl2pPr>
-            <a:lvl3pPr indent="-317500" lvl="2" marL="1371600" algn="ctr">
+            <a:lvl3pPr marL="1371600" lvl="2" indent="-317500" algn="ctr">
               <a:spcBef>
                 <a:spcPts val="0"/>
               </a:spcBef>
@@ -2110,7 +2173,7 @@
               <a:buChar char="■"/>
               <a:defRPr/>
             </a:lvl3pPr>
-            <a:lvl4pPr indent="-317500" lvl="3" marL="1828800" algn="ctr">
+            <a:lvl4pPr marL="1828800" lvl="3" indent="-317500" algn="ctr">
               <a:spcBef>
                 <a:spcPts val="0"/>
               </a:spcBef>
@@ -2121,7 +2184,7 @@
               <a:buChar char="●"/>
               <a:defRPr/>
             </a:lvl4pPr>
-            <a:lvl5pPr indent="-317500" lvl="4" marL="2286000" algn="ctr">
+            <a:lvl5pPr marL="2286000" lvl="4" indent="-317500" algn="ctr">
               <a:spcBef>
                 <a:spcPts val="0"/>
               </a:spcBef>
@@ -2132,7 +2195,7 @@
               <a:buChar char="○"/>
               <a:defRPr/>
             </a:lvl5pPr>
-            <a:lvl6pPr indent="-317500" lvl="5" marL="2743200" algn="ctr">
+            <a:lvl6pPr marL="2743200" lvl="5" indent="-317500" algn="ctr">
               <a:spcBef>
                 <a:spcPts val="0"/>
               </a:spcBef>
@@ -2143,7 +2206,7 @@
               <a:buChar char="■"/>
               <a:defRPr/>
             </a:lvl6pPr>
-            <a:lvl7pPr indent="-317500" lvl="6" marL="3200400" algn="ctr">
+            <a:lvl7pPr marL="3200400" lvl="6" indent="-317500" algn="ctr">
               <a:spcBef>
                 <a:spcPts val="0"/>
               </a:spcBef>
@@ -2154,7 +2217,7 @@
               <a:buChar char="●"/>
               <a:defRPr/>
             </a:lvl7pPr>
-            <a:lvl8pPr indent="-317500" lvl="7" marL="3657600" algn="ctr">
+            <a:lvl8pPr marL="3657600" lvl="7" indent="-317500" algn="ctr">
               <a:spcBef>
                 <a:spcPts val="0"/>
               </a:spcBef>
@@ -2165,7 +2228,7 @@
               <a:buChar char="○"/>
               <a:defRPr/>
             </a:lvl8pPr>
-            <a:lvl9pPr indent="-317500" lvl="8" marL="4114800" algn="ctr">
+            <a:lvl9pPr marL="4114800" lvl="8" indent="-317500" algn="ctr">
               <a:spcBef>
                 <a:spcPts val="0"/>
               </a:spcBef>
@@ -2177,15 +2240,19 @@
               <a:defRPr/>
             </a:lvl9pPr>
           </a:lstStyle>
-          <a:p/>
+          <a:p>
+            <a:endParaRPr/>
+          </a:p>
         </p:txBody>
       </p:sp>
       <p:sp>
         <p:nvSpPr>
           <p:cNvPr id="60" name="Google Shape;60;p11"/>
-          <p:cNvSpPr txBox="1"/>
+          <p:cNvSpPr txBox="1">
+            <a:spLocks noGrp="1"/>
+          </p:cNvSpPr>
           <p:nvPr>
-            <p:ph idx="12" type="sldNum"/>
+            <p:ph type="sldNum" idx="12"/>
           </p:nvPr>
         </p:nvSpPr>
         <p:spPr>
@@ -2198,7 +2265,7 @@
           </a:prstGeom>
         </p:spPr>
         <p:txBody>
-          <a:bodyPr anchorCtr="0" anchor="ctr" bIns="91425" lIns="91425" spcFirstLastPara="1" rIns="91425" wrap="square" tIns="91425">
+          <a:bodyPr spcFirstLastPara="1" wrap="square" lIns="91425" tIns="91425" rIns="91425" bIns="91425" anchor="ctr" anchorCtr="0">
             <a:normAutofit/>
           </a:bodyPr>
           <a:lstStyle>
@@ -2240,7 +2307,7 @@
             </a:lvl9pPr>
           </a:lstStyle>
           <a:p>
-            <a:pPr indent="0" lvl="0" marL="0" rtl="0" algn="r">
+            <a:pPr marL="0" lvl="0" indent="0" algn="r" rtl="0">
               <a:spcBef>
                 <a:spcPts val="0"/>
               </a:spcBef>
@@ -2251,6 +2318,15 @@
             </a:pPr>
             <a:fld id="{00000000-1234-1234-1234-123412341234}" type="slidenum">
               <a:rPr lang="ru"/>
+              <a:pPr marL="0" lvl="0" indent="0" algn="r" rtl="0">
+                <a:spcBef>
+                  <a:spcPts val="0"/>
+                </a:spcBef>
+                <a:spcAft>
+                  <a:spcPts val="0"/>
+                </a:spcAft>
+                <a:buNone/>
+              </a:pPr>
               <a:t>‹#›</a:t>
             </a:fld>
             <a:endParaRPr/>
@@ -2266,18 +2342,19 @@
 </file>
 
 <file path=ppt/slideLayouts/slideLayout11.xml><?xml version="1.0" encoding="utf-8"?>
-<p:sldLayout xmlns:a="http://schemas.openxmlformats.org/drawingml/2006/main" xmlns:r="http://schemas.openxmlformats.org/officeDocument/2006/relationships" xmlns:mc="http://schemas.openxmlformats.org/markup-compatibility/2006" xmlns:mv="urn:schemas-microsoft-com:mac:vml" xmlns:p="http://schemas.openxmlformats.org/presentationml/2006/main" xmlns:c="http://schemas.openxmlformats.org/drawingml/2006/chart" xmlns:dgm="http://schemas.openxmlformats.org/drawingml/2006/diagram" xmlns:o="urn:schemas-microsoft-com:office:office" xmlns:v="urn:schemas-microsoft-com:vml" xmlns:pvml="urn:schemas-microsoft-com:office:powerpoint" xmlns:com="http://schemas.openxmlformats.org/drawingml/2006/compatibility" xmlns:p14="http://schemas.microsoft.com/office/powerpoint/2010/main" xmlns:p15="http://schemas.microsoft.com/office/powerpoint/2012/main" xmlns:ahyp="http://schemas.microsoft.com/office/drawing/2018/hyperlinkcolor" matchingName="Blank" type="blank">
+<p:sldLayout xmlns:a="http://schemas.openxmlformats.org/drawingml/2006/main" xmlns:r="http://schemas.openxmlformats.org/officeDocument/2006/relationships" xmlns:p="http://schemas.openxmlformats.org/presentationml/2006/main" matchingName="Blank" type="blank">
   <p:cSld name="BLANK">
     <p:bg>
       <p:bgPr>
         <a:solidFill>
           <a:schemeClr val="accent4"/>
         </a:solidFill>
+        <a:effectLst/>
       </p:bgPr>
     </p:bg>
     <p:spTree>
       <p:nvGrpSpPr>
-        <p:cNvPr id="61" name="Shape 61"/>
+        <p:cNvPr id="1" name="Shape 61"/>
         <p:cNvGrpSpPr/>
         <p:nvPr/>
       </p:nvGrpSpPr>
@@ -2292,9 +2369,11 @@
       <p:sp>
         <p:nvSpPr>
           <p:cNvPr id="62" name="Google Shape;62;p12"/>
-          <p:cNvSpPr txBox="1"/>
+          <p:cNvSpPr txBox="1">
+            <a:spLocks noGrp="1"/>
+          </p:cNvSpPr>
           <p:nvPr>
-            <p:ph idx="12" type="sldNum"/>
+            <p:ph type="sldNum" idx="12"/>
           </p:nvPr>
         </p:nvSpPr>
         <p:spPr>
@@ -2307,7 +2386,7 @@
           </a:prstGeom>
         </p:spPr>
         <p:txBody>
-          <a:bodyPr anchorCtr="0" anchor="ctr" bIns="91425" lIns="91425" spcFirstLastPara="1" rIns="91425" wrap="square" tIns="91425">
+          <a:bodyPr spcFirstLastPara="1" wrap="square" lIns="91425" tIns="91425" rIns="91425" bIns="91425" anchor="ctr" anchorCtr="0">
             <a:normAutofit/>
           </a:bodyPr>
           <a:lstStyle>
@@ -2349,7 +2428,7 @@
             </a:lvl9pPr>
           </a:lstStyle>
           <a:p>
-            <a:pPr indent="0" lvl="0" marL="0" rtl="0" algn="r">
+            <a:pPr marL="0" lvl="0" indent="0" algn="r" rtl="0">
               <a:spcBef>
                 <a:spcPts val="0"/>
               </a:spcBef>
@@ -2360,6 +2439,15 @@
             </a:pPr>
             <a:fld id="{00000000-1234-1234-1234-123412341234}" type="slidenum">
               <a:rPr lang="ru"/>
+              <a:pPr marL="0" lvl="0" indent="0" algn="r" rtl="0">
+                <a:spcBef>
+                  <a:spcPts val="0"/>
+                </a:spcBef>
+                <a:spcAft>
+                  <a:spcPts val="0"/>
+                </a:spcAft>
+                <a:buNone/>
+              </a:pPr>
               <a:t>‹#›</a:t>
             </a:fld>
             <a:endParaRPr/>
@@ -2375,11 +2463,11 @@
 </file>
 
 <file path=ppt/slideLayouts/slideLayout2.xml><?xml version="1.0" encoding="utf-8"?>
-<p:sldLayout xmlns:a="http://schemas.openxmlformats.org/drawingml/2006/main" xmlns:r="http://schemas.openxmlformats.org/officeDocument/2006/relationships" xmlns:mc="http://schemas.openxmlformats.org/markup-compatibility/2006" xmlns:mv="urn:schemas-microsoft-com:mac:vml" xmlns:p="http://schemas.openxmlformats.org/presentationml/2006/main" xmlns:c="http://schemas.openxmlformats.org/drawingml/2006/chart" xmlns:dgm="http://schemas.openxmlformats.org/drawingml/2006/diagram" xmlns:o="urn:schemas-microsoft-com:office:office" xmlns:v="urn:schemas-microsoft-com:vml" xmlns:pvml="urn:schemas-microsoft-com:office:powerpoint" xmlns:com="http://schemas.openxmlformats.org/drawingml/2006/compatibility" xmlns:p14="http://schemas.microsoft.com/office/powerpoint/2010/main" xmlns:p15="http://schemas.microsoft.com/office/powerpoint/2012/main" xmlns:ahyp="http://schemas.microsoft.com/office/drawing/2018/hyperlinkcolor" matchingName="Section header" type="secHead">
+<p:sldLayout xmlns:a="http://schemas.openxmlformats.org/drawingml/2006/main" xmlns:r="http://schemas.openxmlformats.org/officeDocument/2006/relationships" xmlns:p="http://schemas.openxmlformats.org/presentationml/2006/main" matchingName="Section header" type="secHead">
   <p:cSld name="SECTION_HEADER">
     <p:spTree>
       <p:nvGrpSpPr>
-        <p:cNvPr id="15" name="Shape 15"/>
+        <p:cNvPr id="1" name="Shape 15"/>
         <p:cNvGrpSpPr/>
         <p:nvPr/>
       </p:nvGrpSpPr>
@@ -2394,7 +2482,9 @@
       <p:sp>
         <p:nvSpPr>
           <p:cNvPr id="16" name="Google Shape;16;p3"/>
-          <p:cNvSpPr txBox="1"/>
+          <p:cNvSpPr txBox="1">
+            <a:spLocks noGrp="1"/>
+          </p:cNvSpPr>
           <p:nvPr>
             <p:ph type="title"/>
           </p:nvPr>
@@ -2409,7 +2499,7 @@
           </a:prstGeom>
         </p:spPr>
         <p:txBody>
-          <a:bodyPr anchorCtr="0" anchor="ctr" bIns="91425" lIns="91425" spcFirstLastPara="1" rIns="91425" wrap="square" tIns="91425">
+          <a:bodyPr spcFirstLastPara="1" wrap="square" lIns="91425" tIns="91425" rIns="91425" bIns="91425" anchor="ctr" anchorCtr="0">
             <a:normAutofit/>
           </a:bodyPr>
           <a:lstStyle>
@@ -2513,15 +2603,19 @@
               <a:defRPr sz="4200"/>
             </a:lvl9pPr>
           </a:lstStyle>
-          <a:p/>
+          <a:p>
+            <a:endParaRPr/>
+          </a:p>
         </p:txBody>
       </p:sp>
       <p:sp>
         <p:nvSpPr>
           <p:cNvPr id="17" name="Google Shape;17;p3"/>
-          <p:cNvSpPr txBox="1"/>
+          <p:cNvSpPr txBox="1">
+            <a:spLocks noGrp="1"/>
+          </p:cNvSpPr>
           <p:nvPr>
-            <p:ph idx="12" type="sldNum"/>
+            <p:ph type="sldNum" idx="12"/>
           </p:nvPr>
         </p:nvSpPr>
         <p:spPr>
@@ -2534,7 +2628,7 @@
           </a:prstGeom>
         </p:spPr>
         <p:txBody>
-          <a:bodyPr anchorCtr="0" anchor="ctr" bIns="91425" lIns="91425" spcFirstLastPara="1" rIns="91425" wrap="square" tIns="91425">
+          <a:bodyPr spcFirstLastPara="1" wrap="square" lIns="91425" tIns="91425" rIns="91425" bIns="91425" anchor="ctr" anchorCtr="0">
             <a:normAutofit/>
           </a:bodyPr>
           <a:lstStyle>
@@ -2612,7 +2706,7 @@
             </a:lvl9pPr>
           </a:lstStyle>
           <a:p>
-            <a:pPr indent="0" lvl="0" marL="0" rtl="0" algn="r">
+            <a:pPr marL="0" lvl="0" indent="0" algn="r" rtl="0">
               <a:spcBef>
                 <a:spcPts val="0"/>
               </a:spcBef>
@@ -2623,6 +2717,15 @@
             </a:pPr>
             <a:fld id="{00000000-1234-1234-1234-123412341234}" type="slidenum">
               <a:rPr lang="ru"/>
+              <a:pPr marL="0" lvl="0" indent="0" algn="r" rtl="0">
+                <a:spcBef>
+                  <a:spcPts val="0"/>
+                </a:spcBef>
+                <a:spcAft>
+                  <a:spcPts val="0"/>
+                </a:spcAft>
+                <a:buNone/>
+              </a:pPr>
               <a:t>‹#›</a:t>
             </a:fld>
             <a:endParaRPr/>
@@ -2638,11 +2741,11 @@
 </file>
 
 <file path=ppt/slideLayouts/slideLayout3.xml><?xml version="1.0" encoding="utf-8"?>
-<p:sldLayout xmlns:a="http://schemas.openxmlformats.org/drawingml/2006/main" xmlns:r="http://schemas.openxmlformats.org/officeDocument/2006/relationships" xmlns:mc="http://schemas.openxmlformats.org/markup-compatibility/2006" xmlns:mv="urn:schemas-microsoft-com:mac:vml" xmlns:p="http://schemas.openxmlformats.org/presentationml/2006/main" xmlns:c="http://schemas.openxmlformats.org/drawingml/2006/chart" xmlns:dgm="http://schemas.openxmlformats.org/drawingml/2006/diagram" xmlns:o="urn:schemas-microsoft-com:office:office" xmlns:v="urn:schemas-microsoft-com:vml" xmlns:pvml="urn:schemas-microsoft-com:office:powerpoint" xmlns:com="http://schemas.openxmlformats.org/drawingml/2006/compatibility" xmlns:p14="http://schemas.microsoft.com/office/powerpoint/2010/main" xmlns:p15="http://schemas.microsoft.com/office/powerpoint/2012/main" xmlns:ahyp="http://schemas.microsoft.com/office/drawing/2018/hyperlinkcolor" matchingName="Title and body" type="tx">
+<p:sldLayout xmlns:a="http://schemas.openxmlformats.org/drawingml/2006/main" xmlns:r="http://schemas.openxmlformats.org/officeDocument/2006/relationships" xmlns:p="http://schemas.openxmlformats.org/presentationml/2006/main" matchingName="Title and body" type="tx">
   <p:cSld name="TITLE_AND_BODY">
     <p:spTree>
       <p:nvGrpSpPr>
-        <p:cNvPr id="18" name="Shape 18"/>
+        <p:cNvPr id="1" name="Shape 18"/>
         <p:cNvGrpSpPr/>
         <p:nvPr/>
       </p:nvGrpSpPr>
@@ -2661,7 +2764,7 @@
           <p:nvPr/>
         </p:nvSpPr>
         <p:spPr>
-          <a:xfrm flipH="1" rot="10800000">
+          <a:xfrm rot="10800000" flipH="1">
             <a:off x="0" y="1686000"/>
             <a:ext cx="9144000" cy="3457500"/>
           </a:xfrm>
@@ -2676,12 +2779,12 @@
           </a:ln>
         </p:spPr>
         <p:txBody>
-          <a:bodyPr anchorCtr="0" anchor="ctr" bIns="91425" lIns="91425" spcFirstLastPara="1" rIns="91425" wrap="square" tIns="91425">
+          <a:bodyPr spcFirstLastPara="1" wrap="square" lIns="91425" tIns="91425" rIns="91425" bIns="91425" anchor="ctr" anchorCtr="0">
             <a:noAutofit/>
           </a:bodyPr>
           <a:lstStyle/>
           <a:p>
-            <a:pPr indent="0" lvl="0" marL="0" rtl="0" algn="l">
+            <a:pPr marL="0" lvl="0" indent="0" algn="l" rtl="0">
               <a:spcBef>
                 <a:spcPts val="0"/>
               </a:spcBef>
@@ -2690,9 +2793,6 @@
               </a:spcAft>
               <a:buNone/>
             </a:pPr>
-            <a:r>
-              <a:t/>
-            </a:r>
             <a:endParaRPr/>
           </a:p>
         </p:txBody>
@@ -2733,12 +2833,12 @@
           </a:ln>
         </p:spPr>
         <p:txBody>
-          <a:bodyPr anchorCtr="0" anchor="ctr" bIns="91425" lIns="91425" spcFirstLastPara="1" rIns="91425" wrap="square" tIns="91425">
+          <a:bodyPr spcFirstLastPara="1" wrap="square" lIns="91425" tIns="91425" rIns="91425" bIns="91425" anchor="ctr" anchorCtr="0">
             <a:noAutofit/>
           </a:bodyPr>
           <a:lstStyle/>
           <a:p>
-            <a:pPr indent="0" lvl="0" marL="0" rtl="0" algn="l">
+            <a:pPr marL="0" lvl="0" indent="0" algn="l" rtl="0">
               <a:spcBef>
                 <a:spcPts val="0"/>
               </a:spcBef>
@@ -2747,9 +2847,6 @@
               </a:spcAft>
               <a:buNone/>
             </a:pPr>
-            <a:r>
-              <a:t/>
-            </a:r>
             <a:endParaRPr/>
           </a:p>
         </p:txBody>
@@ -2757,7 +2854,9 @@
       <p:sp>
         <p:nvSpPr>
           <p:cNvPr id="21" name="Google Shape;21;p4"/>
-          <p:cNvSpPr txBox="1"/>
+          <p:cNvSpPr txBox="1">
+            <a:spLocks noGrp="1"/>
+          </p:cNvSpPr>
           <p:nvPr>
             <p:ph type="title"/>
           </p:nvPr>
@@ -2772,7 +2871,7 @@
           </a:prstGeom>
         </p:spPr>
         <p:txBody>
-          <a:bodyPr anchorCtr="0" anchor="b" bIns="91425" lIns="91425" spcFirstLastPara="1" rIns="91425" wrap="square" tIns="91425">
+          <a:bodyPr spcFirstLastPara="1" wrap="square" lIns="91425" tIns="91425" rIns="91425" bIns="91425" anchor="b" anchorCtr="0">
             <a:normAutofit/>
           </a:bodyPr>
           <a:lstStyle>
@@ -2876,15 +2975,19 @@
               <a:defRPr/>
             </a:lvl9pPr>
           </a:lstStyle>
-          <a:p/>
+          <a:p>
+            <a:endParaRPr/>
+          </a:p>
         </p:txBody>
       </p:sp>
       <p:sp>
         <p:nvSpPr>
           <p:cNvPr id="22" name="Google Shape;22;p4"/>
-          <p:cNvSpPr txBox="1"/>
+          <p:cNvSpPr txBox="1">
+            <a:spLocks noGrp="1"/>
+          </p:cNvSpPr>
           <p:nvPr>
-            <p:ph idx="1" type="body"/>
+            <p:ph type="body" idx="1"/>
           </p:nvPr>
         </p:nvSpPr>
         <p:spPr>
@@ -2897,11 +3000,11 @@
           </a:prstGeom>
         </p:spPr>
         <p:txBody>
-          <a:bodyPr anchorCtr="0" anchor="t" bIns="91425" lIns="91425" spcFirstLastPara="1" rIns="91425" wrap="square" tIns="91425">
+          <a:bodyPr spcFirstLastPara="1" wrap="square" lIns="91425" tIns="91425" rIns="91425" bIns="91425" anchor="t" anchorCtr="0">
             <a:normAutofit/>
           </a:bodyPr>
           <a:lstStyle>
-            <a:lvl1pPr indent="-342900" lvl="0" marL="457200">
+            <a:lvl1pPr marL="457200" lvl="0" indent="-342900">
               <a:spcBef>
                 <a:spcPts val="0"/>
               </a:spcBef>
@@ -2912,7 +3015,7 @@
               <a:buChar char="●"/>
               <a:defRPr/>
             </a:lvl1pPr>
-            <a:lvl2pPr indent="-317500" lvl="1" marL="914400">
+            <a:lvl2pPr marL="914400" lvl="1" indent="-317500">
               <a:spcBef>
                 <a:spcPts val="0"/>
               </a:spcBef>
@@ -2923,7 +3026,7 @@
               <a:buChar char="○"/>
               <a:defRPr/>
             </a:lvl2pPr>
-            <a:lvl3pPr indent="-317500" lvl="2" marL="1371600">
+            <a:lvl3pPr marL="1371600" lvl="2" indent="-317500">
               <a:spcBef>
                 <a:spcPts val="0"/>
               </a:spcBef>
@@ -2934,7 +3037,7 @@
               <a:buChar char="■"/>
               <a:defRPr/>
             </a:lvl3pPr>
-            <a:lvl4pPr indent="-317500" lvl="3" marL="1828800">
+            <a:lvl4pPr marL="1828800" lvl="3" indent="-317500">
               <a:spcBef>
                 <a:spcPts val="0"/>
               </a:spcBef>
@@ -2945,7 +3048,7 @@
               <a:buChar char="●"/>
               <a:defRPr/>
             </a:lvl4pPr>
-            <a:lvl5pPr indent="-317500" lvl="4" marL="2286000">
+            <a:lvl5pPr marL="2286000" lvl="4" indent="-317500">
               <a:spcBef>
                 <a:spcPts val="0"/>
               </a:spcBef>
@@ -2956,7 +3059,7 @@
               <a:buChar char="○"/>
               <a:defRPr/>
             </a:lvl5pPr>
-            <a:lvl6pPr indent="-317500" lvl="5" marL="2743200">
+            <a:lvl6pPr marL="2743200" lvl="5" indent="-317500">
               <a:spcBef>
                 <a:spcPts val="0"/>
               </a:spcBef>
@@ -2967,7 +3070,7 @@
               <a:buChar char="■"/>
               <a:defRPr/>
             </a:lvl6pPr>
-            <a:lvl7pPr indent="-317500" lvl="6" marL="3200400">
+            <a:lvl7pPr marL="3200400" lvl="6" indent="-317500">
               <a:spcBef>
                 <a:spcPts val="0"/>
               </a:spcBef>
@@ -2978,7 +3081,7 @@
               <a:buChar char="●"/>
               <a:defRPr/>
             </a:lvl7pPr>
-            <a:lvl8pPr indent="-317500" lvl="7" marL="3657600">
+            <a:lvl8pPr marL="3657600" lvl="7" indent="-317500">
               <a:spcBef>
                 <a:spcPts val="0"/>
               </a:spcBef>
@@ -2989,7 +3092,7 @@
               <a:buChar char="○"/>
               <a:defRPr/>
             </a:lvl8pPr>
-            <a:lvl9pPr indent="-317500" lvl="8" marL="4114800">
+            <a:lvl9pPr marL="4114800" lvl="8" indent="-317500">
               <a:spcBef>
                 <a:spcPts val="0"/>
               </a:spcBef>
@@ -3001,15 +3104,19 @@
               <a:defRPr/>
             </a:lvl9pPr>
           </a:lstStyle>
-          <a:p/>
+          <a:p>
+            <a:endParaRPr/>
+          </a:p>
         </p:txBody>
       </p:sp>
       <p:sp>
         <p:nvSpPr>
           <p:cNvPr id="23" name="Google Shape;23;p4"/>
-          <p:cNvSpPr txBox="1"/>
+          <p:cNvSpPr txBox="1">
+            <a:spLocks noGrp="1"/>
+          </p:cNvSpPr>
           <p:nvPr>
-            <p:ph idx="12" type="sldNum"/>
+            <p:ph type="sldNum" idx="12"/>
           </p:nvPr>
         </p:nvSpPr>
         <p:spPr>
@@ -3022,7 +3129,7 @@
           </a:prstGeom>
         </p:spPr>
         <p:txBody>
-          <a:bodyPr anchorCtr="0" anchor="ctr" bIns="91425" lIns="91425" spcFirstLastPara="1" rIns="91425" wrap="square" tIns="91425">
+          <a:bodyPr spcFirstLastPara="1" wrap="square" lIns="91425" tIns="91425" rIns="91425" bIns="91425" anchor="ctr" anchorCtr="0">
             <a:normAutofit/>
           </a:bodyPr>
           <a:lstStyle>
@@ -3064,7 +3171,7 @@
             </a:lvl9pPr>
           </a:lstStyle>
           <a:p>
-            <a:pPr indent="0" lvl="0" marL="0" rtl="0" algn="r">
+            <a:pPr marL="0" lvl="0" indent="0" algn="r" rtl="0">
               <a:spcBef>
                 <a:spcPts val="0"/>
               </a:spcBef>
@@ -3075,6 +3182,15 @@
             </a:pPr>
             <a:fld id="{00000000-1234-1234-1234-123412341234}" type="slidenum">
               <a:rPr lang="ru"/>
+              <a:pPr marL="0" lvl="0" indent="0" algn="r" rtl="0">
+                <a:spcBef>
+                  <a:spcPts val="0"/>
+                </a:spcBef>
+                <a:spcAft>
+                  <a:spcPts val="0"/>
+                </a:spcAft>
+                <a:buNone/>
+              </a:pPr>
               <a:t>‹#›</a:t>
             </a:fld>
             <a:endParaRPr/>
@@ -3090,11 +3206,11 @@
 </file>
 
 <file path=ppt/slideLayouts/slideLayout4.xml><?xml version="1.0" encoding="utf-8"?>
-<p:sldLayout xmlns:a="http://schemas.openxmlformats.org/drawingml/2006/main" xmlns:r="http://schemas.openxmlformats.org/officeDocument/2006/relationships" xmlns:mc="http://schemas.openxmlformats.org/markup-compatibility/2006" xmlns:mv="urn:schemas-microsoft-com:mac:vml" xmlns:p="http://schemas.openxmlformats.org/presentationml/2006/main" xmlns:c="http://schemas.openxmlformats.org/drawingml/2006/chart" xmlns:dgm="http://schemas.openxmlformats.org/drawingml/2006/diagram" xmlns:o="urn:schemas-microsoft-com:office:office" xmlns:v="urn:schemas-microsoft-com:vml" xmlns:pvml="urn:schemas-microsoft-com:office:powerpoint" xmlns:com="http://schemas.openxmlformats.org/drawingml/2006/compatibility" xmlns:p14="http://schemas.microsoft.com/office/powerpoint/2010/main" xmlns:p15="http://schemas.microsoft.com/office/powerpoint/2012/main" xmlns:ahyp="http://schemas.microsoft.com/office/drawing/2018/hyperlinkcolor" matchingName="Title and two columns" type="twoColTx">
+<p:sldLayout xmlns:a="http://schemas.openxmlformats.org/drawingml/2006/main" xmlns:r="http://schemas.openxmlformats.org/officeDocument/2006/relationships" xmlns:p="http://schemas.openxmlformats.org/presentationml/2006/main" matchingName="Title and two columns" type="twoColTx">
   <p:cSld name="TITLE_AND_TWO_COLUMNS">
     <p:spTree>
       <p:nvGrpSpPr>
-        <p:cNvPr id="24" name="Shape 24"/>
+        <p:cNvPr id="1" name="Shape 24"/>
         <p:cNvGrpSpPr/>
         <p:nvPr/>
       </p:nvGrpSpPr>
@@ -3113,7 +3229,7 @@
           <p:nvPr/>
         </p:nvSpPr>
         <p:spPr>
-          <a:xfrm flipH="1" rot="10800000">
+          <a:xfrm rot="10800000" flipH="1">
             <a:off x="0" y="1686000"/>
             <a:ext cx="9144000" cy="3457500"/>
           </a:xfrm>
@@ -3128,12 +3244,12 @@
           </a:ln>
         </p:spPr>
         <p:txBody>
-          <a:bodyPr anchorCtr="0" anchor="ctr" bIns="91425" lIns="91425" spcFirstLastPara="1" rIns="91425" wrap="square" tIns="91425">
+          <a:bodyPr spcFirstLastPara="1" wrap="square" lIns="91425" tIns="91425" rIns="91425" bIns="91425" anchor="ctr" anchorCtr="0">
             <a:noAutofit/>
           </a:bodyPr>
           <a:lstStyle/>
           <a:p>
-            <a:pPr indent="0" lvl="0" marL="0" rtl="0" algn="l">
+            <a:pPr marL="0" lvl="0" indent="0" algn="l" rtl="0">
               <a:spcBef>
                 <a:spcPts val="0"/>
               </a:spcBef>
@@ -3142,9 +3258,6 @@
               </a:spcAft>
               <a:buNone/>
             </a:pPr>
-            <a:r>
-              <a:t/>
-            </a:r>
             <a:endParaRPr/>
           </a:p>
         </p:txBody>
@@ -3185,12 +3298,12 @@
           </a:ln>
         </p:spPr>
         <p:txBody>
-          <a:bodyPr anchorCtr="0" anchor="ctr" bIns="91425" lIns="91425" spcFirstLastPara="1" rIns="91425" wrap="square" tIns="91425">
+          <a:bodyPr spcFirstLastPara="1" wrap="square" lIns="91425" tIns="91425" rIns="91425" bIns="91425" anchor="ctr" anchorCtr="0">
             <a:noAutofit/>
           </a:bodyPr>
           <a:lstStyle/>
           <a:p>
-            <a:pPr indent="0" lvl="0" marL="0" rtl="0" algn="l">
+            <a:pPr marL="0" lvl="0" indent="0" algn="l" rtl="0">
               <a:spcBef>
                 <a:spcPts val="0"/>
               </a:spcBef>
@@ -3199,9 +3312,6 @@
               </a:spcAft>
               <a:buNone/>
             </a:pPr>
-            <a:r>
-              <a:t/>
-            </a:r>
             <a:endParaRPr/>
           </a:p>
         </p:txBody>
@@ -3209,7 +3319,9 @@
       <p:sp>
         <p:nvSpPr>
           <p:cNvPr id="27" name="Google Shape;27;p5"/>
-          <p:cNvSpPr txBox="1"/>
+          <p:cNvSpPr txBox="1">
+            <a:spLocks noGrp="1"/>
+          </p:cNvSpPr>
           <p:nvPr>
             <p:ph type="title"/>
           </p:nvPr>
@@ -3224,7 +3336,7 @@
           </a:prstGeom>
         </p:spPr>
         <p:txBody>
-          <a:bodyPr anchorCtr="0" anchor="b" bIns="91425" lIns="91425" spcFirstLastPara="1" rIns="91425" wrap="square" tIns="91425">
+          <a:bodyPr spcFirstLastPara="1" wrap="square" lIns="91425" tIns="91425" rIns="91425" bIns="91425" anchor="b" anchorCtr="0">
             <a:normAutofit/>
           </a:bodyPr>
           <a:lstStyle>
@@ -3328,15 +3440,19 @@
               <a:defRPr/>
             </a:lvl9pPr>
           </a:lstStyle>
-          <a:p/>
+          <a:p>
+            <a:endParaRPr/>
+          </a:p>
         </p:txBody>
       </p:sp>
       <p:sp>
         <p:nvSpPr>
           <p:cNvPr id="28" name="Google Shape;28;p5"/>
-          <p:cNvSpPr txBox="1"/>
+          <p:cNvSpPr txBox="1">
+            <a:spLocks noGrp="1"/>
+          </p:cNvSpPr>
           <p:nvPr>
-            <p:ph idx="1" type="body"/>
+            <p:ph type="body" idx="1"/>
           </p:nvPr>
         </p:nvSpPr>
         <p:spPr>
@@ -3349,11 +3465,11 @@
           </a:prstGeom>
         </p:spPr>
         <p:txBody>
-          <a:bodyPr anchorCtr="0" anchor="t" bIns="91425" lIns="91425" spcFirstLastPara="1" rIns="91425" wrap="square" tIns="91425">
+          <a:bodyPr spcFirstLastPara="1" wrap="square" lIns="91425" tIns="91425" rIns="91425" bIns="91425" anchor="t" anchorCtr="0">
             <a:normAutofit/>
           </a:bodyPr>
           <a:lstStyle>
-            <a:lvl1pPr indent="-317500" lvl="0" marL="457200">
+            <a:lvl1pPr marL="457200" lvl="0" indent="-317500">
               <a:spcBef>
                 <a:spcPts val="0"/>
               </a:spcBef>
@@ -3364,7 +3480,7 @@
               <a:buChar char="●"/>
               <a:defRPr sz="1400"/>
             </a:lvl1pPr>
-            <a:lvl2pPr indent="-304800" lvl="1" marL="914400">
+            <a:lvl2pPr marL="914400" lvl="1" indent="-304800">
               <a:spcBef>
                 <a:spcPts val="0"/>
               </a:spcBef>
@@ -3375,7 +3491,7 @@
               <a:buChar char="○"/>
               <a:defRPr sz="1200"/>
             </a:lvl2pPr>
-            <a:lvl3pPr indent="-304800" lvl="2" marL="1371600">
+            <a:lvl3pPr marL="1371600" lvl="2" indent="-304800">
               <a:spcBef>
                 <a:spcPts val="0"/>
               </a:spcBef>
@@ -3386,7 +3502,7 @@
               <a:buChar char="■"/>
               <a:defRPr sz="1200"/>
             </a:lvl3pPr>
-            <a:lvl4pPr indent="-304800" lvl="3" marL="1828800">
+            <a:lvl4pPr marL="1828800" lvl="3" indent="-304800">
               <a:spcBef>
                 <a:spcPts val="0"/>
               </a:spcBef>
@@ -3397,7 +3513,7 @@
               <a:buChar char="●"/>
               <a:defRPr sz="1200"/>
             </a:lvl4pPr>
-            <a:lvl5pPr indent="-304800" lvl="4" marL="2286000">
+            <a:lvl5pPr marL="2286000" lvl="4" indent="-304800">
               <a:spcBef>
                 <a:spcPts val="0"/>
               </a:spcBef>
@@ -3408,7 +3524,7 @@
               <a:buChar char="○"/>
               <a:defRPr sz="1200"/>
             </a:lvl5pPr>
-            <a:lvl6pPr indent="-304800" lvl="5" marL="2743200">
+            <a:lvl6pPr marL="2743200" lvl="5" indent="-304800">
               <a:spcBef>
                 <a:spcPts val="0"/>
               </a:spcBef>
@@ -3419,7 +3535,7 @@
               <a:buChar char="■"/>
               <a:defRPr sz="1200"/>
             </a:lvl6pPr>
-            <a:lvl7pPr indent="-304800" lvl="6" marL="3200400">
+            <a:lvl7pPr marL="3200400" lvl="6" indent="-304800">
               <a:spcBef>
                 <a:spcPts val="0"/>
               </a:spcBef>
@@ -3430,7 +3546,7 @@
               <a:buChar char="●"/>
               <a:defRPr sz="1200"/>
             </a:lvl7pPr>
-            <a:lvl8pPr indent="-304800" lvl="7" marL="3657600">
+            <a:lvl8pPr marL="3657600" lvl="7" indent="-304800">
               <a:spcBef>
                 <a:spcPts val="0"/>
               </a:spcBef>
@@ -3441,7 +3557,7 @@
               <a:buChar char="○"/>
               <a:defRPr sz="1200"/>
             </a:lvl8pPr>
-            <a:lvl9pPr indent="-304800" lvl="8" marL="4114800">
+            <a:lvl9pPr marL="4114800" lvl="8" indent="-304800">
               <a:spcBef>
                 <a:spcPts val="0"/>
               </a:spcBef>
@@ -3453,15 +3569,19 @@
               <a:defRPr sz="1200"/>
             </a:lvl9pPr>
           </a:lstStyle>
-          <a:p/>
+          <a:p>
+            <a:endParaRPr/>
+          </a:p>
         </p:txBody>
       </p:sp>
       <p:sp>
         <p:nvSpPr>
           <p:cNvPr id="29" name="Google Shape;29;p5"/>
-          <p:cNvSpPr txBox="1"/>
+          <p:cNvSpPr txBox="1">
+            <a:spLocks noGrp="1"/>
+          </p:cNvSpPr>
           <p:nvPr>
-            <p:ph idx="2" type="body"/>
+            <p:ph type="body" idx="2"/>
           </p:nvPr>
         </p:nvSpPr>
         <p:spPr>
@@ -3474,11 +3594,11 @@
           </a:prstGeom>
         </p:spPr>
         <p:txBody>
-          <a:bodyPr anchorCtr="0" anchor="t" bIns="91425" lIns="91425" spcFirstLastPara="1" rIns="91425" wrap="square" tIns="91425">
+          <a:bodyPr spcFirstLastPara="1" wrap="square" lIns="91425" tIns="91425" rIns="91425" bIns="91425" anchor="t" anchorCtr="0">
             <a:normAutofit/>
           </a:bodyPr>
           <a:lstStyle>
-            <a:lvl1pPr indent="-317500" lvl="0" marL="457200">
+            <a:lvl1pPr marL="457200" lvl="0" indent="-317500">
               <a:spcBef>
                 <a:spcPts val="0"/>
               </a:spcBef>
@@ -3489,7 +3609,7 @@
               <a:buChar char="●"/>
               <a:defRPr sz="1400"/>
             </a:lvl1pPr>
-            <a:lvl2pPr indent="-304800" lvl="1" marL="914400">
+            <a:lvl2pPr marL="914400" lvl="1" indent="-304800">
               <a:spcBef>
                 <a:spcPts val="0"/>
               </a:spcBef>
@@ -3500,7 +3620,7 @@
               <a:buChar char="○"/>
               <a:defRPr sz="1200"/>
             </a:lvl2pPr>
-            <a:lvl3pPr indent="-304800" lvl="2" marL="1371600">
+            <a:lvl3pPr marL="1371600" lvl="2" indent="-304800">
               <a:spcBef>
                 <a:spcPts val="0"/>
               </a:spcBef>
@@ -3511,7 +3631,7 @@
               <a:buChar char="■"/>
               <a:defRPr sz="1200"/>
             </a:lvl3pPr>
-            <a:lvl4pPr indent="-304800" lvl="3" marL="1828800">
+            <a:lvl4pPr marL="1828800" lvl="3" indent="-304800">
               <a:spcBef>
                 <a:spcPts val="0"/>
               </a:spcBef>
@@ -3522,7 +3642,7 @@
               <a:buChar char="●"/>
               <a:defRPr sz="1200"/>
             </a:lvl4pPr>
-            <a:lvl5pPr indent="-304800" lvl="4" marL="2286000">
+            <a:lvl5pPr marL="2286000" lvl="4" indent="-304800">
               <a:spcBef>
                 <a:spcPts val="0"/>
               </a:spcBef>
@@ -3533,7 +3653,7 @@
               <a:buChar char="○"/>
               <a:defRPr sz="1200"/>
             </a:lvl5pPr>
-            <a:lvl6pPr indent="-304800" lvl="5" marL="2743200">
+            <a:lvl6pPr marL="2743200" lvl="5" indent="-304800">
               <a:spcBef>
                 <a:spcPts val="0"/>
               </a:spcBef>
@@ -3544,7 +3664,7 @@
               <a:buChar char="■"/>
               <a:defRPr sz="1200"/>
             </a:lvl6pPr>
-            <a:lvl7pPr indent="-304800" lvl="6" marL="3200400">
+            <a:lvl7pPr marL="3200400" lvl="6" indent="-304800">
               <a:spcBef>
                 <a:spcPts val="0"/>
               </a:spcBef>
@@ -3555,7 +3675,7 @@
               <a:buChar char="●"/>
               <a:defRPr sz="1200"/>
             </a:lvl7pPr>
-            <a:lvl8pPr indent="-304800" lvl="7" marL="3657600">
+            <a:lvl8pPr marL="3657600" lvl="7" indent="-304800">
               <a:spcBef>
                 <a:spcPts val="0"/>
               </a:spcBef>
@@ -3566,7 +3686,7 @@
               <a:buChar char="○"/>
               <a:defRPr sz="1200"/>
             </a:lvl8pPr>
-            <a:lvl9pPr indent="-304800" lvl="8" marL="4114800">
+            <a:lvl9pPr marL="4114800" lvl="8" indent="-304800">
               <a:spcBef>
                 <a:spcPts val="0"/>
               </a:spcBef>
@@ -3578,15 +3698,19 @@
               <a:defRPr sz="1200"/>
             </a:lvl9pPr>
           </a:lstStyle>
-          <a:p/>
+          <a:p>
+            <a:endParaRPr/>
+          </a:p>
         </p:txBody>
       </p:sp>
       <p:sp>
         <p:nvSpPr>
           <p:cNvPr id="30" name="Google Shape;30;p5"/>
-          <p:cNvSpPr txBox="1"/>
+          <p:cNvSpPr txBox="1">
+            <a:spLocks noGrp="1"/>
+          </p:cNvSpPr>
           <p:nvPr>
-            <p:ph idx="12" type="sldNum"/>
+            <p:ph type="sldNum" idx="12"/>
           </p:nvPr>
         </p:nvSpPr>
         <p:spPr>
@@ -3599,7 +3723,7 @@
           </a:prstGeom>
         </p:spPr>
         <p:txBody>
-          <a:bodyPr anchorCtr="0" anchor="ctr" bIns="91425" lIns="91425" spcFirstLastPara="1" rIns="91425" wrap="square" tIns="91425">
+          <a:bodyPr spcFirstLastPara="1" wrap="square" lIns="91425" tIns="91425" rIns="91425" bIns="91425" anchor="ctr" anchorCtr="0">
             <a:normAutofit/>
           </a:bodyPr>
           <a:lstStyle>
@@ -3641,7 +3765,7 @@
             </a:lvl9pPr>
           </a:lstStyle>
           <a:p>
-            <a:pPr indent="0" lvl="0" marL="0" rtl="0" algn="r">
+            <a:pPr marL="0" lvl="0" indent="0" algn="r" rtl="0">
               <a:spcBef>
                 <a:spcPts val="0"/>
               </a:spcBef>
@@ -3652,6 +3776,15 @@
             </a:pPr>
             <a:fld id="{00000000-1234-1234-1234-123412341234}" type="slidenum">
               <a:rPr lang="ru"/>
+              <a:pPr marL="0" lvl="0" indent="0" algn="r" rtl="0">
+                <a:spcBef>
+                  <a:spcPts val="0"/>
+                </a:spcBef>
+                <a:spcAft>
+                  <a:spcPts val="0"/>
+                </a:spcAft>
+                <a:buNone/>
+              </a:pPr>
               <a:t>‹#›</a:t>
             </a:fld>
             <a:endParaRPr/>
@@ -3667,11 +3800,11 @@
 </file>
 
 <file path=ppt/slideLayouts/slideLayout5.xml><?xml version="1.0" encoding="utf-8"?>
-<p:sldLayout xmlns:a="http://schemas.openxmlformats.org/drawingml/2006/main" xmlns:r="http://schemas.openxmlformats.org/officeDocument/2006/relationships" xmlns:mc="http://schemas.openxmlformats.org/markup-compatibility/2006" xmlns:mv="urn:schemas-microsoft-com:mac:vml" xmlns:p="http://schemas.openxmlformats.org/presentationml/2006/main" xmlns:c="http://schemas.openxmlformats.org/drawingml/2006/chart" xmlns:dgm="http://schemas.openxmlformats.org/drawingml/2006/diagram" xmlns:o="urn:schemas-microsoft-com:office:office" xmlns:v="urn:schemas-microsoft-com:vml" xmlns:pvml="urn:schemas-microsoft-com:office:powerpoint" xmlns:com="http://schemas.openxmlformats.org/drawingml/2006/compatibility" xmlns:p14="http://schemas.microsoft.com/office/powerpoint/2010/main" xmlns:p15="http://schemas.microsoft.com/office/powerpoint/2012/main" xmlns:ahyp="http://schemas.microsoft.com/office/drawing/2018/hyperlinkcolor" matchingName="Title only" type="titleOnly">
+<p:sldLayout xmlns:a="http://schemas.openxmlformats.org/drawingml/2006/main" xmlns:r="http://schemas.openxmlformats.org/officeDocument/2006/relationships" xmlns:p="http://schemas.openxmlformats.org/presentationml/2006/main" matchingName="Title only" type="titleOnly">
   <p:cSld name="TITLE_ONLY">
     <p:spTree>
       <p:nvGrpSpPr>
-        <p:cNvPr id="31" name="Shape 31"/>
+        <p:cNvPr id="1" name="Shape 31"/>
         <p:cNvGrpSpPr/>
         <p:nvPr/>
       </p:nvGrpSpPr>
@@ -3690,7 +3823,7 @@
           <p:nvPr/>
         </p:nvSpPr>
         <p:spPr>
-          <a:xfrm flipH="1" rot="10800000">
+          <a:xfrm rot="10800000" flipH="1">
             <a:off x="0" y="656400"/>
             <a:ext cx="9144000" cy="4487100"/>
           </a:xfrm>
@@ -3705,12 +3838,12 @@
           </a:ln>
         </p:spPr>
         <p:txBody>
-          <a:bodyPr anchorCtr="0" anchor="ctr" bIns="91425" lIns="91425" spcFirstLastPara="1" rIns="91425" wrap="square" tIns="91425">
+          <a:bodyPr spcFirstLastPara="1" wrap="square" lIns="91425" tIns="91425" rIns="91425" bIns="91425" anchor="ctr" anchorCtr="0">
             <a:noAutofit/>
           </a:bodyPr>
           <a:lstStyle/>
           <a:p>
-            <a:pPr indent="0" lvl="0" marL="0" rtl="0" algn="l">
+            <a:pPr marL="0" lvl="0" indent="0" algn="l" rtl="0">
               <a:spcBef>
                 <a:spcPts val="0"/>
               </a:spcBef>
@@ -3719,9 +3852,6 @@
               </a:spcAft>
               <a:buNone/>
             </a:pPr>
-            <a:r>
-              <a:t/>
-            </a:r>
             <a:endParaRPr/>
           </a:p>
         </p:txBody>
@@ -3762,12 +3892,12 @@
           </a:ln>
         </p:spPr>
         <p:txBody>
-          <a:bodyPr anchorCtr="0" anchor="ctr" bIns="91425" lIns="91425" spcFirstLastPara="1" rIns="91425" wrap="square" tIns="91425">
+          <a:bodyPr spcFirstLastPara="1" wrap="square" lIns="91425" tIns="91425" rIns="91425" bIns="91425" anchor="ctr" anchorCtr="0">
             <a:noAutofit/>
           </a:bodyPr>
           <a:lstStyle/>
           <a:p>
-            <a:pPr indent="0" lvl="0" marL="0" rtl="0" algn="l">
+            <a:pPr marL="0" lvl="0" indent="0" algn="l" rtl="0">
               <a:spcBef>
                 <a:spcPts val="0"/>
               </a:spcBef>
@@ -3776,9 +3906,6 @@
               </a:spcAft>
               <a:buNone/>
             </a:pPr>
-            <a:r>
-              <a:t/>
-            </a:r>
             <a:endParaRPr/>
           </a:p>
         </p:txBody>
@@ -3786,7 +3913,9 @@
       <p:sp>
         <p:nvSpPr>
           <p:cNvPr id="34" name="Google Shape;34;p6"/>
-          <p:cNvSpPr txBox="1"/>
+          <p:cNvSpPr txBox="1">
+            <a:spLocks noGrp="1"/>
+          </p:cNvSpPr>
           <p:nvPr>
             <p:ph type="title"/>
           </p:nvPr>
@@ -3801,7 +3930,7 @@
           </a:prstGeom>
         </p:spPr>
         <p:txBody>
-          <a:bodyPr anchorCtr="0" anchor="ctr" bIns="91425" lIns="91425" spcFirstLastPara="1" rIns="91425" wrap="square" tIns="91425">
+          <a:bodyPr spcFirstLastPara="1" wrap="square" lIns="91425" tIns="91425" rIns="91425" bIns="91425" anchor="ctr" anchorCtr="0">
             <a:normAutofit/>
           </a:bodyPr>
           <a:lstStyle>
@@ -3905,15 +4034,19 @@
               <a:defRPr sz="1800"/>
             </a:lvl9pPr>
           </a:lstStyle>
-          <a:p/>
+          <a:p>
+            <a:endParaRPr/>
+          </a:p>
         </p:txBody>
       </p:sp>
       <p:sp>
         <p:nvSpPr>
           <p:cNvPr id="35" name="Google Shape;35;p6"/>
-          <p:cNvSpPr txBox="1"/>
+          <p:cNvSpPr txBox="1">
+            <a:spLocks noGrp="1"/>
+          </p:cNvSpPr>
           <p:nvPr>
-            <p:ph idx="12" type="sldNum"/>
+            <p:ph type="sldNum" idx="12"/>
           </p:nvPr>
         </p:nvSpPr>
         <p:spPr>
@@ -3926,7 +4059,7 @@
           </a:prstGeom>
         </p:spPr>
         <p:txBody>
-          <a:bodyPr anchorCtr="0" anchor="ctr" bIns="91425" lIns="91425" spcFirstLastPara="1" rIns="91425" wrap="square" tIns="91425">
+          <a:bodyPr spcFirstLastPara="1" wrap="square" lIns="91425" tIns="91425" rIns="91425" bIns="91425" anchor="ctr" anchorCtr="0">
             <a:normAutofit/>
           </a:bodyPr>
           <a:lstStyle>
@@ -3968,7 +4101,7 @@
             </a:lvl9pPr>
           </a:lstStyle>
           <a:p>
-            <a:pPr indent="0" lvl="0" marL="0" rtl="0" algn="r">
+            <a:pPr marL="0" lvl="0" indent="0" algn="r" rtl="0">
               <a:spcBef>
                 <a:spcPts val="0"/>
               </a:spcBef>
@@ -3979,6 +4112,15 @@
             </a:pPr>
             <a:fld id="{00000000-1234-1234-1234-123412341234}" type="slidenum">
               <a:rPr lang="ru"/>
+              <a:pPr marL="0" lvl="0" indent="0" algn="r" rtl="0">
+                <a:spcBef>
+                  <a:spcPts val="0"/>
+                </a:spcBef>
+                <a:spcAft>
+                  <a:spcPts val="0"/>
+                </a:spcAft>
+                <a:buNone/>
+              </a:pPr>
               <a:t>‹#›</a:t>
             </a:fld>
             <a:endParaRPr/>
@@ -3994,11 +4136,11 @@
 </file>
 
 <file path=ppt/slideLayouts/slideLayout6.xml><?xml version="1.0" encoding="utf-8"?>
-<p:sldLayout xmlns:a="http://schemas.openxmlformats.org/drawingml/2006/main" xmlns:r="http://schemas.openxmlformats.org/officeDocument/2006/relationships" xmlns:mc="http://schemas.openxmlformats.org/markup-compatibility/2006" xmlns:mv="urn:schemas-microsoft-com:mac:vml" xmlns:p="http://schemas.openxmlformats.org/presentationml/2006/main" xmlns:c="http://schemas.openxmlformats.org/drawingml/2006/chart" xmlns:dgm="http://schemas.openxmlformats.org/drawingml/2006/diagram" xmlns:o="urn:schemas-microsoft-com:office:office" xmlns:v="urn:schemas-microsoft-com:vml" xmlns:pvml="urn:schemas-microsoft-com:office:powerpoint" xmlns:com="http://schemas.openxmlformats.org/drawingml/2006/compatibility" xmlns:p14="http://schemas.microsoft.com/office/powerpoint/2010/main" xmlns:p15="http://schemas.microsoft.com/office/powerpoint/2012/main" xmlns:ahyp="http://schemas.microsoft.com/office/drawing/2018/hyperlinkcolor" matchingName="One column text">
+<p:sldLayout xmlns:a="http://schemas.openxmlformats.org/drawingml/2006/main" xmlns:r="http://schemas.openxmlformats.org/officeDocument/2006/relationships" xmlns:p="http://schemas.openxmlformats.org/presentationml/2006/main" matchingName="One column text">
   <p:cSld name="ONE_COLUMN_TEXT">
     <p:spTree>
       <p:nvGrpSpPr>
-        <p:cNvPr id="36" name="Shape 36"/>
+        <p:cNvPr id="1" name="Shape 36"/>
         <p:cNvGrpSpPr/>
         <p:nvPr/>
       </p:nvGrpSpPr>
@@ -4017,7 +4159,7 @@
           <p:nvPr/>
         </p:nvSpPr>
         <p:spPr>
-          <a:xfrm flipH="1" rot="10800000">
+          <a:xfrm rot="10800000" flipH="1">
             <a:off x="3276600" y="25"/>
             <a:ext cx="5867400" cy="5143500"/>
           </a:xfrm>
@@ -4032,12 +4174,12 @@
           </a:ln>
         </p:spPr>
         <p:txBody>
-          <a:bodyPr anchorCtr="0" anchor="ctr" bIns="91425" lIns="91425" spcFirstLastPara="1" rIns="91425" wrap="square" tIns="91425">
+          <a:bodyPr spcFirstLastPara="1" wrap="square" lIns="91425" tIns="91425" rIns="91425" bIns="91425" anchor="ctr" anchorCtr="0">
             <a:noAutofit/>
           </a:bodyPr>
           <a:lstStyle/>
           <a:p>
-            <a:pPr indent="0" lvl="0" marL="0" rtl="0" algn="l">
+            <a:pPr marL="0" lvl="0" indent="0" algn="l" rtl="0">
               <a:spcBef>
                 <a:spcPts val="0"/>
               </a:spcBef>
@@ -4046,9 +4188,6 @@
               </a:spcAft>
               <a:buNone/>
             </a:pPr>
-            <a:r>
-              <a:t/>
-            </a:r>
             <a:endParaRPr/>
           </a:p>
         </p:txBody>
@@ -4089,12 +4228,12 @@
           </a:ln>
         </p:spPr>
         <p:txBody>
-          <a:bodyPr anchorCtr="0" anchor="ctr" bIns="91425" lIns="91425" spcFirstLastPara="1" rIns="91425" wrap="square" tIns="91425">
+          <a:bodyPr spcFirstLastPara="1" wrap="square" lIns="91425" tIns="91425" rIns="91425" bIns="91425" anchor="ctr" anchorCtr="0">
             <a:noAutofit/>
           </a:bodyPr>
           <a:lstStyle/>
           <a:p>
-            <a:pPr indent="0" lvl="0" marL="0" rtl="0" algn="l">
+            <a:pPr marL="0" lvl="0" indent="0" algn="l" rtl="0">
               <a:spcBef>
                 <a:spcPts val="0"/>
               </a:spcBef>
@@ -4103,9 +4242,6 @@
               </a:spcAft>
               <a:buNone/>
             </a:pPr>
-            <a:r>
-              <a:t/>
-            </a:r>
             <a:endParaRPr/>
           </a:p>
         </p:txBody>
@@ -4113,7 +4249,9 @@
       <p:sp>
         <p:nvSpPr>
           <p:cNvPr id="39" name="Google Shape;39;p7"/>
-          <p:cNvSpPr txBox="1"/>
+          <p:cNvSpPr txBox="1">
+            <a:spLocks noGrp="1"/>
+          </p:cNvSpPr>
           <p:nvPr>
             <p:ph type="title"/>
           </p:nvPr>
@@ -4128,7 +4266,7 @@
           </a:prstGeom>
         </p:spPr>
         <p:txBody>
-          <a:bodyPr anchorCtr="0" anchor="b" bIns="91425" lIns="91425" spcFirstLastPara="1" rIns="91425" wrap="square" tIns="91425">
+          <a:bodyPr spcFirstLastPara="1" wrap="square" lIns="91425" tIns="91425" rIns="91425" bIns="91425" anchor="b" anchorCtr="0">
             <a:normAutofit/>
           </a:bodyPr>
           <a:lstStyle>
@@ -4232,15 +4370,19 @@
               <a:defRPr sz="2400"/>
             </a:lvl9pPr>
           </a:lstStyle>
-          <a:p/>
+          <a:p>
+            <a:endParaRPr/>
+          </a:p>
         </p:txBody>
       </p:sp>
       <p:sp>
         <p:nvSpPr>
           <p:cNvPr id="40" name="Google Shape;40;p7"/>
-          <p:cNvSpPr txBox="1"/>
+          <p:cNvSpPr txBox="1">
+            <a:spLocks noGrp="1"/>
+          </p:cNvSpPr>
           <p:nvPr>
-            <p:ph idx="1" type="body"/>
+            <p:ph type="body" idx="1"/>
           </p:nvPr>
         </p:nvSpPr>
         <p:spPr>
@@ -4253,11 +4395,11 @@
           </a:prstGeom>
         </p:spPr>
         <p:txBody>
-          <a:bodyPr anchorCtr="0" anchor="t" bIns="91425" lIns="91425" spcFirstLastPara="1" rIns="91425" wrap="square" tIns="91425">
+          <a:bodyPr spcFirstLastPara="1" wrap="square" lIns="91425" tIns="91425" rIns="91425" bIns="91425" anchor="t" anchorCtr="0">
             <a:normAutofit/>
           </a:bodyPr>
           <a:lstStyle>
-            <a:lvl1pPr indent="-304800" lvl="0" marL="457200">
+            <a:lvl1pPr marL="457200" lvl="0" indent="-304800">
               <a:spcBef>
                 <a:spcPts val="0"/>
               </a:spcBef>
@@ -4275,7 +4417,7 @@
                 </a:solidFill>
               </a:defRPr>
             </a:lvl1pPr>
-            <a:lvl2pPr indent="-304800" lvl="1" marL="914400">
+            <a:lvl2pPr marL="914400" lvl="1" indent="-304800">
               <a:spcBef>
                 <a:spcPts val="0"/>
               </a:spcBef>
@@ -4293,7 +4435,7 @@
                 </a:solidFill>
               </a:defRPr>
             </a:lvl2pPr>
-            <a:lvl3pPr indent="-304800" lvl="2" marL="1371600">
+            <a:lvl3pPr marL="1371600" lvl="2" indent="-304800">
               <a:spcBef>
                 <a:spcPts val="0"/>
               </a:spcBef>
@@ -4311,7 +4453,7 @@
                 </a:solidFill>
               </a:defRPr>
             </a:lvl3pPr>
-            <a:lvl4pPr indent="-304800" lvl="3" marL="1828800">
+            <a:lvl4pPr marL="1828800" lvl="3" indent="-304800">
               <a:spcBef>
                 <a:spcPts val="0"/>
               </a:spcBef>
@@ -4329,7 +4471,7 @@
                 </a:solidFill>
               </a:defRPr>
             </a:lvl4pPr>
-            <a:lvl5pPr indent="-304800" lvl="4" marL="2286000">
+            <a:lvl5pPr marL="2286000" lvl="4" indent="-304800">
               <a:spcBef>
                 <a:spcPts val="0"/>
               </a:spcBef>
@@ -4347,7 +4489,7 @@
                 </a:solidFill>
               </a:defRPr>
             </a:lvl5pPr>
-            <a:lvl6pPr indent="-304800" lvl="5" marL="2743200">
+            <a:lvl6pPr marL="2743200" lvl="5" indent="-304800">
               <a:spcBef>
                 <a:spcPts val="0"/>
               </a:spcBef>
@@ -4365,7 +4507,7 @@
                 </a:solidFill>
               </a:defRPr>
             </a:lvl6pPr>
-            <a:lvl7pPr indent="-304800" lvl="6" marL="3200400">
+            <a:lvl7pPr marL="3200400" lvl="6" indent="-304800">
               <a:spcBef>
                 <a:spcPts val="0"/>
               </a:spcBef>
@@ -4383,7 +4525,7 @@
                 </a:solidFill>
               </a:defRPr>
             </a:lvl7pPr>
-            <a:lvl8pPr indent="-304800" lvl="7" marL="3657600">
+            <a:lvl8pPr marL="3657600" lvl="7" indent="-304800">
               <a:spcBef>
                 <a:spcPts val="0"/>
               </a:spcBef>
@@ -4401,7 +4543,7 @@
                 </a:solidFill>
               </a:defRPr>
             </a:lvl8pPr>
-            <a:lvl9pPr indent="-304800" lvl="8" marL="4114800">
+            <a:lvl9pPr marL="4114800" lvl="8" indent="-304800">
               <a:spcBef>
                 <a:spcPts val="0"/>
               </a:spcBef>
@@ -4420,15 +4562,19 @@
               </a:defRPr>
             </a:lvl9pPr>
           </a:lstStyle>
-          <a:p/>
+          <a:p>
+            <a:endParaRPr/>
+          </a:p>
         </p:txBody>
       </p:sp>
       <p:sp>
         <p:nvSpPr>
           <p:cNvPr id="41" name="Google Shape;41;p7"/>
-          <p:cNvSpPr txBox="1"/>
+          <p:cNvSpPr txBox="1">
+            <a:spLocks noGrp="1"/>
+          </p:cNvSpPr>
           <p:nvPr>
-            <p:ph idx="12" type="sldNum"/>
+            <p:ph type="sldNum" idx="12"/>
           </p:nvPr>
         </p:nvSpPr>
         <p:spPr>
@@ -4441,7 +4587,7 @@
           </a:prstGeom>
         </p:spPr>
         <p:txBody>
-          <a:bodyPr anchorCtr="0" anchor="ctr" bIns="91425" lIns="91425" spcFirstLastPara="1" rIns="91425" wrap="square" tIns="91425">
+          <a:bodyPr spcFirstLastPara="1" wrap="square" lIns="91425" tIns="91425" rIns="91425" bIns="91425" anchor="ctr" anchorCtr="0">
             <a:normAutofit/>
           </a:bodyPr>
           <a:lstStyle>
@@ -4483,7 +4629,7 @@
             </a:lvl9pPr>
           </a:lstStyle>
           <a:p>
-            <a:pPr indent="0" lvl="0" marL="0" rtl="0" algn="r">
+            <a:pPr marL="0" lvl="0" indent="0" algn="r" rtl="0">
               <a:spcBef>
                 <a:spcPts val="0"/>
               </a:spcBef>
@@ -4494,6 +4640,15 @@
             </a:pPr>
             <a:fld id="{00000000-1234-1234-1234-123412341234}" type="slidenum">
               <a:rPr lang="ru"/>
+              <a:pPr marL="0" lvl="0" indent="0" algn="r" rtl="0">
+                <a:spcBef>
+                  <a:spcPts val="0"/>
+                </a:spcBef>
+                <a:spcAft>
+                  <a:spcPts val="0"/>
+                </a:spcAft>
+                <a:buNone/>
+              </a:pPr>
               <a:t>‹#›</a:t>
             </a:fld>
             <a:endParaRPr/>
@@ -4509,11 +4664,11 @@
 </file>
 
 <file path=ppt/slideLayouts/slideLayout7.xml><?xml version="1.0" encoding="utf-8"?>
-<p:sldLayout xmlns:a="http://schemas.openxmlformats.org/drawingml/2006/main" xmlns:r="http://schemas.openxmlformats.org/officeDocument/2006/relationships" xmlns:mc="http://schemas.openxmlformats.org/markup-compatibility/2006" xmlns:mv="urn:schemas-microsoft-com:mac:vml" xmlns:p="http://schemas.openxmlformats.org/presentationml/2006/main" xmlns:c="http://schemas.openxmlformats.org/drawingml/2006/chart" xmlns:dgm="http://schemas.openxmlformats.org/drawingml/2006/diagram" xmlns:o="urn:schemas-microsoft-com:office:office" xmlns:v="urn:schemas-microsoft-com:vml" xmlns:pvml="urn:schemas-microsoft-com:office:powerpoint" xmlns:com="http://schemas.openxmlformats.org/drawingml/2006/compatibility" xmlns:p14="http://schemas.microsoft.com/office/powerpoint/2010/main" xmlns:p15="http://schemas.microsoft.com/office/powerpoint/2012/main" xmlns:ahyp="http://schemas.microsoft.com/office/drawing/2018/hyperlinkcolor" matchingName="Main point">
+<p:sldLayout xmlns:a="http://schemas.openxmlformats.org/drawingml/2006/main" xmlns:r="http://schemas.openxmlformats.org/officeDocument/2006/relationships" xmlns:p="http://schemas.openxmlformats.org/presentationml/2006/main" matchingName="Main point">
   <p:cSld name="MAIN_POINT">
     <p:spTree>
       <p:nvGrpSpPr>
-        <p:cNvPr id="42" name="Shape 42"/>
+        <p:cNvPr id="1" name="Shape 42"/>
         <p:cNvGrpSpPr/>
         <p:nvPr/>
       </p:nvGrpSpPr>
@@ -4528,7 +4683,9 @@
       <p:sp>
         <p:nvSpPr>
           <p:cNvPr id="43" name="Google Shape;43;p8"/>
-          <p:cNvSpPr txBox="1"/>
+          <p:cNvSpPr txBox="1">
+            <a:spLocks noGrp="1"/>
+          </p:cNvSpPr>
           <p:nvPr>
             <p:ph type="title"/>
           </p:nvPr>
@@ -4543,7 +4700,7 @@
           </a:prstGeom>
         </p:spPr>
         <p:txBody>
-          <a:bodyPr anchorCtr="0" anchor="ctr" bIns="91425" lIns="91425" spcFirstLastPara="1" rIns="91425" wrap="square" tIns="91425">
+          <a:bodyPr spcFirstLastPara="1" wrap="square" lIns="91425" tIns="91425" rIns="91425" bIns="91425" anchor="ctr" anchorCtr="0">
             <a:normAutofit/>
           </a:bodyPr>
           <a:lstStyle>
@@ -4647,15 +4804,19 @@
               <a:defRPr sz="6000"/>
             </a:lvl9pPr>
           </a:lstStyle>
-          <a:p/>
+          <a:p>
+            <a:endParaRPr/>
+          </a:p>
         </p:txBody>
       </p:sp>
       <p:sp>
         <p:nvSpPr>
           <p:cNvPr id="44" name="Google Shape;44;p8"/>
-          <p:cNvSpPr txBox="1"/>
+          <p:cNvSpPr txBox="1">
+            <a:spLocks noGrp="1"/>
+          </p:cNvSpPr>
           <p:nvPr>
-            <p:ph idx="12" type="sldNum"/>
+            <p:ph type="sldNum" idx="12"/>
           </p:nvPr>
         </p:nvSpPr>
         <p:spPr>
@@ -4668,7 +4829,7 @@
           </a:prstGeom>
         </p:spPr>
         <p:txBody>
-          <a:bodyPr anchorCtr="0" anchor="ctr" bIns="91425" lIns="91425" spcFirstLastPara="1" rIns="91425" wrap="square" tIns="91425">
+          <a:bodyPr spcFirstLastPara="1" wrap="square" lIns="91425" tIns="91425" rIns="91425" bIns="91425" anchor="ctr" anchorCtr="0">
             <a:normAutofit/>
           </a:bodyPr>
           <a:lstStyle>
@@ -4746,7 +4907,7 @@
             </a:lvl9pPr>
           </a:lstStyle>
           <a:p>
-            <a:pPr indent="0" lvl="0" marL="0" rtl="0" algn="r">
+            <a:pPr marL="0" lvl="0" indent="0" algn="r" rtl="0">
               <a:spcBef>
                 <a:spcPts val="0"/>
               </a:spcBef>
@@ -4757,6 +4918,15 @@
             </a:pPr>
             <a:fld id="{00000000-1234-1234-1234-123412341234}" type="slidenum">
               <a:rPr lang="ru"/>
+              <a:pPr marL="0" lvl="0" indent="0" algn="r" rtl="0">
+                <a:spcBef>
+                  <a:spcPts val="0"/>
+                </a:spcBef>
+                <a:spcAft>
+                  <a:spcPts val="0"/>
+                </a:spcAft>
+                <a:buNone/>
+              </a:pPr>
               <a:t>‹#›</a:t>
             </a:fld>
             <a:endParaRPr/>
@@ -4772,11 +4942,11 @@
 </file>
 
 <file path=ppt/slideLayouts/slideLayout8.xml><?xml version="1.0" encoding="utf-8"?>
-<p:sldLayout xmlns:a="http://schemas.openxmlformats.org/drawingml/2006/main" xmlns:r="http://schemas.openxmlformats.org/officeDocument/2006/relationships" xmlns:mc="http://schemas.openxmlformats.org/markup-compatibility/2006" xmlns:mv="urn:schemas-microsoft-com:mac:vml" xmlns:p="http://schemas.openxmlformats.org/presentationml/2006/main" xmlns:c="http://schemas.openxmlformats.org/drawingml/2006/chart" xmlns:dgm="http://schemas.openxmlformats.org/drawingml/2006/diagram" xmlns:o="urn:schemas-microsoft-com:office:office" xmlns:v="urn:schemas-microsoft-com:vml" xmlns:pvml="urn:schemas-microsoft-com:office:powerpoint" xmlns:com="http://schemas.openxmlformats.org/drawingml/2006/compatibility" xmlns:p14="http://schemas.microsoft.com/office/powerpoint/2010/main" xmlns:p15="http://schemas.microsoft.com/office/powerpoint/2012/main" xmlns:ahyp="http://schemas.microsoft.com/office/drawing/2018/hyperlinkcolor" matchingName="Section title and description">
+<p:sldLayout xmlns:a="http://schemas.openxmlformats.org/drawingml/2006/main" xmlns:r="http://schemas.openxmlformats.org/officeDocument/2006/relationships" xmlns:p="http://schemas.openxmlformats.org/presentationml/2006/main" matchingName="Section title and description">
   <p:cSld name="SECTION_TITLE_AND_DESCRIPTION">
     <p:spTree>
       <p:nvGrpSpPr>
-        <p:cNvPr id="45" name="Shape 45"/>
+        <p:cNvPr id="1" name="Shape 45"/>
         <p:cNvGrpSpPr/>
         <p:nvPr/>
       </p:nvGrpSpPr>
@@ -4810,12 +4980,12 @@
           </a:ln>
         </p:spPr>
         <p:txBody>
-          <a:bodyPr anchorCtr="0" anchor="ctr" bIns="91425" lIns="91425" spcFirstLastPara="1" rIns="91425" wrap="square" tIns="91425">
+          <a:bodyPr spcFirstLastPara="1" wrap="square" lIns="91425" tIns="91425" rIns="91425" bIns="91425" anchor="ctr" anchorCtr="0">
             <a:noAutofit/>
           </a:bodyPr>
           <a:lstStyle/>
           <a:p>
-            <a:pPr indent="0" lvl="0" marL="0" rtl="0" algn="l">
+            <a:pPr marL="0" lvl="0" indent="0" algn="l" rtl="0">
               <a:spcBef>
                 <a:spcPts val="0"/>
               </a:spcBef>
@@ -4824,9 +4994,6 @@
               </a:spcAft>
               <a:buNone/>
             </a:pPr>
-            <a:r>
-              <a:t/>
-            </a:r>
             <a:endParaRPr/>
           </a:p>
         </p:txBody>
@@ -4867,12 +5034,12 @@
           </a:ln>
         </p:spPr>
         <p:txBody>
-          <a:bodyPr anchorCtr="0" anchor="ctr" bIns="91425" lIns="91425" spcFirstLastPara="1" rIns="91425" wrap="square" tIns="91425">
+          <a:bodyPr spcFirstLastPara="1" wrap="square" lIns="91425" tIns="91425" rIns="91425" bIns="91425" anchor="ctr" anchorCtr="0">
             <a:noAutofit/>
           </a:bodyPr>
           <a:lstStyle/>
           <a:p>
-            <a:pPr indent="0" lvl="0" marL="0" rtl="0" algn="l">
+            <a:pPr marL="0" lvl="0" indent="0" algn="l" rtl="0">
               <a:spcBef>
                 <a:spcPts val="0"/>
               </a:spcBef>
@@ -4881,9 +5048,6 @@
               </a:spcAft>
               <a:buNone/>
             </a:pPr>
-            <a:r>
-              <a:t/>
-            </a:r>
             <a:endParaRPr/>
           </a:p>
         </p:txBody>
@@ -4891,7 +5055,9 @@
       <p:sp>
         <p:nvSpPr>
           <p:cNvPr id="48" name="Google Shape;48;p9"/>
-          <p:cNvSpPr txBox="1"/>
+          <p:cNvSpPr txBox="1">
+            <a:spLocks noGrp="1"/>
+          </p:cNvSpPr>
           <p:nvPr>
             <p:ph type="title"/>
           </p:nvPr>
@@ -4906,7 +5072,7 @@
           </a:prstGeom>
         </p:spPr>
         <p:txBody>
-          <a:bodyPr anchorCtr="0" anchor="b" bIns="91425" lIns="91425" spcFirstLastPara="1" rIns="91425" wrap="square" tIns="91425">
+          <a:bodyPr spcFirstLastPara="1" wrap="square" lIns="91425" tIns="91425" rIns="91425" bIns="91425" anchor="b" anchorCtr="0">
             <a:normAutofit/>
           </a:bodyPr>
           <a:lstStyle>
@@ -5073,15 +5239,19 @@
               </a:defRPr>
             </a:lvl9pPr>
           </a:lstStyle>
-          <a:p/>
+          <a:p>
+            <a:endParaRPr/>
+          </a:p>
         </p:txBody>
       </p:sp>
       <p:sp>
         <p:nvSpPr>
           <p:cNvPr id="49" name="Google Shape;49;p9"/>
-          <p:cNvSpPr txBox="1"/>
+          <p:cNvSpPr txBox="1">
+            <a:spLocks noGrp="1"/>
+          </p:cNvSpPr>
           <p:nvPr>
-            <p:ph idx="1" type="subTitle"/>
+            <p:ph type="subTitle" idx="1"/>
           </p:nvPr>
         </p:nvSpPr>
         <p:spPr>
@@ -5094,7 +5264,7 @@
           </a:prstGeom>
         </p:spPr>
         <p:txBody>
-          <a:bodyPr anchorCtr="0" anchor="t" bIns="91425" lIns="91425" spcFirstLastPara="1" rIns="91425" wrap="square" tIns="91425">
+          <a:bodyPr spcFirstLastPara="1" wrap="square" lIns="91425" tIns="91425" rIns="91425" bIns="91425" anchor="t" anchorCtr="0">
             <a:normAutofit/>
           </a:bodyPr>
           <a:lstStyle>
@@ -5225,15 +5395,19 @@
               <a:defRPr sz="2100"/>
             </a:lvl9pPr>
           </a:lstStyle>
-          <a:p/>
+          <a:p>
+            <a:endParaRPr/>
+          </a:p>
         </p:txBody>
       </p:sp>
       <p:sp>
         <p:nvSpPr>
           <p:cNvPr id="50" name="Google Shape;50;p9"/>
-          <p:cNvSpPr txBox="1"/>
+          <p:cNvSpPr txBox="1">
+            <a:spLocks noGrp="1"/>
+          </p:cNvSpPr>
           <p:nvPr>
-            <p:ph idx="2" type="body"/>
+            <p:ph type="body" idx="2"/>
           </p:nvPr>
         </p:nvSpPr>
         <p:spPr>
@@ -5246,11 +5420,11 @@
           </a:prstGeom>
         </p:spPr>
         <p:txBody>
-          <a:bodyPr anchorCtr="0" anchor="ctr" bIns="91425" lIns="91425" spcFirstLastPara="1" rIns="91425" wrap="square" tIns="91425">
+          <a:bodyPr spcFirstLastPara="1" wrap="square" lIns="91425" tIns="91425" rIns="91425" bIns="91425" anchor="ctr" anchorCtr="0">
             <a:normAutofit/>
           </a:bodyPr>
           <a:lstStyle>
-            <a:lvl1pPr indent="-342900" lvl="0" marL="457200">
+            <a:lvl1pPr marL="457200" lvl="0" indent="-342900">
               <a:spcBef>
                 <a:spcPts val="0"/>
               </a:spcBef>
@@ -5268,7 +5442,7 @@
                 </a:solidFill>
               </a:defRPr>
             </a:lvl1pPr>
-            <a:lvl2pPr indent="-317500" lvl="1" marL="914400">
+            <a:lvl2pPr marL="914400" lvl="1" indent="-317500">
               <a:spcBef>
                 <a:spcPts val="0"/>
               </a:spcBef>
@@ -5286,7 +5460,7 @@
                 </a:solidFill>
               </a:defRPr>
             </a:lvl2pPr>
-            <a:lvl3pPr indent="-317500" lvl="2" marL="1371600">
+            <a:lvl3pPr marL="1371600" lvl="2" indent="-317500">
               <a:spcBef>
                 <a:spcPts val="0"/>
               </a:spcBef>
@@ -5304,7 +5478,7 @@
                 </a:solidFill>
               </a:defRPr>
             </a:lvl3pPr>
-            <a:lvl4pPr indent="-317500" lvl="3" marL="1828800">
+            <a:lvl4pPr marL="1828800" lvl="3" indent="-317500">
               <a:spcBef>
                 <a:spcPts val="0"/>
               </a:spcBef>
@@ -5322,7 +5496,7 @@
                 </a:solidFill>
               </a:defRPr>
             </a:lvl4pPr>
-            <a:lvl5pPr indent="-317500" lvl="4" marL="2286000">
+            <a:lvl5pPr marL="2286000" lvl="4" indent="-317500">
               <a:spcBef>
                 <a:spcPts val="0"/>
               </a:spcBef>
@@ -5340,7 +5514,7 @@
                 </a:solidFill>
               </a:defRPr>
             </a:lvl5pPr>
-            <a:lvl6pPr indent="-317500" lvl="5" marL="2743200">
+            <a:lvl6pPr marL="2743200" lvl="5" indent="-317500">
               <a:spcBef>
                 <a:spcPts val="0"/>
               </a:spcBef>
@@ -5358,7 +5532,7 @@
                 </a:solidFill>
               </a:defRPr>
             </a:lvl6pPr>
-            <a:lvl7pPr indent="-317500" lvl="6" marL="3200400">
+            <a:lvl7pPr marL="3200400" lvl="6" indent="-317500">
               <a:spcBef>
                 <a:spcPts val="0"/>
               </a:spcBef>
@@ -5376,7 +5550,7 @@
                 </a:solidFill>
               </a:defRPr>
             </a:lvl7pPr>
-            <a:lvl8pPr indent="-317500" lvl="7" marL="3657600">
+            <a:lvl8pPr marL="3657600" lvl="7" indent="-317500">
               <a:spcBef>
                 <a:spcPts val="0"/>
               </a:spcBef>
@@ -5394,7 +5568,7 @@
                 </a:solidFill>
               </a:defRPr>
             </a:lvl8pPr>
-            <a:lvl9pPr indent="-317500" lvl="8" marL="4114800">
+            <a:lvl9pPr marL="4114800" lvl="8" indent="-317500">
               <a:spcBef>
                 <a:spcPts val="0"/>
               </a:spcBef>
@@ -5413,15 +5587,19 @@
               </a:defRPr>
             </a:lvl9pPr>
           </a:lstStyle>
-          <a:p/>
+          <a:p>
+            <a:endParaRPr/>
+          </a:p>
         </p:txBody>
       </p:sp>
       <p:sp>
         <p:nvSpPr>
           <p:cNvPr id="51" name="Google Shape;51;p9"/>
-          <p:cNvSpPr txBox="1"/>
+          <p:cNvSpPr txBox="1">
+            <a:spLocks noGrp="1"/>
+          </p:cNvSpPr>
           <p:nvPr>
-            <p:ph idx="12" type="sldNum"/>
+            <p:ph type="sldNum" idx="12"/>
           </p:nvPr>
         </p:nvSpPr>
         <p:spPr>
@@ -5434,7 +5612,7 @@
           </a:prstGeom>
         </p:spPr>
         <p:txBody>
-          <a:bodyPr anchorCtr="0" anchor="ctr" bIns="91425" lIns="91425" spcFirstLastPara="1" rIns="91425" wrap="square" tIns="91425">
+          <a:bodyPr spcFirstLastPara="1" wrap="square" lIns="91425" tIns="91425" rIns="91425" bIns="91425" anchor="ctr" anchorCtr="0">
             <a:normAutofit/>
           </a:bodyPr>
           <a:lstStyle>
@@ -5512,7 +5690,7 @@
             </a:lvl9pPr>
           </a:lstStyle>
           <a:p>
-            <a:pPr indent="0" lvl="0" marL="0" rtl="0" algn="r">
+            <a:pPr marL="0" lvl="0" indent="0" algn="r" rtl="0">
               <a:spcBef>
                 <a:spcPts val="0"/>
               </a:spcBef>
@@ -5523,6 +5701,15 @@
             </a:pPr>
             <a:fld id="{00000000-1234-1234-1234-123412341234}" type="slidenum">
               <a:rPr lang="ru"/>
+              <a:pPr marL="0" lvl="0" indent="0" algn="r" rtl="0">
+                <a:spcBef>
+                  <a:spcPts val="0"/>
+                </a:spcBef>
+                <a:spcAft>
+                  <a:spcPts val="0"/>
+                </a:spcAft>
+                <a:buNone/>
+              </a:pPr>
               <a:t>‹#›</a:t>
             </a:fld>
             <a:endParaRPr/>
@@ -5538,11 +5725,11 @@
 </file>
 
 <file path=ppt/slideLayouts/slideLayout9.xml><?xml version="1.0" encoding="utf-8"?>
-<p:sldLayout xmlns:a="http://schemas.openxmlformats.org/drawingml/2006/main" xmlns:r="http://schemas.openxmlformats.org/officeDocument/2006/relationships" xmlns:mc="http://schemas.openxmlformats.org/markup-compatibility/2006" xmlns:mv="urn:schemas-microsoft-com:mac:vml" xmlns:p="http://schemas.openxmlformats.org/presentationml/2006/main" xmlns:c="http://schemas.openxmlformats.org/drawingml/2006/chart" xmlns:dgm="http://schemas.openxmlformats.org/drawingml/2006/diagram" xmlns:o="urn:schemas-microsoft-com:office:office" xmlns:v="urn:schemas-microsoft-com:vml" xmlns:pvml="urn:schemas-microsoft-com:office:powerpoint" xmlns:com="http://schemas.openxmlformats.org/drawingml/2006/compatibility" xmlns:p14="http://schemas.microsoft.com/office/powerpoint/2010/main" xmlns:p15="http://schemas.microsoft.com/office/powerpoint/2012/main" xmlns:ahyp="http://schemas.microsoft.com/office/drawing/2018/hyperlinkcolor" matchingName="Caption">
+<p:sldLayout xmlns:a="http://schemas.openxmlformats.org/drawingml/2006/main" xmlns:r="http://schemas.openxmlformats.org/officeDocument/2006/relationships" xmlns:p="http://schemas.openxmlformats.org/presentationml/2006/main" matchingName="Caption">
   <p:cSld name="CAPTION_ONLY">
     <p:spTree>
       <p:nvGrpSpPr>
-        <p:cNvPr id="52" name="Shape 52"/>
+        <p:cNvPr id="1" name="Shape 52"/>
         <p:cNvGrpSpPr/>
         <p:nvPr/>
       </p:nvGrpSpPr>
@@ -5561,7 +5748,7 @@
           <p:nvPr/>
         </p:nvSpPr>
         <p:spPr>
-          <a:xfrm flipH="1" rot="10800000">
+          <a:xfrm rot="10800000" flipH="1">
             <a:off x="0" y="0"/>
             <a:ext cx="9144000" cy="4695900"/>
           </a:xfrm>
@@ -5576,12 +5763,12 @@
           </a:ln>
         </p:spPr>
         <p:txBody>
-          <a:bodyPr anchorCtr="0" anchor="ctr" bIns="91425" lIns="91425" spcFirstLastPara="1" rIns="91425" wrap="square" tIns="91425">
+          <a:bodyPr spcFirstLastPara="1" wrap="square" lIns="91425" tIns="91425" rIns="91425" bIns="91425" anchor="ctr" anchorCtr="0">
             <a:noAutofit/>
           </a:bodyPr>
           <a:lstStyle/>
           <a:p>
-            <a:pPr indent="0" lvl="0" marL="0" rtl="0" algn="l">
+            <a:pPr marL="0" lvl="0" indent="0" algn="l" rtl="0">
               <a:spcBef>
                 <a:spcPts val="0"/>
               </a:spcBef>
@@ -5590,9 +5777,6 @@
               </a:spcAft>
               <a:buNone/>
             </a:pPr>
-            <a:r>
-              <a:t/>
-            </a:r>
             <a:endParaRPr/>
           </a:p>
         </p:txBody>
@@ -5604,7 +5788,7 @@
           <p:nvPr/>
         </p:nvSpPr>
         <p:spPr>
-          <a:xfrm flipH="1" rot="10800000">
+          <a:xfrm rot="10800000" flipH="1">
             <a:off x="0" y="4622725"/>
             <a:ext cx="9144000" cy="74100"/>
           </a:xfrm>
@@ -5633,12 +5817,12 @@
           </a:ln>
         </p:spPr>
         <p:txBody>
-          <a:bodyPr anchorCtr="0" anchor="ctr" bIns="91425" lIns="91425" spcFirstLastPara="1" rIns="91425" wrap="square" tIns="91425">
+          <a:bodyPr spcFirstLastPara="1" wrap="square" lIns="91425" tIns="91425" rIns="91425" bIns="91425" anchor="ctr" anchorCtr="0">
             <a:noAutofit/>
           </a:bodyPr>
           <a:lstStyle/>
           <a:p>
-            <a:pPr indent="0" lvl="0" marL="0" rtl="0" algn="l">
+            <a:pPr marL="0" lvl="0" indent="0" algn="l" rtl="0">
               <a:spcBef>
                 <a:spcPts val="0"/>
               </a:spcBef>
@@ -5647,9 +5831,6 @@
               </a:spcAft>
               <a:buNone/>
             </a:pPr>
-            <a:r>
-              <a:t/>
-            </a:r>
             <a:endParaRPr/>
           </a:p>
         </p:txBody>
@@ -5657,9 +5838,11 @@
       <p:sp>
         <p:nvSpPr>
           <p:cNvPr id="55" name="Google Shape;55;p10"/>
-          <p:cNvSpPr txBox="1"/>
+          <p:cNvSpPr txBox="1">
+            <a:spLocks noGrp="1"/>
+          </p:cNvSpPr>
           <p:nvPr>
-            <p:ph idx="1" type="body"/>
+            <p:ph type="body" idx="1"/>
           </p:nvPr>
         </p:nvSpPr>
         <p:spPr>
@@ -5672,11 +5855,11 @@
           </a:prstGeom>
         </p:spPr>
         <p:txBody>
-          <a:bodyPr anchorCtr="0" anchor="ctr" bIns="91425" lIns="91425" spcFirstLastPara="1" rIns="91425" wrap="square" tIns="91425">
+          <a:bodyPr spcFirstLastPara="1" wrap="square" lIns="91425" tIns="91425" rIns="91425" bIns="91425" anchor="ctr" anchorCtr="0">
             <a:normAutofit/>
           </a:bodyPr>
           <a:lstStyle>
-            <a:lvl1pPr indent="-228600" lvl="0" marL="457200">
+            <a:lvl1pPr marL="457200" lvl="0" indent="-228600">
               <a:lnSpc>
                 <a:spcPct val="100000"/>
               </a:lnSpc>
@@ -5698,15 +5881,19 @@
               </a:defRPr>
             </a:lvl1pPr>
           </a:lstStyle>
-          <a:p/>
+          <a:p>
+            <a:endParaRPr/>
+          </a:p>
         </p:txBody>
       </p:sp>
       <p:sp>
         <p:nvSpPr>
           <p:cNvPr id="56" name="Google Shape;56;p10"/>
-          <p:cNvSpPr txBox="1"/>
+          <p:cNvSpPr txBox="1">
+            <a:spLocks noGrp="1"/>
+          </p:cNvSpPr>
           <p:nvPr>
-            <p:ph idx="12" type="sldNum"/>
+            <p:ph type="sldNum" idx="12"/>
           </p:nvPr>
         </p:nvSpPr>
         <p:spPr>
@@ -5719,7 +5906,7 @@
           </a:prstGeom>
         </p:spPr>
         <p:txBody>
-          <a:bodyPr anchorCtr="0" anchor="ctr" bIns="91425" lIns="91425" spcFirstLastPara="1" rIns="91425" wrap="square" tIns="91425">
+          <a:bodyPr spcFirstLastPara="1" wrap="square" lIns="91425" tIns="91425" rIns="91425" bIns="91425" anchor="ctr" anchorCtr="0">
             <a:normAutofit/>
           </a:bodyPr>
           <a:lstStyle>
@@ -5797,7 +5984,7 @@
             </a:lvl9pPr>
           </a:lstStyle>
           <a:p>
-            <a:pPr indent="0" lvl="0" marL="0" rtl="0" algn="r">
+            <a:pPr marL="0" lvl="0" indent="0" algn="r" rtl="0">
               <a:spcBef>
                 <a:spcPts val="0"/>
               </a:spcBef>
@@ -5808,6 +5995,15 @@
             </a:pPr>
             <a:fld id="{00000000-1234-1234-1234-123412341234}" type="slidenum">
               <a:rPr lang="ru"/>
+              <a:pPr marL="0" lvl="0" indent="0" algn="r" rtl="0">
+                <a:spcBef>
+                  <a:spcPts val="0"/>
+                </a:spcBef>
+                <a:spcAft>
+                  <a:spcPts val="0"/>
+                </a:spcAft>
+                <a:buNone/>
+              </a:pPr>
               <a:t>‹#›</a:t>
             </a:fld>
             <a:endParaRPr/>
@@ -5823,18 +6019,19 @@
 </file>
 
 <file path=ppt/slideMasters/slideMaster1.xml><?xml version="1.0" encoding="utf-8"?>
-<p:sldMaster xmlns:a="http://schemas.openxmlformats.org/drawingml/2006/main" xmlns:r="http://schemas.openxmlformats.org/officeDocument/2006/relationships" xmlns:mc="http://schemas.openxmlformats.org/markup-compatibility/2006" xmlns:mv="urn:schemas-microsoft-com:mac:vml" xmlns:p="http://schemas.openxmlformats.org/presentationml/2006/main" xmlns:c="http://schemas.openxmlformats.org/drawingml/2006/chart" xmlns:dgm="http://schemas.openxmlformats.org/drawingml/2006/diagram" xmlns:o="urn:schemas-microsoft-com:office:office" xmlns:v="urn:schemas-microsoft-com:vml" xmlns:pvml="urn:schemas-microsoft-com:office:powerpoint" xmlns:com="http://schemas.openxmlformats.org/drawingml/2006/compatibility" xmlns:p14="http://schemas.microsoft.com/office/powerpoint/2010/main" xmlns:p15="http://schemas.microsoft.com/office/powerpoint/2012/main" xmlns:ahyp="http://schemas.microsoft.com/office/drawing/2018/hyperlinkcolor">
+<p:sldMaster xmlns:a="http://schemas.openxmlformats.org/drawingml/2006/main" xmlns:r="http://schemas.openxmlformats.org/officeDocument/2006/relationships" xmlns:p="http://schemas.openxmlformats.org/presentationml/2006/main">
   <p:cSld name="material">
     <p:bg>
       <p:bgPr>
         <a:solidFill>
           <a:schemeClr val="dk1"/>
         </a:solidFill>
+        <a:effectLst/>
       </p:bgPr>
     </p:bg>
     <p:spTree>
       <p:nvGrpSpPr>
-        <p:cNvPr id="5" name="Shape 5"/>
+        <p:cNvPr id="1" name="Shape 5"/>
         <p:cNvGrpSpPr/>
         <p:nvPr/>
       </p:nvGrpSpPr>
@@ -5849,7 +6046,9 @@
       <p:sp>
         <p:nvSpPr>
           <p:cNvPr id="6" name="Google Shape;6;p1"/>
-          <p:cNvSpPr txBox="1"/>
+          <p:cNvSpPr txBox="1">
+            <a:spLocks noGrp="1"/>
+          </p:cNvSpPr>
           <p:nvPr>
             <p:ph type="title"/>
           </p:nvPr>
@@ -5868,7 +6067,7 @@
           </a:ln>
         </p:spPr>
         <p:txBody>
-          <a:bodyPr anchorCtr="0" anchor="b" bIns="91425" lIns="91425" spcFirstLastPara="1" rIns="91425" wrap="square" tIns="91425">
+          <a:bodyPr spcFirstLastPara="1" wrap="square" lIns="91425" tIns="91425" rIns="91425" bIns="91425" anchor="b" anchorCtr="0">
             <a:normAutofit/>
           </a:bodyPr>
           <a:lstStyle>
@@ -6080,15 +6279,19 @@
               </a:defRPr>
             </a:lvl9pPr>
           </a:lstStyle>
-          <a:p/>
+          <a:p>
+            <a:endParaRPr/>
+          </a:p>
         </p:txBody>
       </p:sp>
       <p:sp>
         <p:nvSpPr>
           <p:cNvPr id="7" name="Google Shape;7;p1"/>
-          <p:cNvSpPr txBox="1"/>
+          <p:cNvSpPr txBox="1">
+            <a:spLocks noGrp="1"/>
+          </p:cNvSpPr>
           <p:nvPr>
-            <p:ph idx="1" type="body"/>
+            <p:ph type="body" idx="1"/>
           </p:nvPr>
         </p:nvSpPr>
         <p:spPr>
@@ -6105,11 +6308,11 @@
           </a:ln>
         </p:spPr>
         <p:txBody>
-          <a:bodyPr anchorCtr="0" anchor="t" bIns="91425" lIns="91425" spcFirstLastPara="1" rIns="91425" wrap="square" tIns="91425">
+          <a:bodyPr spcFirstLastPara="1" wrap="square" lIns="91425" tIns="91425" rIns="91425" bIns="91425" anchor="t" anchorCtr="0">
             <a:normAutofit/>
           </a:bodyPr>
           <a:lstStyle>
-            <a:lvl1pPr indent="-342900" lvl="0" marL="457200">
+            <a:lvl1pPr marL="457200" lvl="0" indent="-342900">
               <a:lnSpc>
                 <a:spcPct val="115000"/>
               </a:lnSpc>
@@ -6135,7 +6338,7 @@
                 <a:sym typeface="Roboto"/>
               </a:defRPr>
             </a:lvl1pPr>
-            <a:lvl2pPr indent="-317500" lvl="1" marL="914400">
+            <a:lvl2pPr marL="914400" lvl="1" indent="-317500">
               <a:lnSpc>
                 <a:spcPct val="115000"/>
               </a:lnSpc>
@@ -6161,7 +6364,7 @@
                 <a:sym typeface="Roboto"/>
               </a:defRPr>
             </a:lvl2pPr>
-            <a:lvl3pPr indent="-317500" lvl="2" marL="1371600">
+            <a:lvl3pPr marL="1371600" lvl="2" indent="-317500">
               <a:lnSpc>
                 <a:spcPct val="115000"/>
               </a:lnSpc>
@@ -6187,7 +6390,7 @@
                 <a:sym typeface="Roboto"/>
               </a:defRPr>
             </a:lvl3pPr>
-            <a:lvl4pPr indent="-317500" lvl="3" marL="1828800">
+            <a:lvl4pPr marL="1828800" lvl="3" indent="-317500">
               <a:lnSpc>
                 <a:spcPct val="115000"/>
               </a:lnSpc>
@@ -6213,7 +6416,7 @@
                 <a:sym typeface="Roboto"/>
               </a:defRPr>
             </a:lvl4pPr>
-            <a:lvl5pPr indent="-317500" lvl="4" marL="2286000">
+            <a:lvl5pPr marL="2286000" lvl="4" indent="-317500">
               <a:lnSpc>
                 <a:spcPct val="115000"/>
               </a:lnSpc>
@@ -6239,7 +6442,7 @@
                 <a:sym typeface="Roboto"/>
               </a:defRPr>
             </a:lvl5pPr>
-            <a:lvl6pPr indent="-317500" lvl="5" marL="2743200">
+            <a:lvl6pPr marL="2743200" lvl="5" indent="-317500">
               <a:lnSpc>
                 <a:spcPct val="115000"/>
               </a:lnSpc>
@@ -6265,7 +6468,7 @@
                 <a:sym typeface="Roboto"/>
               </a:defRPr>
             </a:lvl6pPr>
-            <a:lvl7pPr indent="-317500" lvl="6" marL="3200400">
+            <a:lvl7pPr marL="3200400" lvl="6" indent="-317500">
               <a:lnSpc>
                 <a:spcPct val="115000"/>
               </a:lnSpc>
@@ -6291,7 +6494,7 @@
                 <a:sym typeface="Roboto"/>
               </a:defRPr>
             </a:lvl7pPr>
-            <a:lvl8pPr indent="-317500" lvl="7" marL="3657600">
+            <a:lvl8pPr marL="3657600" lvl="7" indent="-317500">
               <a:lnSpc>
                 <a:spcPct val="115000"/>
               </a:lnSpc>
@@ -6317,7 +6520,7 @@
                 <a:sym typeface="Roboto"/>
               </a:defRPr>
             </a:lvl8pPr>
-            <a:lvl9pPr indent="-317500" lvl="8" marL="4114800">
+            <a:lvl9pPr marL="4114800" lvl="8" indent="-317500">
               <a:lnSpc>
                 <a:spcPct val="115000"/>
               </a:lnSpc>
@@ -6344,15 +6547,19 @@
               </a:defRPr>
             </a:lvl9pPr>
           </a:lstStyle>
-          <a:p/>
+          <a:p>
+            <a:endParaRPr/>
+          </a:p>
         </p:txBody>
       </p:sp>
       <p:sp>
         <p:nvSpPr>
           <p:cNvPr id="8" name="Google Shape;8;p1"/>
-          <p:cNvSpPr txBox="1"/>
+          <p:cNvSpPr txBox="1">
+            <a:spLocks noGrp="1"/>
+          </p:cNvSpPr>
           <p:nvPr>
-            <p:ph idx="12" type="sldNum"/>
+            <p:ph type="sldNum" idx="12"/>
           </p:nvPr>
         </p:nvSpPr>
         <p:spPr>
@@ -6369,7 +6576,7 @@
           </a:ln>
         </p:spPr>
         <p:txBody>
-          <a:bodyPr anchorCtr="0" anchor="ctr" bIns="91425" lIns="91425" spcFirstLastPara="1" rIns="91425" wrap="square" tIns="91425">
+          <a:bodyPr spcFirstLastPara="1" wrap="square" lIns="91425" tIns="91425" rIns="91425" bIns="91425" anchor="ctr" anchorCtr="0">
             <a:normAutofit/>
           </a:bodyPr>
           <a:lstStyle>
@@ -6483,7 +6690,7 @@
             </a:lvl9pPr>
           </a:lstStyle>
           <a:p>
-            <a:pPr indent="0" lvl="0" marL="0" rtl="0" algn="r">
+            <a:pPr marL="0" lvl="0" indent="0" algn="r" rtl="0">
               <a:spcBef>
                 <a:spcPts val="0"/>
               </a:spcBef>
@@ -6494,6 +6701,15 @@
             </a:pPr>
             <a:fld id="{00000000-1234-1234-1234-123412341234}" type="slidenum">
               <a:rPr lang="ru"/>
+              <a:pPr marL="0" lvl="0" indent="0" algn="r" rtl="0">
+                <a:spcBef>
+                  <a:spcPts val="0"/>
+                </a:spcBef>
+                <a:spcAft>
+                  <a:spcPts val="0"/>
+                </a:spcAft>
+                <a:buNone/>
+              </a:pPr>
               <a:t>‹#›</a:t>
             </a:fld>
             <a:endParaRPr/>
@@ -6502,7 +6718,7 @@
       </p:sp>
     </p:spTree>
   </p:cSld>
-  <p:clrMap accent1="accent1" accent2="accent2" accent3="accent3" accent4="accent4" accent5="accent5" accent6="accent6" bg1="lt1" bg2="dk2" tx1="dk1" tx2="lt2" folHlink="folHlink" hlink="hlink"/>
+  <p:clrMap bg1="lt1" tx1="dk1" bg2="dk2" tx2="lt2" accent1="accent1" accent2="accent2" accent3="accent3" accent4="accent4" accent5="accent5" accent6="accent6" hlink="hlink" folHlink="folHlink"/>
   <p:sldLayoutIdLst>
     <p:sldLayoutId id="2147483648" r:id="rId1"/>
     <p:sldLayoutId id="2147483649" r:id="rId2"/>
@@ -6516,10 +6732,10 @@
     <p:sldLayoutId id="2147483657" r:id="rId10"/>
     <p:sldLayoutId id="2147483658" r:id="rId11"/>
   </p:sldLayoutIdLst>
-  <p:hf dt="0" ftr="0" hdr="0" sldNum="0"/>
+  <p:hf sldNum="0" hdr="0" ftr="0" dt="0"/>
   <p:txStyles>
     <p:titleStyle>
-      <a:defPPr lvl="0" marR="0" rtl="0" algn="l">
+      <a:defPPr marR="0" lvl="0" algn="l" rtl="0">
         <a:lnSpc>
           <a:spcPct val="100000"/>
         </a:lnSpc>
@@ -6530,7 +6746,7 @@
           <a:spcPts val="0"/>
         </a:spcAft>
       </a:defPPr>
-      <a:lvl1pPr lvl="0" marR="0" rtl="0" algn="l">
+      <a:lvl1pPr marR="0" lvl="0" algn="l" rtl="0">
         <a:lnSpc>
           <a:spcPct val="100000"/>
         </a:lnSpc>
@@ -6544,7 +6760,7 @@
           <a:srgbClr val="000000"/>
         </a:buClr>
         <a:buFont typeface="Arial"/>
-        <a:defRPr b="0" i="0" sz="1400" u="none" cap="none" strike="noStrike">
+        <a:defRPr sz="1400" b="0" i="0" u="none" strike="noStrike" cap="none">
           <a:solidFill>
             <a:srgbClr val="000000"/>
           </a:solidFill>
@@ -6554,7 +6770,7 @@
           <a:sym typeface="Arial"/>
         </a:defRPr>
       </a:lvl1pPr>
-      <a:lvl2pPr lvl="1" marR="0" rtl="0" algn="l">
+      <a:lvl2pPr marR="0" lvl="1" algn="l" rtl="0">
         <a:lnSpc>
           <a:spcPct val="100000"/>
         </a:lnSpc>
@@ -6568,7 +6784,7 @@
           <a:srgbClr val="000000"/>
         </a:buClr>
         <a:buFont typeface="Arial"/>
-        <a:defRPr b="0" i="0" sz="1400" u="none" cap="none" strike="noStrike">
+        <a:defRPr sz="1400" b="0" i="0" u="none" strike="noStrike" cap="none">
           <a:solidFill>
             <a:srgbClr val="000000"/>
           </a:solidFill>
@@ -6578,7 +6794,7 @@
           <a:sym typeface="Arial"/>
         </a:defRPr>
       </a:lvl2pPr>
-      <a:lvl3pPr lvl="2" marR="0" rtl="0" algn="l">
+      <a:lvl3pPr marR="0" lvl="2" algn="l" rtl="0">
         <a:lnSpc>
           <a:spcPct val="100000"/>
         </a:lnSpc>
@@ -6592,7 +6808,7 @@
           <a:srgbClr val="000000"/>
         </a:buClr>
         <a:buFont typeface="Arial"/>
-        <a:defRPr b="0" i="0" sz="1400" u="none" cap="none" strike="noStrike">
+        <a:defRPr sz="1400" b="0" i="0" u="none" strike="noStrike" cap="none">
           <a:solidFill>
             <a:srgbClr val="000000"/>
           </a:solidFill>
@@ -6602,7 +6818,7 @@
           <a:sym typeface="Arial"/>
         </a:defRPr>
       </a:lvl3pPr>
-      <a:lvl4pPr lvl="3" marR="0" rtl="0" algn="l">
+      <a:lvl4pPr marR="0" lvl="3" algn="l" rtl="0">
         <a:lnSpc>
           <a:spcPct val="100000"/>
         </a:lnSpc>
@@ -6616,7 +6832,7 @@
           <a:srgbClr val="000000"/>
         </a:buClr>
         <a:buFont typeface="Arial"/>
-        <a:defRPr b="0" i="0" sz="1400" u="none" cap="none" strike="noStrike">
+        <a:defRPr sz="1400" b="0" i="0" u="none" strike="noStrike" cap="none">
           <a:solidFill>
             <a:srgbClr val="000000"/>
           </a:solidFill>
@@ -6626,7 +6842,7 @@
           <a:sym typeface="Arial"/>
         </a:defRPr>
       </a:lvl4pPr>
-      <a:lvl5pPr lvl="4" marR="0" rtl="0" algn="l">
+      <a:lvl5pPr marR="0" lvl="4" algn="l" rtl="0">
         <a:lnSpc>
           <a:spcPct val="100000"/>
         </a:lnSpc>
@@ -6640,7 +6856,7 @@
           <a:srgbClr val="000000"/>
         </a:buClr>
         <a:buFont typeface="Arial"/>
-        <a:defRPr b="0" i="0" sz="1400" u="none" cap="none" strike="noStrike">
+        <a:defRPr sz="1400" b="0" i="0" u="none" strike="noStrike" cap="none">
           <a:solidFill>
             <a:srgbClr val="000000"/>
           </a:solidFill>
@@ -6650,7 +6866,7 @@
           <a:sym typeface="Arial"/>
         </a:defRPr>
       </a:lvl5pPr>
-      <a:lvl6pPr lvl="5" marR="0" rtl="0" algn="l">
+      <a:lvl6pPr marR="0" lvl="5" algn="l" rtl="0">
         <a:lnSpc>
           <a:spcPct val="100000"/>
         </a:lnSpc>
@@ -6664,7 +6880,7 @@
           <a:srgbClr val="000000"/>
         </a:buClr>
         <a:buFont typeface="Arial"/>
-        <a:defRPr b="0" i="0" sz="1400" u="none" cap="none" strike="noStrike">
+        <a:defRPr sz="1400" b="0" i="0" u="none" strike="noStrike" cap="none">
           <a:solidFill>
             <a:srgbClr val="000000"/>
           </a:solidFill>
@@ -6674,7 +6890,7 @@
           <a:sym typeface="Arial"/>
         </a:defRPr>
       </a:lvl6pPr>
-      <a:lvl7pPr lvl="6" marR="0" rtl="0" algn="l">
+      <a:lvl7pPr marR="0" lvl="6" algn="l" rtl="0">
         <a:lnSpc>
           <a:spcPct val="100000"/>
         </a:lnSpc>
@@ -6688,7 +6904,7 @@
           <a:srgbClr val="000000"/>
         </a:buClr>
         <a:buFont typeface="Arial"/>
-        <a:defRPr b="0" i="0" sz="1400" u="none" cap="none" strike="noStrike">
+        <a:defRPr sz="1400" b="0" i="0" u="none" strike="noStrike" cap="none">
           <a:solidFill>
             <a:srgbClr val="000000"/>
           </a:solidFill>
@@ -6698,7 +6914,7 @@
           <a:sym typeface="Arial"/>
         </a:defRPr>
       </a:lvl7pPr>
-      <a:lvl8pPr lvl="7" marR="0" rtl="0" algn="l">
+      <a:lvl8pPr marR="0" lvl="7" algn="l" rtl="0">
         <a:lnSpc>
           <a:spcPct val="100000"/>
         </a:lnSpc>
@@ -6712,7 +6928,7 @@
           <a:srgbClr val="000000"/>
         </a:buClr>
         <a:buFont typeface="Arial"/>
-        <a:defRPr b="0" i="0" sz="1400" u="none" cap="none" strike="noStrike">
+        <a:defRPr sz="1400" b="0" i="0" u="none" strike="noStrike" cap="none">
           <a:solidFill>
             <a:srgbClr val="000000"/>
           </a:solidFill>
@@ -6722,7 +6938,7 @@
           <a:sym typeface="Arial"/>
         </a:defRPr>
       </a:lvl8pPr>
-      <a:lvl9pPr lvl="8" marR="0" rtl="0" algn="l">
+      <a:lvl9pPr marR="0" lvl="8" algn="l" rtl="0">
         <a:lnSpc>
           <a:spcPct val="100000"/>
         </a:lnSpc>
@@ -6736,7 +6952,7 @@
           <a:srgbClr val="000000"/>
         </a:buClr>
         <a:buFont typeface="Arial"/>
-        <a:defRPr b="0" i="0" sz="1400" u="none" cap="none" strike="noStrike">
+        <a:defRPr sz="1400" b="0" i="0" u="none" strike="noStrike" cap="none">
           <a:solidFill>
             <a:srgbClr val="000000"/>
           </a:solidFill>
@@ -6748,7 +6964,7 @@
       </a:lvl9pPr>
     </p:titleStyle>
     <p:bodyStyle>
-      <a:defPPr lvl="0" marR="0" rtl="0" algn="l">
+      <a:defPPr marR="0" lvl="0" algn="l" rtl="0">
         <a:lnSpc>
           <a:spcPct val="100000"/>
         </a:lnSpc>
@@ -6759,7 +6975,7 @@
           <a:spcPts val="0"/>
         </a:spcAft>
       </a:defPPr>
-      <a:lvl1pPr lvl="0" marR="0" rtl="0" algn="l">
+      <a:lvl1pPr marR="0" lvl="0" algn="l" rtl="0">
         <a:lnSpc>
           <a:spcPct val="100000"/>
         </a:lnSpc>
@@ -6773,7 +6989,7 @@
           <a:srgbClr val="000000"/>
         </a:buClr>
         <a:buFont typeface="Arial"/>
-        <a:defRPr b="0" i="0" sz="1400" u="none" cap="none" strike="noStrike">
+        <a:defRPr sz="1400" b="0" i="0" u="none" strike="noStrike" cap="none">
           <a:solidFill>
             <a:srgbClr val="000000"/>
           </a:solidFill>
@@ -6783,7 +6999,7 @@
           <a:sym typeface="Arial"/>
         </a:defRPr>
       </a:lvl1pPr>
-      <a:lvl2pPr lvl="1" marR="0" rtl="0" algn="l">
+      <a:lvl2pPr marR="0" lvl="1" algn="l" rtl="0">
         <a:lnSpc>
           <a:spcPct val="100000"/>
         </a:lnSpc>
@@ -6797,7 +7013,7 @@
           <a:srgbClr val="000000"/>
         </a:buClr>
         <a:buFont typeface="Arial"/>
-        <a:defRPr b="0" i="0" sz="1400" u="none" cap="none" strike="noStrike">
+        <a:defRPr sz="1400" b="0" i="0" u="none" strike="noStrike" cap="none">
           <a:solidFill>
             <a:srgbClr val="000000"/>
           </a:solidFill>
@@ -6807,7 +7023,7 @@
           <a:sym typeface="Arial"/>
         </a:defRPr>
       </a:lvl2pPr>
-      <a:lvl3pPr lvl="2" marR="0" rtl="0" algn="l">
+      <a:lvl3pPr marR="0" lvl="2" algn="l" rtl="0">
         <a:lnSpc>
           <a:spcPct val="100000"/>
         </a:lnSpc>
@@ -6821,7 +7037,7 @@
           <a:srgbClr val="000000"/>
         </a:buClr>
         <a:buFont typeface="Arial"/>
-        <a:defRPr b="0" i="0" sz="1400" u="none" cap="none" strike="noStrike">
+        <a:defRPr sz="1400" b="0" i="0" u="none" strike="noStrike" cap="none">
           <a:solidFill>
             <a:srgbClr val="000000"/>
           </a:solidFill>
@@ -6831,7 +7047,7 @@
           <a:sym typeface="Arial"/>
         </a:defRPr>
       </a:lvl3pPr>
-      <a:lvl4pPr lvl="3" marR="0" rtl="0" algn="l">
+      <a:lvl4pPr marR="0" lvl="3" algn="l" rtl="0">
         <a:lnSpc>
           <a:spcPct val="100000"/>
         </a:lnSpc>
@@ -6845,7 +7061,7 @@
           <a:srgbClr val="000000"/>
         </a:buClr>
         <a:buFont typeface="Arial"/>
-        <a:defRPr b="0" i="0" sz="1400" u="none" cap="none" strike="noStrike">
+        <a:defRPr sz="1400" b="0" i="0" u="none" strike="noStrike" cap="none">
           <a:solidFill>
             <a:srgbClr val="000000"/>
           </a:solidFill>
@@ -6855,7 +7071,7 @@
           <a:sym typeface="Arial"/>
         </a:defRPr>
       </a:lvl4pPr>
-      <a:lvl5pPr lvl="4" marR="0" rtl="0" algn="l">
+      <a:lvl5pPr marR="0" lvl="4" algn="l" rtl="0">
         <a:lnSpc>
           <a:spcPct val="100000"/>
         </a:lnSpc>
@@ -6869,7 +7085,7 @@
           <a:srgbClr val="000000"/>
         </a:buClr>
         <a:buFont typeface="Arial"/>
-        <a:defRPr b="0" i="0" sz="1400" u="none" cap="none" strike="noStrike">
+        <a:defRPr sz="1400" b="0" i="0" u="none" strike="noStrike" cap="none">
           <a:solidFill>
             <a:srgbClr val="000000"/>
           </a:solidFill>
@@ -6879,7 +7095,7 @@
           <a:sym typeface="Arial"/>
         </a:defRPr>
       </a:lvl5pPr>
-      <a:lvl6pPr lvl="5" marR="0" rtl="0" algn="l">
+      <a:lvl6pPr marR="0" lvl="5" algn="l" rtl="0">
         <a:lnSpc>
           <a:spcPct val="100000"/>
         </a:lnSpc>
@@ -6893,7 +7109,7 @@
           <a:srgbClr val="000000"/>
         </a:buClr>
         <a:buFont typeface="Arial"/>
-        <a:defRPr b="0" i="0" sz="1400" u="none" cap="none" strike="noStrike">
+        <a:defRPr sz="1400" b="0" i="0" u="none" strike="noStrike" cap="none">
           <a:solidFill>
             <a:srgbClr val="000000"/>
           </a:solidFill>
@@ -6903,7 +7119,7 @@
           <a:sym typeface="Arial"/>
         </a:defRPr>
       </a:lvl6pPr>
-      <a:lvl7pPr lvl="6" marR="0" rtl="0" algn="l">
+      <a:lvl7pPr marR="0" lvl="6" algn="l" rtl="0">
         <a:lnSpc>
           <a:spcPct val="100000"/>
         </a:lnSpc>
@@ -6917,7 +7133,7 @@
           <a:srgbClr val="000000"/>
         </a:buClr>
         <a:buFont typeface="Arial"/>
-        <a:defRPr b="0" i="0" sz="1400" u="none" cap="none" strike="noStrike">
+        <a:defRPr sz="1400" b="0" i="0" u="none" strike="noStrike" cap="none">
           <a:solidFill>
             <a:srgbClr val="000000"/>
           </a:solidFill>
@@ -6927,7 +7143,7 @@
           <a:sym typeface="Arial"/>
         </a:defRPr>
       </a:lvl7pPr>
-      <a:lvl8pPr lvl="7" marR="0" rtl="0" algn="l">
+      <a:lvl8pPr marR="0" lvl="7" algn="l" rtl="0">
         <a:lnSpc>
           <a:spcPct val="100000"/>
         </a:lnSpc>
@@ -6941,7 +7157,7 @@
           <a:srgbClr val="000000"/>
         </a:buClr>
         <a:buFont typeface="Arial"/>
-        <a:defRPr b="0" i="0" sz="1400" u="none" cap="none" strike="noStrike">
+        <a:defRPr sz="1400" b="0" i="0" u="none" strike="noStrike" cap="none">
           <a:solidFill>
             <a:srgbClr val="000000"/>
           </a:solidFill>
@@ -6951,7 +7167,7 @@
           <a:sym typeface="Arial"/>
         </a:defRPr>
       </a:lvl8pPr>
-      <a:lvl9pPr lvl="8" marR="0" rtl="0" algn="l">
+      <a:lvl9pPr marR="0" lvl="8" algn="l" rtl="0">
         <a:lnSpc>
           <a:spcPct val="100000"/>
         </a:lnSpc>
@@ -6965,7 +7181,7 @@
           <a:srgbClr val="000000"/>
         </a:buClr>
         <a:buFont typeface="Arial"/>
-        <a:defRPr b="0" i="0" sz="1400" u="none" cap="none" strike="noStrike">
+        <a:defRPr sz="1400" b="0" i="0" u="none" strike="noStrike" cap="none">
           <a:solidFill>
             <a:srgbClr val="000000"/>
           </a:solidFill>
@@ -6977,7 +7193,7 @@
       </a:lvl9pPr>
     </p:bodyStyle>
     <p:otherStyle>
-      <a:defPPr lvl="0" marR="0" rtl="0" algn="l">
+      <a:defPPr marR="0" lvl="0" algn="l" rtl="0">
         <a:lnSpc>
           <a:spcPct val="100000"/>
         </a:lnSpc>
@@ -6988,7 +7204,7 @@
           <a:spcPts val="0"/>
         </a:spcAft>
       </a:defPPr>
-      <a:lvl1pPr lvl="0" marR="0" rtl="0" algn="l">
+      <a:lvl1pPr marR="0" lvl="0" algn="l" rtl="0">
         <a:lnSpc>
           <a:spcPct val="100000"/>
         </a:lnSpc>
@@ -7002,7 +7218,7 @@
           <a:srgbClr val="000000"/>
         </a:buClr>
         <a:buFont typeface="Arial"/>
-        <a:defRPr b="0" i="0" sz="1400" u="none" cap="none" strike="noStrike">
+        <a:defRPr sz="1400" b="0" i="0" u="none" strike="noStrike" cap="none">
           <a:solidFill>
             <a:srgbClr val="000000"/>
           </a:solidFill>
@@ -7012,7 +7228,7 @@
           <a:sym typeface="Arial"/>
         </a:defRPr>
       </a:lvl1pPr>
-      <a:lvl2pPr lvl="1" marR="0" rtl="0" algn="l">
+      <a:lvl2pPr marR="0" lvl="1" algn="l" rtl="0">
         <a:lnSpc>
           <a:spcPct val="100000"/>
         </a:lnSpc>
@@ -7026,7 +7242,7 @@
           <a:srgbClr val="000000"/>
         </a:buClr>
         <a:buFont typeface="Arial"/>
-        <a:defRPr b="0" i="0" sz="1400" u="none" cap="none" strike="noStrike">
+        <a:defRPr sz="1400" b="0" i="0" u="none" strike="noStrike" cap="none">
           <a:solidFill>
             <a:srgbClr val="000000"/>
           </a:solidFill>
@@ -7036,7 +7252,7 @@
           <a:sym typeface="Arial"/>
         </a:defRPr>
       </a:lvl2pPr>
-      <a:lvl3pPr lvl="2" marR="0" rtl="0" algn="l">
+      <a:lvl3pPr marR="0" lvl="2" algn="l" rtl="0">
         <a:lnSpc>
           <a:spcPct val="100000"/>
         </a:lnSpc>
@@ -7050,7 +7266,7 @@
           <a:srgbClr val="000000"/>
         </a:buClr>
         <a:buFont typeface="Arial"/>
-        <a:defRPr b="0" i="0" sz="1400" u="none" cap="none" strike="noStrike">
+        <a:defRPr sz="1400" b="0" i="0" u="none" strike="noStrike" cap="none">
           <a:solidFill>
             <a:srgbClr val="000000"/>
           </a:solidFill>
@@ -7060,7 +7276,7 @@
           <a:sym typeface="Arial"/>
         </a:defRPr>
       </a:lvl3pPr>
-      <a:lvl4pPr lvl="3" marR="0" rtl="0" algn="l">
+      <a:lvl4pPr marR="0" lvl="3" algn="l" rtl="0">
         <a:lnSpc>
           <a:spcPct val="100000"/>
         </a:lnSpc>
@@ -7074,7 +7290,7 @@
           <a:srgbClr val="000000"/>
         </a:buClr>
         <a:buFont typeface="Arial"/>
-        <a:defRPr b="0" i="0" sz="1400" u="none" cap="none" strike="noStrike">
+        <a:defRPr sz="1400" b="0" i="0" u="none" strike="noStrike" cap="none">
           <a:solidFill>
             <a:srgbClr val="000000"/>
           </a:solidFill>
@@ -7084,7 +7300,7 @@
           <a:sym typeface="Arial"/>
         </a:defRPr>
       </a:lvl4pPr>
-      <a:lvl5pPr lvl="4" marR="0" rtl="0" algn="l">
+      <a:lvl5pPr marR="0" lvl="4" algn="l" rtl="0">
         <a:lnSpc>
           <a:spcPct val="100000"/>
         </a:lnSpc>
@@ -7098,7 +7314,7 @@
           <a:srgbClr val="000000"/>
         </a:buClr>
         <a:buFont typeface="Arial"/>
-        <a:defRPr b="0" i="0" sz="1400" u="none" cap="none" strike="noStrike">
+        <a:defRPr sz="1400" b="0" i="0" u="none" strike="noStrike" cap="none">
           <a:solidFill>
             <a:srgbClr val="000000"/>
           </a:solidFill>
@@ -7108,7 +7324,7 @@
           <a:sym typeface="Arial"/>
         </a:defRPr>
       </a:lvl5pPr>
-      <a:lvl6pPr lvl="5" marR="0" rtl="0" algn="l">
+      <a:lvl6pPr marR="0" lvl="5" algn="l" rtl="0">
         <a:lnSpc>
           <a:spcPct val="100000"/>
         </a:lnSpc>
@@ -7122,7 +7338,7 @@
           <a:srgbClr val="000000"/>
         </a:buClr>
         <a:buFont typeface="Arial"/>
-        <a:defRPr b="0" i="0" sz="1400" u="none" cap="none" strike="noStrike">
+        <a:defRPr sz="1400" b="0" i="0" u="none" strike="noStrike" cap="none">
           <a:solidFill>
             <a:srgbClr val="000000"/>
           </a:solidFill>
@@ -7132,7 +7348,7 @@
           <a:sym typeface="Arial"/>
         </a:defRPr>
       </a:lvl6pPr>
-      <a:lvl7pPr lvl="6" marR="0" rtl="0" algn="l">
+      <a:lvl7pPr marR="0" lvl="6" algn="l" rtl="0">
         <a:lnSpc>
           <a:spcPct val="100000"/>
         </a:lnSpc>
@@ -7146,7 +7362,7 @@
           <a:srgbClr val="000000"/>
         </a:buClr>
         <a:buFont typeface="Arial"/>
-        <a:defRPr b="0" i="0" sz="1400" u="none" cap="none" strike="noStrike">
+        <a:defRPr sz="1400" b="0" i="0" u="none" strike="noStrike" cap="none">
           <a:solidFill>
             <a:srgbClr val="000000"/>
           </a:solidFill>
@@ -7156,7 +7372,7 @@
           <a:sym typeface="Arial"/>
         </a:defRPr>
       </a:lvl7pPr>
-      <a:lvl8pPr lvl="7" marR="0" rtl="0" algn="l">
+      <a:lvl8pPr marR="0" lvl="7" algn="l" rtl="0">
         <a:lnSpc>
           <a:spcPct val="100000"/>
         </a:lnSpc>
@@ -7170,7 +7386,7 @@
           <a:srgbClr val="000000"/>
         </a:buClr>
         <a:buFont typeface="Arial"/>
-        <a:defRPr b="0" i="0" sz="1400" u="none" cap="none" strike="noStrike">
+        <a:defRPr sz="1400" b="0" i="0" u="none" strike="noStrike" cap="none">
           <a:solidFill>
             <a:srgbClr val="000000"/>
           </a:solidFill>
@@ -7180,7 +7396,7 @@
           <a:sym typeface="Arial"/>
         </a:defRPr>
       </a:lvl8pPr>
-      <a:lvl9pPr lvl="8" marR="0" rtl="0" algn="l">
+      <a:lvl9pPr marR="0" lvl="8" algn="l" rtl="0">
         <a:lnSpc>
           <a:spcPct val="100000"/>
         </a:lnSpc>
@@ -7194,7 +7410,7 @@
           <a:srgbClr val="000000"/>
         </a:buClr>
         <a:buFont typeface="Arial"/>
-        <a:defRPr b="0" i="0" sz="1400" u="none" cap="none" strike="noStrike">
+        <a:defRPr sz="1400" b="0" i="0" u="none" strike="noStrike" cap="none">
           <a:solidFill>
             <a:srgbClr val="000000"/>
           </a:solidFill>
@@ -7210,18 +7426,19 @@
 </file>
 
 <file path=ppt/slides/slide1.xml><?xml version="1.0" encoding="utf-8"?>
-<p:sld xmlns:a="http://schemas.openxmlformats.org/drawingml/2006/main" xmlns:r="http://schemas.openxmlformats.org/officeDocument/2006/relationships" xmlns:mc="http://schemas.openxmlformats.org/markup-compatibility/2006" xmlns:mv="urn:schemas-microsoft-com:mac:vml" xmlns:p="http://schemas.openxmlformats.org/presentationml/2006/main" xmlns:c="http://schemas.openxmlformats.org/drawingml/2006/chart" xmlns:dgm="http://schemas.openxmlformats.org/drawingml/2006/diagram" xmlns:o="urn:schemas-microsoft-com:office:office" xmlns:v="urn:schemas-microsoft-com:vml" xmlns:pvml="urn:schemas-microsoft-com:office:powerpoint" xmlns:com="http://schemas.openxmlformats.org/drawingml/2006/compatibility" xmlns:p14="http://schemas.microsoft.com/office/powerpoint/2010/main" xmlns:p15="http://schemas.microsoft.com/office/powerpoint/2012/main" xmlns:ahyp="http://schemas.microsoft.com/office/drawing/2018/hyperlinkcolor">
+<p:sld xmlns:a="http://schemas.openxmlformats.org/drawingml/2006/main" xmlns:r="http://schemas.openxmlformats.org/officeDocument/2006/relationships" xmlns:p="http://schemas.openxmlformats.org/presentationml/2006/main">
   <p:cSld>
     <p:bg>
       <p:bgPr>
         <a:solidFill>
           <a:srgbClr val="93CA80"/>
         </a:solidFill>
+        <a:effectLst/>
       </p:bgPr>
     </p:bg>
     <p:spTree>
       <p:nvGrpSpPr>
-        <p:cNvPr id="66" name="Shape 66"/>
+        <p:cNvPr id="1" name="Shape 66"/>
         <p:cNvGrpSpPr/>
         <p:nvPr/>
       </p:nvGrpSpPr>
@@ -7236,14 +7453,16 @@
       <p:sp>
         <p:nvSpPr>
           <p:cNvPr id="67" name="Google Shape;67;p13"/>
-          <p:cNvSpPr txBox="1"/>
+          <p:cNvSpPr txBox="1">
+            <a:spLocks noGrp="1"/>
+          </p:cNvSpPr>
           <p:nvPr>
             <p:ph type="ctrTitle"/>
           </p:nvPr>
         </p:nvSpPr>
         <p:spPr>
           <a:xfrm>
-            <a:off x="390525" y="1344825"/>
+            <a:off x="376775" y="1434203"/>
             <a:ext cx="8222100" cy="933600"/>
           </a:xfrm>
           <a:prstGeom prst="rect">
@@ -7251,12 +7470,12 @@
           </a:prstGeom>
         </p:spPr>
         <p:txBody>
-          <a:bodyPr anchorCtr="0" anchor="b" bIns="91425" lIns="91425" spcFirstLastPara="1" rIns="91425" wrap="square" tIns="91425">
+          <a:bodyPr spcFirstLastPara="1" wrap="square" lIns="91425" tIns="91425" rIns="91425" bIns="91425" anchor="b" anchorCtr="0">
             <a:normAutofit/>
           </a:bodyPr>
           <a:lstStyle/>
           <a:p>
-            <a:pPr indent="0" lvl="0" marL="0" rtl="0" algn="l">
+            <a:pPr marL="0" lvl="0" indent="0" algn="l" rtl="0">
               <a:spcBef>
                 <a:spcPts val="0"/>
               </a:spcBef>
@@ -7266,7 +7485,7 @@
               <a:buNone/>
             </a:pPr>
             <a:r>
-              <a:rPr b="1" lang="ru">
+              <a:rPr lang="ru" b="1" dirty="0">
                 <a:solidFill>
                   <a:srgbClr val="151B23"/>
                 </a:solidFill>
@@ -7277,7 +7496,7 @@
               </a:rPr>
               <a:t>FinanceBot </a:t>
             </a:r>
-            <a:endParaRPr b="1">
+            <a:endParaRPr b="1" dirty="0">
               <a:solidFill>
                 <a:srgbClr val="151B23"/>
               </a:solidFill>
@@ -7292,9 +7511,11 @@
       <p:sp>
         <p:nvSpPr>
           <p:cNvPr id="68" name="Google Shape;68;p13"/>
-          <p:cNvSpPr txBox="1"/>
+          <p:cNvSpPr txBox="1">
+            <a:spLocks noGrp="1"/>
+          </p:cNvSpPr>
           <p:nvPr>
-            <p:ph idx="1" type="subTitle"/>
+            <p:ph type="subTitle" idx="1"/>
           </p:nvPr>
         </p:nvSpPr>
         <p:spPr>
@@ -7307,12 +7528,12 @@
           </a:prstGeom>
         </p:spPr>
         <p:txBody>
-          <a:bodyPr anchorCtr="0" anchor="t" bIns="91425" lIns="91425" spcFirstLastPara="1" rIns="91425" wrap="square" tIns="91425">
+          <a:bodyPr spcFirstLastPara="1" wrap="square" lIns="91425" tIns="91425" rIns="91425" bIns="91425" anchor="t" anchorCtr="0">
             <a:noAutofit/>
           </a:bodyPr>
           <a:lstStyle/>
           <a:p>
-            <a:pPr indent="0" lvl="0" marL="0" rtl="0" algn="l">
+            <a:pPr marL="0" lvl="0" indent="0" algn="l" rtl="0">
               <a:lnSpc>
                 <a:spcPct val="115000"/>
               </a:lnSpc>
@@ -7348,7 +7569,7 @@
             </a:endParaRPr>
           </a:p>
           <a:p>
-            <a:pPr indent="0" lvl="0" marL="0" rtl="0" algn="l">
+            <a:pPr marL="0" lvl="0" indent="0" algn="l" rtl="0">
               <a:lnSpc>
                 <a:spcPct val="115000"/>
               </a:lnSpc>
@@ -7388,7 +7609,7 @@
             </a:endParaRPr>
           </a:p>
           <a:p>
-            <a:pPr indent="0" lvl="0" marL="0" rtl="0" algn="l">
+            <a:pPr marL="0" lvl="0" indent="0" algn="l" rtl="0">
               <a:lnSpc>
                 <a:spcPct val="115000"/>
               </a:lnSpc>
@@ -7428,7 +7649,7 @@
             </a:endParaRPr>
           </a:p>
           <a:p>
-            <a:pPr indent="0" lvl="0" marL="0" rtl="0" algn="l">
+            <a:pPr marL="0" lvl="0" indent="0" algn="l" rtl="0">
               <a:lnSpc>
                 <a:spcPct val="115000"/>
               </a:lnSpc>
@@ -7468,7 +7689,7 @@
       </p:sp>
       <p:pic>
         <p:nvPicPr>
-          <p:cNvPr descr="a pixel art drawing of a bunch of money laying on a table (источник: Tenor)" id="69" name="Google Shape;69;p13"/>
+          <p:cNvPr id="69" name="Google Shape;69;p13" descr="a pixel art drawing of a bunch of money laying on a table (источник: Tenor)"/>
           <p:cNvPicPr preferRelativeResize="0"/>
           <p:nvPr/>
         </p:nvPicPr>
@@ -7503,18 +7724,19 @@
 </file>
 
 <file path=ppt/slides/slide2.xml><?xml version="1.0" encoding="utf-8"?>
-<p:sld xmlns:a="http://schemas.openxmlformats.org/drawingml/2006/main" xmlns:r="http://schemas.openxmlformats.org/officeDocument/2006/relationships" xmlns:mc="http://schemas.openxmlformats.org/markup-compatibility/2006" xmlns:mv="urn:schemas-microsoft-com:mac:vml" xmlns:p="http://schemas.openxmlformats.org/presentationml/2006/main" xmlns:c="http://schemas.openxmlformats.org/drawingml/2006/chart" xmlns:dgm="http://schemas.openxmlformats.org/drawingml/2006/diagram" xmlns:o="urn:schemas-microsoft-com:office:office" xmlns:v="urn:schemas-microsoft-com:vml" xmlns:pvml="urn:schemas-microsoft-com:office:powerpoint" xmlns:com="http://schemas.openxmlformats.org/drawingml/2006/compatibility" xmlns:p14="http://schemas.microsoft.com/office/powerpoint/2010/main" xmlns:p15="http://schemas.microsoft.com/office/powerpoint/2012/main" xmlns:ahyp="http://schemas.microsoft.com/office/drawing/2018/hyperlinkcolor">
+<p:sld xmlns:a="http://schemas.openxmlformats.org/drawingml/2006/main" xmlns:r="http://schemas.openxmlformats.org/officeDocument/2006/relationships" xmlns:p="http://schemas.openxmlformats.org/presentationml/2006/main">
   <p:cSld>
     <p:bg>
       <p:bgPr>
         <a:solidFill>
           <a:srgbClr val="93CA80"/>
         </a:solidFill>
+        <a:effectLst/>
       </p:bgPr>
     </p:bg>
     <p:spTree>
       <p:nvGrpSpPr>
-        <p:cNvPr id="73" name="Shape 73"/>
+        <p:cNvPr id="1" name="Shape 73"/>
         <p:cNvGrpSpPr/>
         <p:nvPr/>
       </p:nvGrpSpPr>
@@ -7529,7 +7751,9 @@
       <p:sp>
         <p:nvSpPr>
           <p:cNvPr id="74" name="Google Shape;74;p14"/>
-          <p:cNvSpPr txBox="1"/>
+          <p:cNvSpPr txBox="1">
+            <a:spLocks noGrp="1"/>
+          </p:cNvSpPr>
           <p:nvPr>
             <p:ph type="ctrTitle"/>
           </p:nvPr>
@@ -7544,12 +7768,12 @@
           </a:prstGeom>
         </p:spPr>
         <p:txBody>
-          <a:bodyPr anchorCtr="0" anchor="b" bIns="91425" lIns="91425" spcFirstLastPara="1" rIns="91425" wrap="square" tIns="91425">
+          <a:bodyPr spcFirstLastPara="1" wrap="square" lIns="91425" tIns="91425" rIns="91425" bIns="91425" anchor="b" anchorCtr="0">
             <a:normAutofit/>
           </a:bodyPr>
           <a:lstStyle/>
           <a:p>
-            <a:pPr indent="0" lvl="0" marL="0" rtl="0" algn="l">
+            <a:pPr marL="0" lvl="0" indent="0" algn="l" rtl="0">
               <a:spcBef>
                 <a:spcPts val="0"/>
               </a:spcBef>
@@ -7559,7 +7783,7 @@
               <a:buNone/>
             </a:pPr>
             <a:r>
-              <a:rPr b="1" lang="ru">
+              <a:rPr lang="ru" b="1">
                 <a:solidFill>
                   <a:srgbClr val="151B23"/>
                 </a:solidFill>
@@ -7585,9 +7809,11 @@
       <p:sp>
         <p:nvSpPr>
           <p:cNvPr id="75" name="Google Shape;75;p14"/>
-          <p:cNvSpPr txBox="1"/>
+          <p:cNvSpPr txBox="1">
+            <a:spLocks noGrp="1"/>
+          </p:cNvSpPr>
           <p:nvPr>
-            <p:ph idx="1" type="subTitle"/>
+            <p:ph type="subTitle" idx="1"/>
           </p:nvPr>
         </p:nvSpPr>
         <p:spPr>
@@ -7600,12 +7826,12 @@
           </a:prstGeom>
         </p:spPr>
         <p:txBody>
-          <a:bodyPr anchorCtr="0" anchor="t" bIns="91425" lIns="91425" spcFirstLastPara="1" rIns="91425" wrap="square" tIns="91425">
+          <a:bodyPr spcFirstLastPara="1" wrap="square" lIns="91425" tIns="91425" rIns="91425" bIns="91425" anchor="t" anchorCtr="0">
             <a:normAutofit/>
           </a:bodyPr>
           <a:lstStyle/>
           <a:p>
-            <a:pPr indent="0" lvl="0" marL="0" rtl="0" algn="l">
+            <a:pPr marL="0" lvl="0" indent="0" algn="l" rtl="0">
               <a:lnSpc>
                 <a:spcPct val="115000"/>
               </a:lnSpc>
@@ -7640,7 +7866,7 @@
             </a:endParaRPr>
           </a:p>
           <a:p>
-            <a:pPr indent="0" lvl="0" marL="0" rtl="0" algn="l">
+            <a:pPr marL="0" lvl="0" indent="0" algn="l" rtl="0">
               <a:lnSpc>
                 <a:spcPct val="80000"/>
               </a:lnSpc>
@@ -7657,9 +7883,6 @@
               <a:buFont typeface="Arial"/>
               <a:buNone/>
             </a:pPr>
-            <a:r>
-              <a:t/>
-            </a:r>
             <a:endParaRPr sz="1290">
               <a:solidFill>
                 <a:srgbClr val="000000"/>
@@ -7674,7 +7897,7 @@
       </p:sp>
       <p:pic>
         <p:nvPicPr>
-          <p:cNvPr descr="a blue and white penguin is laying on a pile of money (источник: Tenor)" id="76" name="Google Shape;76;p14"/>
+          <p:cNvPr id="76" name="Google Shape;76;p14" descr="a blue and white penguin is laying on a pile of money (источник: Tenor)"/>
           <p:cNvPicPr preferRelativeResize="0"/>
           <p:nvPr/>
         </p:nvPicPr>
@@ -7709,18 +7932,19 @@
 </file>
 
 <file path=ppt/slides/slide3.xml><?xml version="1.0" encoding="utf-8"?>
-<p:sld xmlns:a="http://schemas.openxmlformats.org/drawingml/2006/main" xmlns:r="http://schemas.openxmlformats.org/officeDocument/2006/relationships" xmlns:mc="http://schemas.openxmlformats.org/markup-compatibility/2006" xmlns:mv="urn:schemas-microsoft-com:mac:vml" xmlns:p="http://schemas.openxmlformats.org/presentationml/2006/main" xmlns:c="http://schemas.openxmlformats.org/drawingml/2006/chart" xmlns:dgm="http://schemas.openxmlformats.org/drawingml/2006/diagram" xmlns:o="urn:schemas-microsoft-com:office:office" xmlns:v="urn:schemas-microsoft-com:vml" xmlns:pvml="urn:schemas-microsoft-com:office:powerpoint" xmlns:com="http://schemas.openxmlformats.org/drawingml/2006/compatibility" xmlns:p14="http://schemas.microsoft.com/office/powerpoint/2010/main" xmlns:p15="http://schemas.microsoft.com/office/powerpoint/2012/main" xmlns:ahyp="http://schemas.microsoft.com/office/drawing/2018/hyperlinkcolor">
+<p:sld xmlns:a="http://schemas.openxmlformats.org/drawingml/2006/main" xmlns:r="http://schemas.openxmlformats.org/officeDocument/2006/relationships" xmlns:p="http://schemas.openxmlformats.org/presentationml/2006/main">
   <p:cSld>
     <p:bg>
       <p:bgPr>
         <a:solidFill>
           <a:srgbClr val="93CA80"/>
         </a:solidFill>
+        <a:effectLst/>
       </p:bgPr>
     </p:bg>
     <p:spTree>
       <p:nvGrpSpPr>
-        <p:cNvPr id="80" name="Shape 80"/>
+        <p:cNvPr id="1" name="Shape 80"/>
         <p:cNvGrpSpPr/>
         <p:nvPr/>
       </p:nvGrpSpPr>
@@ -7735,7 +7959,9 @@
       <p:sp>
         <p:nvSpPr>
           <p:cNvPr id="81" name="Google Shape;81;p15"/>
-          <p:cNvSpPr txBox="1"/>
+          <p:cNvSpPr txBox="1">
+            <a:spLocks noGrp="1"/>
+          </p:cNvSpPr>
           <p:nvPr>
             <p:ph type="ctrTitle"/>
           </p:nvPr>
@@ -7750,12 +7976,12 @@
           </a:prstGeom>
         </p:spPr>
         <p:txBody>
-          <a:bodyPr anchorCtr="0" anchor="b" bIns="91425" lIns="91425" spcFirstLastPara="1" rIns="91425" wrap="square" tIns="91425">
+          <a:bodyPr spcFirstLastPara="1" wrap="square" lIns="91425" tIns="91425" rIns="91425" bIns="91425" anchor="b" anchorCtr="0">
             <a:normAutofit/>
           </a:bodyPr>
           <a:lstStyle/>
           <a:p>
-            <a:pPr indent="0" lvl="0" marL="0" rtl="0" algn="l">
+            <a:pPr marL="0" lvl="0" indent="0" algn="l" rtl="0">
               <a:spcBef>
                 <a:spcPts val="0"/>
               </a:spcBef>
@@ -7765,7 +7991,7 @@
               <a:buNone/>
             </a:pPr>
             <a:r>
-              <a:rPr b="1" lang="ru">
+              <a:rPr lang="ru" b="1">
                 <a:solidFill>
                   <a:srgbClr val="151B23"/>
                 </a:solidFill>
@@ -7791,9 +8017,11 @@
       <p:sp>
         <p:nvSpPr>
           <p:cNvPr id="82" name="Google Shape;82;p15"/>
-          <p:cNvSpPr txBox="1"/>
+          <p:cNvSpPr txBox="1">
+            <a:spLocks noGrp="1"/>
+          </p:cNvSpPr>
           <p:nvPr>
-            <p:ph idx="1" type="subTitle"/>
+            <p:ph type="subTitle" idx="1"/>
           </p:nvPr>
         </p:nvSpPr>
         <p:spPr>
@@ -7806,12 +8034,12 @@
           </a:prstGeom>
         </p:spPr>
         <p:txBody>
-          <a:bodyPr anchorCtr="0" anchor="t" bIns="91425" lIns="91425" spcFirstLastPara="1" rIns="91425" wrap="square" tIns="91425">
-            <a:normAutofit fontScale="55000"/>
+          <a:bodyPr spcFirstLastPara="1" wrap="square" lIns="91425" tIns="91425" rIns="91425" bIns="91425" anchor="t" anchorCtr="0">
+            <a:normAutofit fontScale="55000" lnSpcReduction="10000"/>
           </a:bodyPr>
           <a:lstStyle/>
           <a:p>
-            <a:pPr indent="0" lvl="0" marL="0" rtl="0" algn="l">
+            <a:pPr marL="0" lvl="0" indent="0" algn="l" rtl="0">
               <a:lnSpc>
                 <a:spcPct val="115000"/>
               </a:lnSpc>
@@ -7835,7 +8063,7 @@
               </a:rPr>
               <a:t>FinanceBot представляет собой бота-помощника для расчёта финансов пользователя. Он включает в себя множество навыков для контроля пользователем своего баланса, в том числе и по отдельным категориям, и для просмотра интересной статистики затрат. Наш бот будет полезен для студентов, фрилансеров или учета семейного бюджета.</a:t>
             </a:r>
-            <a:endParaRPr b="1" sz="2850">
+            <a:endParaRPr sz="2850" b="1">
               <a:solidFill>
                 <a:srgbClr val="151B23"/>
               </a:solidFill>
@@ -7849,7 +8077,7 @@
       </p:sp>
       <p:pic>
         <p:nvPicPr>
-          <p:cNvPr descr="dollar note saving investment money exchange business flat design icon. (источник: Getty Images)" id="83" name="Google Shape;83;p15"/>
+          <p:cNvPr id="83" name="Google Shape;83;p15" descr="dollar note saving investment money exchange business flat design icon. (источник: Getty Images)"/>
           <p:cNvPicPr preferRelativeResize="0"/>
           <p:nvPr/>
         </p:nvPicPr>
@@ -7884,18 +8112,19 @@
 </file>
 
 <file path=ppt/slides/slide4.xml><?xml version="1.0" encoding="utf-8"?>
-<p:sld xmlns:a="http://schemas.openxmlformats.org/drawingml/2006/main" xmlns:r="http://schemas.openxmlformats.org/officeDocument/2006/relationships" xmlns:mc="http://schemas.openxmlformats.org/markup-compatibility/2006" xmlns:mv="urn:schemas-microsoft-com:mac:vml" xmlns:p="http://schemas.openxmlformats.org/presentationml/2006/main" xmlns:c="http://schemas.openxmlformats.org/drawingml/2006/chart" xmlns:dgm="http://schemas.openxmlformats.org/drawingml/2006/diagram" xmlns:o="urn:schemas-microsoft-com:office:office" xmlns:v="urn:schemas-microsoft-com:vml" xmlns:pvml="urn:schemas-microsoft-com:office:powerpoint" xmlns:com="http://schemas.openxmlformats.org/drawingml/2006/compatibility" xmlns:p14="http://schemas.microsoft.com/office/powerpoint/2010/main" xmlns:p15="http://schemas.microsoft.com/office/powerpoint/2012/main" xmlns:ahyp="http://schemas.microsoft.com/office/drawing/2018/hyperlinkcolor">
+<p:sld xmlns:a="http://schemas.openxmlformats.org/drawingml/2006/main" xmlns:r="http://schemas.openxmlformats.org/officeDocument/2006/relationships" xmlns:p="http://schemas.openxmlformats.org/presentationml/2006/main">
   <p:cSld>
     <p:bg>
       <p:bgPr>
         <a:solidFill>
           <a:srgbClr val="93CA80"/>
         </a:solidFill>
+        <a:effectLst/>
       </p:bgPr>
     </p:bg>
     <p:spTree>
       <p:nvGrpSpPr>
-        <p:cNvPr id="87" name="Shape 87"/>
+        <p:cNvPr id="1" name="Shape 87"/>
         <p:cNvGrpSpPr/>
         <p:nvPr/>
       </p:nvGrpSpPr>
@@ -7910,7 +8139,9 @@
       <p:sp>
         <p:nvSpPr>
           <p:cNvPr id="88" name="Google Shape;88;p16"/>
-          <p:cNvSpPr txBox="1"/>
+          <p:cNvSpPr txBox="1">
+            <a:spLocks noGrp="1"/>
+          </p:cNvSpPr>
           <p:nvPr>
             <p:ph type="ctrTitle"/>
           </p:nvPr>
@@ -7925,12 +8156,12 @@
           </a:prstGeom>
         </p:spPr>
         <p:txBody>
-          <a:bodyPr anchorCtr="0" anchor="b" bIns="91425" lIns="91425" spcFirstLastPara="1" rIns="91425" wrap="square" tIns="91425">
+          <a:bodyPr spcFirstLastPara="1" wrap="square" lIns="91425" tIns="91425" rIns="91425" bIns="91425" anchor="b" anchorCtr="0">
             <a:normAutofit/>
           </a:bodyPr>
           <a:lstStyle/>
           <a:p>
-            <a:pPr indent="0" lvl="0" marL="0" rtl="0" algn="l">
+            <a:pPr marL="0" lvl="0" indent="0" algn="l" rtl="0">
               <a:spcBef>
                 <a:spcPts val="0"/>
               </a:spcBef>
@@ -7940,7 +8171,7 @@
               <a:buNone/>
             </a:pPr>
             <a:r>
-              <a:rPr b="1" lang="ru">
+              <a:rPr lang="ru" b="1">
                 <a:solidFill>
                   <a:srgbClr val="000000"/>
                 </a:solidFill>
@@ -7966,9 +8197,11 @@
       <p:sp>
         <p:nvSpPr>
           <p:cNvPr id="89" name="Google Shape;89;p16"/>
-          <p:cNvSpPr txBox="1"/>
+          <p:cNvSpPr txBox="1">
+            <a:spLocks noGrp="1"/>
+          </p:cNvSpPr>
           <p:nvPr>
-            <p:ph idx="1" type="subTitle"/>
+            <p:ph type="subTitle" idx="1"/>
           </p:nvPr>
         </p:nvSpPr>
         <p:spPr>
@@ -7981,12 +8214,12 @@
           </a:prstGeom>
         </p:spPr>
         <p:txBody>
-          <a:bodyPr anchorCtr="0" anchor="t" bIns="91425" lIns="91425" spcFirstLastPara="1" rIns="91425" wrap="square" tIns="91425">
+          <a:bodyPr spcFirstLastPara="1" wrap="square" lIns="91425" tIns="91425" rIns="91425" bIns="91425" anchor="t" anchorCtr="0">
             <a:noAutofit/>
           </a:bodyPr>
           <a:lstStyle/>
           <a:p>
-            <a:pPr indent="-317500" lvl="0" marL="457200" rtl="0" algn="l">
+            <a:pPr marL="457200" lvl="0" indent="-317500" algn="l" rtl="0">
               <a:lnSpc>
                 <a:spcPct val="115000"/>
               </a:lnSpc>
@@ -8026,7 +8259,7 @@
             </a:endParaRPr>
           </a:p>
           <a:p>
-            <a:pPr indent="-317500" lvl="0" marL="457200" rtl="0" algn="l">
+            <a:pPr marL="457200" lvl="0" indent="-317500" algn="l" rtl="0">
               <a:lnSpc>
                 <a:spcPct val="115000"/>
               </a:lnSpc>
@@ -8066,7 +8299,7 @@
             </a:endParaRPr>
           </a:p>
           <a:p>
-            <a:pPr indent="-317500" lvl="0" marL="457200" rtl="0" algn="l">
+            <a:pPr marL="457200" lvl="0" indent="-317500" algn="l" rtl="0">
               <a:lnSpc>
                 <a:spcPct val="115000"/>
               </a:lnSpc>
@@ -8106,7 +8339,7 @@
             </a:endParaRPr>
           </a:p>
           <a:p>
-            <a:pPr indent="-317500" lvl="0" marL="457200" rtl="0" algn="l">
+            <a:pPr marL="457200" lvl="0" indent="-317500" algn="l" rtl="0">
               <a:lnSpc>
                 <a:spcPct val="115000"/>
               </a:lnSpc>
@@ -8146,7 +8379,7 @@
             </a:endParaRPr>
           </a:p>
           <a:p>
-            <a:pPr indent="-317500" lvl="0" marL="457200" rtl="0" algn="l">
+            <a:pPr marL="457200" lvl="0" indent="-317500" algn="l" rtl="0">
               <a:lnSpc>
                 <a:spcPct val="115000"/>
               </a:lnSpc>
@@ -8186,7 +8419,7 @@
             </a:endParaRPr>
           </a:p>
           <a:p>
-            <a:pPr indent="0" lvl="0" marL="0" rtl="0" algn="l">
+            <a:pPr marL="0" lvl="0" indent="0" algn="l" rtl="0">
               <a:spcBef>
                 <a:spcPts val="1200"/>
               </a:spcBef>
@@ -8195,16 +8428,13 @@
               </a:spcAft>
               <a:buNone/>
             </a:pPr>
-            <a:r>
-              <a:t/>
-            </a:r>
             <a:endParaRPr/>
           </a:p>
         </p:txBody>
       </p:sp>
       <p:pic>
         <p:nvPicPr>
-          <p:cNvPr descr="a yellow cartoon character is sitting at a desk in front of a computer monitor . (источник: Tenor)" id="90" name="Google Shape;90;p16"/>
+          <p:cNvPr id="90" name="Google Shape;90;p16" descr="a yellow cartoon character is sitting at a desk in front of a computer monitor . (источник: Tenor)"/>
           <p:cNvPicPr preferRelativeResize="0"/>
           <p:nvPr/>
         </p:nvPicPr>
@@ -8239,18 +8469,19 @@
 </file>
 
 <file path=ppt/slides/slide5.xml><?xml version="1.0" encoding="utf-8"?>
-<p:sld xmlns:a="http://schemas.openxmlformats.org/drawingml/2006/main" xmlns:r="http://schemas.openxmlformats.org/officeDocument/2006/relationships" xmlns:mc="http://schemas.openxmlformats.org/markup-compatibility/2006" xmlns:mv="urn:schemas-microsoft-com:mac:vml" xmlns:p="http://schemas.openxmlformats.org/presentationml/2006/main" xmlns:c="http://schemas.openxmlformats.org/drawingml/2006/chart" xmlns:dgm="http://schemas.openxmlformats.org/drawingml/2006/diagram" xmlns:o="urn:schemas-microsoft-com:office:office" xmlns:v="urn:schemas-microsoft-com:vml" xmlns:pvml="urn:schemas-microsoft-com:office:powerpoint" xmlns:com="http://schemas.openxmlformats.org/drawingml/2006/compatibility" xmlns:p14="http://schemas.microsoft.com/office/powerpoint/2010/main" xmlns:p15="http://schemas.microsoft.com/office/powerpoint/2012/main" xmlns:ahyp="http://schemas.microsoft.com/office/drawing/2018/hyperlinkcolor">
+<p:sld xmlns:a="http://schemas.openxmlformats.org/drawingml/2006/main" xmlns:r="http://schemas.openxmlformats.org/officeDocument/2006/relationships" xmlns:p="http://schemas.openxmlformats.org/presentationml/2006/main">
   <p:cSld>
     <p:bg>
       <p:bgPr>
         <a:solidFill>
           <a:srgbClr val="93CA80"/>
         </a:solidFill>
+        <a:effectLst/>
       </p:bgPr>
     </p:bg>
     <p:spTree>
       <p:nvGrpSpPr>
-        <p:cNvPr id="94" name="Shape 94"/>
+        <p:cNvPr id="1" name="Shape 94"/>
         <p:cNvGrpSpPr/>
         <p:nvPr/>
       </p:nvGrpSpPr>
@@ -8265,7 +8496,9 @@
       <p:sp>
         <p:nvSpPr>
           <p:cNvPr id="95" name="Google Shape;95;p17"/>
-          <p:cNvSpPr txBox="1"/>
+          <p:cNvSpPr txBox="1">
+            <a:spLocks noGrp="1"/>
+          </p:cNvSpPr>
           <p:nvPr>
             <p:ph type="ctrTitle"/>
           </p:nvPr>
@@ -8280,12 +8513,12 @@
           </a:prstGeom>
         </p:spPr>
         <p:txBody>
-          <a:bodyPr anchorCtr="0" anchor="b" bIns="91425" lIns="91425" spcFirstLastPara="1" rIns="91425" wrap="square" tIns="91425">
+          <a:bodyPr spcFirstLastPara="1" wrap="square" lIns="91425" tIns="91425" rIns="91425" bIns="91425" anchor="b" anchorCtr="0">
             <a:normAutofit/>
           </a:bodyPr>
           <a:lstStyle/>
           <a:p>
-            <a:pPr indent="0" lvl="0" marL="0" rtl="0" algn="l">
+            <a:pPr marL="0" lvl="0" indent="0" algn="l" rtl="0">
               <a:spcBef>
                 <a:spcPts val="0"/>
               </a:spcBef>
@@ -8295,7 +8528,7 @@
               <a:buNone/>
             </a:pPr>
             <a:r>
-              <a:rPr b="1" lang="ru">
+              <a:rPr lang="ru" b="1">
                 <a:solidFill>
                   <a:srgbClr val="000000"/>
                 </a:solidFill>
@@ -8321,9 +8554,11 @@
       <p:sp>
         <p:nvSpPr>
           <p:cNvPr id="96" name="Google Shape;96;p17"/>
-          <p:cNvSpPr txBox="1"/>
+          <p:cNvSpPr txBox="1">
+            <a:spLocks noGrp="1"/>
+          </p:cNvSpPr>
           <p:nvPr>
-            <p:ph idx="1" type="subTitle"/>
+            <p:ph type="subTitle" idx="1"/>
           </p:nvPr>
         </p:nvSpPr>
         <p:spPr>
@@ -8336,12 +8571,12 @@
           </a:prstGeom>
         </p:spPr>
         <p:txBody>
-          <a:bodyPr anchorCtr="0" anchor="t" bIns="91425" lIns="91425" spcFirstLastPara="1" rIns="91425" wrap="square" tIns="91425">
+          <a:bodyPr spcFirstLastPara="1" wrap="square" lIns="91425" tIns="91425" rIns="91425" bIns="91425" anchor="t" anchorCtr="0">
             <a:normAutofit/>
           </a:bodyPr>
           <a:lstStyle/>
           <a:p>
-            <a:pPr indent="-342900" lvl="0" marL="457200" rtl="0" algn="l">
+            <a:pPr marL="457200" lvl="0" indent="-342900" algn="l" rtl="0">
               <a:spcBef>
                 <a:spcPts val="0"/>
               </a:spcBef>
@@ -8379,7 +8614,7 @@
                 <a:hlinkClick r:id="rId3">
                   <a:extLst>
                     <a:ext uri="{A12FA001-AC4F-418D-AE19-62706E023703}">
-                      <ahyp:hlinkClr val="tx"/>
+                      <ahyp:hlinkClr xmlns:ahyp="http://schemas.microsoft.com/office/drawing/2018/hyperlinkcolor" xmlns:p15="http://schemas.microsoft.com/office/powerpoint/2012/main" xmlns:p14="http://schemas.microsoft.com/office/powerpoint/2010/main" xmlns:com="http://schemas.openxmlformats.org/drawingml/2006/compatibility" xmlns:pvml="urn:schemas-microsoft-com:office:powerpoint" xmlns:v="urn:schemas-microsoft-com:vml" xmlns:o="urn:schemas-microsoft-com:office:office" xmlns:dgm="http://schemas.openxmlformats.org/drawingml/2006/diagram" xmlns:c="http://schemas.openxmlformats.org/drawingml/2006/chart" xmlns:mv="urn:schemas-microsoft-com:mac:vml" xmlns:mc="http://schemas.openxmlformats.org/markup-compatibility/2006" xmlns="" val="tx"/>
                     </a:ext>
                   </a:extLst>
                 </a:hlinkClick>
@@ -8409,7 +8644,7 @@
             </a:endParaRPr>
           </a:p>
           <a:p>
-            <a:pPr indent="-342900" lvl="0" marL="457200" rtl="0" algn="l">
+            <a:pPr marL="457200" lvl="0" indent="-342900" algn="l" rtl="0">
               <a:spcBef>
                 <a:spcPts val="0"/>
               </a:spcBef>
@@ -8446,7 +8681,7 @@
             </a:endParaRPr>
           </a:p>
           <a:p>
-            <a:pPr indent="-342900" lvl="0" marL="457200" rtl="0" algn="l">
+            <a:pPr marL="457200" lvl="0" indent="-342900" algn="l" rtl="0">
               <a:spcBef>
                 <a:spcPts val="0"/>
               </a:spcBef>
@@ -8483,7 +8718,7 @@
             </a:endParaRPr>
           </a:p>
           <a:p>
-            <a:pPr indent="-342900" lvl="0" marL="457200" rtl="0" algn="l">
+            <a:pPr marL="457200" lvl="0" indent="-342900" algn="l" rtl="0">
               <a:spcBef>
                 <a:spcPts val="0"/>
               </a:spcBef>
@@ -8520,7 +8755,7 @@
             </a:endParaRPr>
           </a:p>
           <a:p>
-            <a:pPr indent="-342900" lvl="0" marL="457200" rtl="0" algn="l">
+            <a:pPr marL="457200" lvl="0" indent="-342900" algn="l" rtl="0">
               <a:spcBef>
                 <a:spcPts val="0"/>
               </a:spcBef>
@@ -8547,7 +8782,7 @@
               <a:t>В качестве API для построения круговой диаграммы выступает веб-инструмент </a:t>
             </a:r>
             <a:r>
-              <a:rPr b="1" lang="ru" u="sng">
+              <a:rPr lang="ru" b="1" u="sng">
                 <a:solidFill>
                   <a:srgbClr val="000000"/>
                 </a:solidFill>
@@ -8558,7 +8793,7 @@
                 <a:hlinkClick r:id="rId4">
                   <a:extLst>
                     <a:ext uri="{A12FA001-AC4F-418D-AE19-62706E023703}">
-                      <ahyp:hlinkClr val="tx"/>
+                      <ahyp:hlinkClr xmlns:ahyp="http://schemas.microsoft.com/office/drawing/2018/hyperlinkcolor" xmlns:p15="http://schemas.microsoft.com/office/powerpoint/2012/main" xmlns:p14="http://schemas.microsoft.com/office/powerpoint/2010/main" xmlns:com="http://schemas.openxmlformats.org/drawingml/2006/compatibility" xmlns:pvml="urn:schemas-microsoft-com:office:powerpoint" xmlns:v="urn:schemas-microsoft-com:vml" xmlns:o="urn:schemas-microsoft-com:office:office" xmlns:dgm="http://schemas.openxmlformats.org/drawingml/2006/diagram" xmlns:c="http://schemas.openxmlformats.org/drawingml/2006/chart" xmlns:mv="urn:schemas-microsoft-com:mac:vml" xmlns:mc="http://schemas.openxmlformats.org/markup-compatibility/2006" xmlns="" val="tx"/>
                     </a:ext>
                   </a:extLst>
                 </a:hlinkClick>
@@ -8576,7 +8811,7 @@
             </a:endParaRPr>
           </a:p>
           <a:p>
-            <a:pPr indent="-342900" lvl="0" marL="457200" rtl="0" algn="l">
+            <a:pPr marL="457200" lvl="0" indent="-342900" algn="l" rtl="0">
               <a:spcBef>
                 <a:spcPts val="0"/>
               </a:spcBef>
@@ -8623,18 +8858,19 @@
 </file>
 
 <file path=ppt/slides/slide6.xml><?xml version="1.0" encoding="utf-8"?>
-<p:sld xmlns:a="http://schemas.openxmlformats.org/drawingml/2006/main" xmlns:r="http://schemas.openxmlformats.org/officeDocument/2006/relationships" xmlns:mc="http://schemas.openxmlformats.org/markup-compatibility/2006" xmlns:mv="urn:schemas-microsoft-com:mac:vml" xmlns:p="http://schemas.openxmlformats.org/presentationml/2006/main" xmlns:c="http://schemas.openxmlformats.org/drawingml/2006/chart" xmlns:dgm="http://schemas.openxmlformats.org/drawingml/2006/diagram" xmlns:o="urn:schemas-microsoft-com:office:office" xmlns:v="urn:schemas-microsoft-com:vml" xmlns:pvml="urn:schemas-microsoft-com:office:powerpoint" xmlns:com="http://schemas.openxmlformats.org/drawingml/2006/compatibility" xmlns:p14="http://schemas.microsoft.com/office/powerpoint/2010/main" xmlns:p15="http://schemas.microsoft.com/office/powerpoint/2012/main" xmlns:ahyp="http://schemas.microsoft.com/office/drawing/2018/hyperlinkcolor">
+<p:sld xmlns:a="http://schemas.openxmlformats.org/drawingml/2006/main" xmlns:r="http://schemas.openxmlformats.org/officeDocument/2006/relationships" xmlns:p="http://schemas.openxmlformats.org/presentationml/2006/main">
   <p:cSld>
     <p:bg>
       <p:bgPr>
         <a:solidFill>
           <a:srgbClr val="93CA80"/>
         </a:solidFill>
+        <a:effectLst/>
       </p:bgPr>
     </p:bg>
     <p:spTree>
       <p:nvGrpSpPr>
-        <p:cNvPr id="100" name="Shape 100"/>
+        <p:cNvPr id="1" name="Shape 100"/>
         <p:cNvGrpSpPr/>
         <p:nvPr/>
       </p:nvGrpSpPr>
@@ -8649,7 +8885,9 @@
       <p:sp>
         <p:nvSpPr>
           <p:cNvPr id="101" name="Google Shape;101;p18"/>
-          <p:cNvSpPr txBox="1"/>
+          <p:cNvSpPr txBox="1">
+            <a:spLocks noGrp="1"/>
+          </p:cNvSpPr>
           <p:nvPr>
             <p:ph type="ctrTitle"/>
           </p:nvPr>
@@ -8664,12 +8902,12 @@
           </a:prstGeom>
         </p:spPr>
         <p:txBody>
-          <a:bodyPr anchorCtr="0" anchor="b" bIns="91425" lIns="91425" spcFirstLastPara="1" rIns="91425" wrap="square" tIns="91425">
+          <a:bodyPr spcFirstLastPara="1" wrap="square" lIns="91425" tIns="91425" rIns="91425" bIns="91425" anchor="b" anchorCtr="0">
             <a:normAutofit/>
           </a:bodyPr>
           <a:lstStyle/>
           <a:p>
-            <a:pPr indent="0" lvl="0" marL="0" rtl="0" algn="l">
+            <a:pPr marL="0" lvl="0" indent="0" algn="l" rtl="0">
               <a:spcBef>
                 <a:spcPts val="0"/>
               </a:spcBef>
@@ -8679,7 +8917,7 @@
               <a:buNone/>
             </a:pPr>
             <a:r>
-              <a:rPr b="1" lang="ru">
+              <a:rPr lang="ru" b="1">
                 <a:solidFill>
                   <a:srgbClr val="000000"/>
                 </a:solidFill>
@@ -8705,9 +8943,11 @@
       <p:sp>
         <p:nvSpPr>
           <p:cNvPr id="102" name="Google Shape;102;p18"/>
-          <p:cNvSpPr txBox="1"/>
+          <p:cNvSpPr txBox="1">
+            <a:spLocks noGrp="1"/>
+          </p:cNvSpPr>
           <p:nvPr>
-            <p:ph idx="1" type="subTitle"/>
+            <p:ph type="subTitle" idx="1"/>
           </p:nvPr>
         </p:nvSpPr>
         <p:spPr>
@@ -8720,12 +8960,12 @@
           </a:prstGeom>
         </p:spPr>
         <p:txBody>
-          <a:bodyPr anchorCtr="0" anchor="t" bIns="91425" lIns="91425" spcFirstLastPara="1" rIns="91425" wrap="square" tIns="91425">
+          <a:bodyPr spcFirstLastPara="1" wrap="square" lIns="91425" tIns="91425" rIns="91425" bIns="91425" anchor="t" anchorCtr="0">
             <a:normAutofit fontScale="92500" lnSpcReduction="20000"/>
           </a:bodyPr>
           <a:lstStyle/>
           <a:p>
-            <a:pPr indent="0" lvl="0" marL="0" rtl="0" algn="l">
+            <a:pPr marL="0" lvl="0" indent="0" algn="l" rtl="0">
               <a:spcBef>
                 <a:spcPts val="0"/>
               </a:spcBef>
@@ -8734,9 +8974,6 @@
               </a:spcAft>
               <a:buNone/>
             </a:pPr>
-            <a:r>
-              <a:t/>
-            </a:r>
             <a:endParaRPr>
               <a:solidFill>
                 <a:srgbClr val="000000"/>
@@ -8758,7 +8995,7 @@
 </file>
 
 <file path=ppt/theme/theme1.xml><?xml version="1.0" encoding="utf-8"?>
-<a:theme xmlns:a="http://schemas.openxmlformats.org/drawingml/2006/main" xmlns:r="http://schemas.openxmlformats.org/officeDocument/2006/relationships" name="Material">
+<a:theme xmlns:a="http://schemas.openxmlformats.org/drawingml/2006/main" name="Material">
   <a:themeElements>
     <a:clrScheme name="Material">
       <a:dk1>
@@ -9033,11 +9270,13 @@
       </a:bgFillStyleLst>
     </a:fmtScheme>
   </a:themeElements>
+  <a:objectDefaults/>
+  <a:extraClrSchemeLst/>
 </a:theme>
 </file>
 
 <file path=ppt/theme/theme2.xml><?xml version="1.0" encoding="utf-8"?>
-<a:theme xmlns:a="http://schemas.openxmlformats.org/drawingml/2006/main" xmlns:r="http://schemas.openxmlformats.org/officeDocument/2006/relationships">
+<a:theme xmlns:a="http://schemas.openxmlformats.org/drawingml/2006/main">
   <a:themeElements>
     <a:clrScheme name="Default">
       <a:dk1>
@@ -9312,5 +9551,7 @@
       </a:bgFillStyleLst>
     </a:fmtScheme>
   </a:themeElements>
+  <a:objectDefaults/>
+  <a:extraClrSchemeLst/>
 </a:theme>
 </file>
--- a/Презентация.pptx
+++ b/Презентация.pptx
@@ -19,24 +19,24 @@
   <p:notesSz cx="6858000" cy="9144000"/>
   <p:embeddedFontLst>
     <p:embeddedFont>
-      <p:font typeface="Lora" charset="-52"/>
+      <p:font typeface="Lora" panose="020B0604020202020204" charset="-52"/>
       <p:regular r:id="rId9"/>
       <p:bold r:id="rId10"/>
       <p:italic r:id="rId11"/>
       <p:boldItalic r:id="rId12"/>
     </p:embeddedFont>
     <p:embeddedFont>
-      <p:font typeface="Roboto" charset="0"/>
+      <p:font typeface="Old Standard TT" panose="020B0604020202020204" charset="-52"/>
       <p:regular r:id="rId13"/>
       <p:bold r:id="rId14"/>
       <p:italic r:id="rId15"/>
-      <p:boldItalic r:id="rId16"/>
     </p:embeddedFont>
     <p:embeddedFont>
-      <p:font typeface="Old Standard TT" charset="-52"/>
-      <p:regular r:id="rId17"/>
-      <p:bold r:id="rId18"/>
-      <p:italic r:id="rId19"/>
+      <p:font typeface="Roboto" panose="020B0604020202020204" charset="0"/>
+      <p:regular r:id="rId16"/>
+      <p:bold r:id="rId17"/>
+      <p:italic r:id="rId18"/>
+      <p:boldItalic r:id="rId19"/>
     </p:embeddedFont>
   </p:embeddedFontLst>
   <p:defaultTextStyle>
@@ -270,7 +270,7 @@
   </p:defaultTextStyle>
   <p:extLst>
     <p:ext uri="{EFAFB233-063F-42B5-8137-9DF3F51BA10A}">
-      <p15:sldGuideLst xmlns:ahyp="http://schemas.microsoft.com/office/drawing/2018/hyperlinkcolor" xmlns:p15="http://schemas.microsoft.com/office/powerpoint/2012/main" xmlns:p14="http://schemas.microsoft.com/office/powerpoint/2010/main" xmlns:com="http://schemas.openxmlformats.org/drawingml/2006/compatibility" xmlns:pvml="urn:schemas-microsoft-com:office:powerpoint" xmlns:v="urn:schemas-microsoft-com:vml" xmlns:o="urn:schemas-microsoft-com:office:office" xmlns:dgm="http://schemas.openxmlformats.org/drawingml/2006/diagram" xmlns:c="http://schemas.openxmlformats.org/drawingml/2006/chart" xmlns:mv="urn:schemas-microsoft-com:mac:vml" xmlns:mc="http://schemas.openxmlformats.org/markup-compatibility/2006" xmlns="">
+      <p15:sldGuideLst xmlns:p15="http://schemas.microsoft.com/office/powerpoint/2012/main">
         <p15:guide id="1" orient="horz" pos="1620">
           <p15:clr>
             <a:srgbClr val="747775"/>
@@ -7703,7 +7703,7 @@
         </p:blipFill>
         <p:spPr>
           <a:xfrm>
-            <a:off x="4640475" y="898150"/>
+            <a:off x="4617228" y="834355"/>
             <a:ext cx="3972150" cy="3347225"/>
           </a:xfrm>
           <a:prstGeom prst="rect">
@@ -8614,7 +8614,7 @@
                 <a:hlinkClick r:id="rId3">
                   <a:extLst>
                     <a:ext uri="{A12FA001-AC4F-418D-AE19-62706E023703}">
-                      <ahyp:hlinkClr xmlns:ahyp="http://schemas.microsoft.com/office/drawing/2018/hyperlinkcolor" xmlns:p15="http://schemas.microsoft.com/office/powerpoint/2012/main" xmlns:p14="http://schemas.microsoft.com/office/powerpoint/2010/main" xmlns:com="http://schemas.openxmlformats.org/drawingml/2006/compatibility" xmlns:pvml="urn:schemas-microsoft-com:office:powerpoint" xmlns:v="urn:schemas-microsoft-com:vml" xmlns:o="urn:schemas-microsoft-com:office:office" xmlns:dgm="http://schemas.openxmlformats.org/drawingml/2006/diagram" xmlns:c="http://schemas.openxmlformats.org/drawingml/2006/chart" xmlns:mv="urn:schemas-microsoft-com:mac:vml" xmlns:mc="http://schemas.openxmlformats.org/markup-compatibility/2006" xmlns="" val="tx"/>
+                      <ahyp:hlinkClr xmlns:ahyp="http://schemas.microsoft.com/office/drawing/2018/hyperlinkcolor" val="tx"/>
                     </a:ext>
                   </a:extLst>
                 </a:hlinkClick>
@@ -8793,7 +8793,7 @@
                 <a:hlinkClick r:id="rId4">
                   <a:extLst>
                     <a:ext uri="{A12FA001-AC4F-418D-AE19-62706E023703}">
-                      <ahyp:hlinkClr xmlns:ahyp="http://schemas.microsoft.com/office/drawing/2018/hyperlinkcolor" xmlns:p15="http://schemas.microsoft.com/office/powerpoint/2012/main" xmlns:p14="http://schemas.microsoft.com/office/powerpoint/2010/main" xmlns:com="http://schemas.openxmlformats.org/drawingml/2006/compatibility" xmlns:pvml="urn:schemas-microsoft-com:office:powerpoint" xmlns:v="urn:schemas-microsoft-com:vml" xmlns:o="urn:schemas-microsoft-com:office:office" xmlns:dgm="http://schemas.openxmlformats.org/drawingml/2006/diagram" xmlns:c="http://schemas.openxmlformats.org/drawingml/2006/chart" xmlns:mv="urn:schemas-microsoft-com:mac:vml" xmlns:mc="http://schemas.openxmlformats.org/markup-compatibility/2006" xmlns="" val="tx"/>
+                      <ahyp:hlinkClr xmlns:ahyp="http://schemas.microsoft.com/office/drawing/2018/hyperlinkcolor" val="tx"/>
                     </a:ext>
                   </a:extLst>
                 </a:hlinkClick>
